--- a/FinalPresentation.pptx
+++ b/FinalPresentation.pptx
@@ -5,15 +5,16 @@
     <p:sldMasterId id="2147483649" r:id="rId1"/>
   </p:sldMasterIdLst>
   <p:notesMasterIdLst>
-    <p:notesMasterId r:id="rId5"/>
+    <p:notesMasterId r:id="rId6"/>
   </p:notesMasterIdLst>
   <p:handoutMasterIdLst>
-    <p:handoutMasterId r:id="rId6"/>
+    <p:handoutMasterId r:id="rId7"/>
   </p:handoutMasterIdLst>
   <p:sldIdLst>
     <p:sldId id="259" r:id="rId2"/>
-    <p:sldId id="305" r:id="rId3"/>
-    <p:sldId id="287" r:id="rId4"/>
+    <p:sldId id="306" r:id="rId3"/>
+    <p:sldId id="305" r:id="rId4"/>
+    <p:sldId id="287" r:id="rId5"/>
   </p:sldIdLst>
   <p:sldSz cx="9144000" cy="6858000" type="screen4x3"/>
   <p:notesSz cx="6858000" cy="9144000"/>
@@ -3298,21 +3299,8 @@
                   <a:schemeClr val="tx1"/>
                 </a:solidFill>
               </a:rPr>
-              <a:t>29</a:t>
-            </a:r>
-            <a:r>
-              <a:rPr lang="de-DE" sz="1800" dirty="0" smtClean="0">
-                <a:solidFill>
-                  <a:schemeClr val="tx1"/>
-                </a:solidFill>
-              </a:rPr>
-              <a:t>.01.2016</a:t>
-            </a:r>
-            <a:endParaRPr lang="de-DE" sz="1800" dirty="0" smtClean="0">
-              <a:solidFill>
-                <a:schemeClr val="tx1"/>
-              </a:solidFill>
-            </a:endParaRPr>
+              <a:t>29.01.2016</a:t>
+            </a:r>
           </a:p>
         </p:txBody>
       </p:sp>
@@ -3369,6 +3357,660 @@
           <a:lstStyle/>
           <a:p>
             <a:r>
+              <a:rPr lang="de-DE" dirty="0" smtClean="0"/>
+              <a:t>Global </a:t>
+            </a:r>
+            <a:r>
+              <a:rPr lang="de-DE" dirty="0" err="1" smtClean="0"/>
+              <a:t>Structure</a:t>
+            </a:r>
+            <a:endParaRPr lang="de-DE" dirty="0"/>
+          </a:p>
+        </p:txBody>
+      </p:sp>
+      <p:sp>
+        <p:nvSpPr>
+          <p:cNvPr id="4" name="Datumsplatzhalter 3"/>
+          <p:cNvSpPr>
+            <a:spLocks noGrp="1"/>
+          </p:cNvSpPr>
+          <p:nvPr>
+            <p:ph type="dt" sz="half" idx="2"/>
+          </p:nvPr>
+        </p:nvSpPr>
+        <p:spPr/>
+        <p:txBody>
+          <a:bodyPr/>
+          <a:lstStyle/>
+          <a:p>
+            <a:r>
+              <a:rPr lang="de-CH" smtClean="0"/>
+              <a:t>29.01.2016</a:t>
+            </a:r>
+            <a:endParaRPr lang="en-US" dirty="0"/>
+          </a:p>
+        </p:txBody>
+      </p:sp>
+      <p:sp>
+        <p:nvSpPr>
+          <p:cNvPr id="5" name="Fußzeilenplatzhalter 4"/>
+          <p:cNvSpPr>
+            <a:spLocks noGrp="1"/>
+          </p:cNvSpPr>
+          <p:nvPr>
+            <p:ph type="ftr" sz="quarter" idx="3"/>
+          </p:nvPr>
+        </p:nvSpPr>
+        <p:spPr/>
+        <p:txBody>
+          <a:bodyPr/>
+          <a:lstStyle/>
+          <a:p>
+            <a:r>
+              <a:rPr lang="en-US" smtClean="0"/>
+              <a:t>Katie Jones</a:t>
+            </a:r>
+            <a:br>
+              <a:rPr lang="en-US" smtClean="0"/>
+            </a:br>
+            <a:r>
+              <a:rPr lang="en-US" smtClean="0"/>
+              <a:t>Frederike Dümbgen</a:t>
+            </a:r>
+            <a:endParaRPr lang="en-US" dirty="0"/>
+          </a:p>
+        </p:txBody>
+      </p:sp>
+      <p:sp>
+        <p:nvSpPr>
+          <p:cNvPr id="6" name="Foliennummernplatzhalter 5"/>
+          <p:cNvSpPr>
+            <a:spLocks noGrp="1"/>
+          </p:cNvSpPr>
+          <p:nvPr>
+            <p:ph type="sldNum" sz="quarter" idx="4"/>
+          </p:nvPr>
+        </p:nvSpPr>
+        <p:spPr/>
+        <p:txBody>
+          <a:bodyPr/>
+          <a:lstStyle/>
+          <a:p>
+            <a:fld id="{650B5BBF-7EA4-AE40-9211-F5CA64DA190C}" type="slidenum">
+              <a:rPr lang="en-US" smtClean="0"/>
+              <a:pPr/>
+              <a:t>2</a:t>
+            </a:fld>
+            <a:endParaRPr lang="en-US"/>
+          </a:p>
+        </p:txBody>
+      </p:sp>
+      <p:sp>
+        <p:nvSpPr>
+          <p:cNvPr id="7" name="Rechteck 6"/>
+          <p:cNvSpPr/>
+          <p:nvPr/>
+        </p:nvSpPr>
+        <p:spPr bwMode="auto">
+          <a:xfrm>
+            <a:off x="2743200" y="1676400"/>
+            <a:ext cx="2514600" cy="3352800"/>
+          </a:xfrm>
+          <a:prstGeom prst="rect">
+            <a:avLst/>
+          </a:prstGeom>
+          <a:solidFill>
+            <a:schemeClr val="accent1"/>
+          </a:solidFill>
+          <a:ln w="12700" cap="sq" cmpd="sng" algn="ctr">
+            <a:solidFill>
+              <a:schemeClr val="tx1"/>
+            </a:solidFill>
+            <a:prstDash val="solid"/>
+            <a:round/>
+            <a:headEnd type="none" w="sm" len="sm"/>
+            <a:tailEnd type="none" w="sm" len="sm"/>
+          </a:ln>
+          <a:effectLst/>
+          <a:extLst>
+            <a:ext uri="{AF507438-7753-43e0-B8FC-AC1667EBCBE1}">
+              <a14:hiddenEffects xmlns:a14="http://schemas.microsoft.com/office/drawing/2010/main">
+                <a:effectLst>
+                  <a:outerShdw blurRad="63500" dist="38099" dir="2700000" algn="ctr" rotWithShape="0">
+                    <a:schemeClr val="bg2">
+                      <a:alpha val="74998"/>
+                    </a:schemeClr>
+                  </a:outerShdw>
+                </a:effectLst>
+              </a14:hiddenEffects>
+            </a:ext>
+          </a:extLst>
+        </p:spPr>
+        <p:txBody>
+          <a:bodyPr vert="horz" wrap="square" lIns="91440" tIns="45720" rIns="91440" bIns="45720" numCol="1" rtlCol="0" anchor="t" anchorCtr="0" compatLnSpc="1">
+            <a:prstTxWarp prst="textNoShape">
+              <a:avLst/>
+            </a:prstTxWarp>
+          </a:bodyPr>
+          <a:lstStyle/>
+          <a:p>
+            <a:pPr marL="0" marR="0" indent="0" algn="ctr" defTabSz="914400" rtl="0" eaLnBrk="0" fontAlgn="base" latinLnBrk="0" hangingPunct="0">
+              <a:lnSpc>
+                <a:spcPct val="100000"/>
+              </a:lnSpc>
+              <a:spcBef>
+                <a:spcPct val="0"/>
+              </a:spcBef>
+              <a:spcAft>
+                <a:spcPct val="0"/>
+              </a:spcAft>
+              <a:buClrTx/>
+              <a:buSzTx/>
+              <a:buFontTx/>
+              <a:buNone/>
+              <a:tabLst/>
+            </a:pPr>
+            <a:r>
+              <a:rPr kumimoji="0" lang="de-DE" sz="2400" b="0" i="0" u="none" strike="noStrike" cap="none" normalizeH="0" baseline="0" dirty="0" err="1" smtClean="0">
+                <a:ln>
+                  <a:noFill/>
+                </a:ln>
+                <a:solidFill>
+                  <a:schemeClr val="tx1"/>
+                </a:solidFill>
+                <a:effectLst/>
+                <a:latin typeface="Cambria"/>
+                <a:ea typeface="ＭＳ Ｐゴシック" charset="0"/>
+                <a:cs typeface="Cambria"/>
+              </a:rPr>
+              <a:t>MainActivity</a:t>
+            </a:r>
+            <a:endParaRPr kumimoji="0" lang="de-DE" sz="2400" b="0" i="0" u="none" strike="noStrike" cap="none" normalizeH="0" baseline="0" dirty="0">
+              <a:ln>
+                <a:noFill/>
+              </a:ln>
+              <a:solidFill>
+                <a:schemeClr val="tx1"/>
+              </a:solidFill>
+              <a:effectLst/>
+              <a:latin typeface="Cambria"/>
+              <a:ea typeface="ＭＳ Ｐゴシック" charset="0"/>
+              <a:cs typeface="Cambria"/>
+            </a:endParaRPr>
+          </a:p>
+        </p:txBody>
+      </p:sp>
+      <p:sp>
+        <p:nvSpPr>
+          <p:cNvPr id="9" name="Rechteck 8"/>
+          <p:cNvSpPr/>
+          <p:nvPr/>
+        </p:nvSpPr>
+        <p:spPr bwMode="auto">
+          <a:xfrm>
+            <a:off x="2895600" y="2514600"/>
+            <a:ext cx="2209800" cy="2362200"/>
+          </a:xfrm>
+          <a:prstGeom prst="rect">
+            <a:avLst/>
+          </a:prstGeom>
+          <a:solidFill>
+            <a:schemeClr val="accent1"/>
+          </a:solidFill>
+          <a:ln w="12700" cap="sq" cmpd="sng" algn="ctr">
+            <a:solidFill>
+              <a:schemeClr val="tx1"/>
+            </a:solidFill>
+            <a:prstDash val="solid"/>
+            <a:round/>
+            <a:headEnd type="none" w="sm" len="sm"/>
+            <a:tailEnd type="none" w="sm" len="sm"/>
+          </a:ln>
+          <a:effectLst/>
+          <a:extLst>
+            <a:ext uri="{AF507438-7753-43e0-B8FC-AC1667EBCBE1}">
+              <a14:hiddenEffects xmlns:a14="http://schemas.microsoft.com/office/drawing/2010/main">
+                <a:effectLst>
+                  <a:outerShdw blurRad="63500" dist="38099" dir="2700000" algn="ctr" rotWithShape="0">
+                    <a:schemeClr val="bg2">
+                      <a:alpha val="74998"/>
+                    </a:schemeClr>
+                  </a:outerShdw>
+                </a:effectLst>
+              </a14:hiddenEffects>
+            </a:ext>
+          </a:extLst>
+        </p:spPr>
+        <p:txBody>
+          <a:bodyPr vert="horz" wrap="square" lIns="91440" tIns="45720" rIns="91440" bIns="45720" numCol="1" rtlCol="0" anchor="t" anchorCtr="0" compatLnSpc="1">
+            <a:prstTxWarp prst="textNoShape">
+              <a:avLst/>
+            </a:prstTxWarp>
+          </a:bodyPr>
+          <a:lstStyle/>
+          <a:p>
+            <a:pPr marL="0" marR="0" indent="0" algn="ctr" defTabSz="914400" rtl="0" eaLnBrk="0" fontAlgn="base" latinLnBrk="0" hangingPunct="0">
+              <a:lnSpc>
+                <a:spcPct val="100000"/>
+              </a:lnSpc>
+              <a:spcBef>
+                <a:spcPct val="0"/>
+              </a:spcBef>
+              <a:spcAft>
+                <a:spcPct val="0"/>
+              </a:spcAft>
+              <a:buClrTx/>
+              <a:buSzTx/>
+              <a:buFontTx/>
+              <a:buNone/>
+              <a:tabLst/>
+            </a:pPr>
+            <a:r>
+              <a:rPr kumimoji="0" lang="de-DE" sz="2400" b="0" i="0" u="none" strike="noStrike" cap="none" normalizeH="0" baseline="0" dirty="0" err="1" smtClean="0">
+                <a:ln>
+                  <a:noFill/>
+                </a:ln>
+                <a:solidFill>
+                  <a:schemeClr val="tx1"/>
+                </a:solidFill>
+                <a:effectLst/>
+                <a:latin typeface="Cambria"/>
+                <a:ea typeface="ＭＳ Ｐゴシック" charset="0"/>
+                <a:cs typeface="Cambria"/>
+              </a:rPr>
+              <a:t>MainFragment</a:t>
+            </a:r>
+            <a:endParaRPr kumimoji="0" lang="de-DE" sz="2400" b="0" i="0" u="none" strike="noStrike" cap="none" normalizeH="0" baseline="0" dirty="0">
+              <a:ln>
+                <a:noFill/>
+              </a:ln>
+              <a:solidFill>
+                <a:schemeClr val="tx1"/>
+              </a:solidFill>
+              <a:effectLst/>
+              <a:latin typeface="Cambria"/>
+              <a:ea typeface="ＭＳ Ｐゴシック" charset="0"/>
+              <a:cs typeface="Cambria"/>
+            </a:endParaRPr>
+          </a:p>
+        </p:txBody>
+      </p:sp>
+      <p:sp>
+        <p:nvSpPr>
+          <p:cNvPr id="10" name="Rechteck 9"/>
+          <p:cNvSpPr/>
+          <p:nvPr/>
+        </p:nvSpPr>
+        <p:spPr bwMode="auto">
+          <a:xfrm>
+            <a:off x="5562600" y="1981200"/>
+            <a:ext cx="1524000" cy="1600200"/>
+          </a:xfrm>
+          <a:prstGeom prst="rect">
+            <a:avLst/>
+          </a:prstGeom>
+          <a:solidFill>
+            <a:schemeClr val="accent1">
+              <a:lumMod val="40000"/>
+              <a:lumOff val="60000"/>
+            </a:schemeClr>
+          </a:solidFill>
+          <a:ln w="12700" cap="sq" cmpd="sng" algn="ctr">
+            <a:solidFill>
+              <a:schemeClr val="tx1"/>
+            </a:solidFill>
+            <a:prstDash val="solid"/>
+            <a:round/>
+            <a:headEnd type="none" w="sm" len="sm"/>
+            <a:tailEnd type="none" w="sm" len="sm"/>
+          </a:ln>
+          <a:effectLst/>
+          <a:extLst/>
+        </p:spPr>
+        <p:txBody>
+          <a:bodyPr vert="horz" wrap="square" lIns="91440" tIns="45720" rIns="91440" bIns="45720" numCol="1" rtlCol="0" anchor="t" anchorCtr="0" compatLnSpc="1">
+            <a:prstTxWarp prst="textNoShape">
+              <a:avLst/>
+            </a:prstTxWarp>
+          </a:bodyPr>
+          <a:lstStyle/>
+          <a:p>
+            <a:pPr marL="0" marR="0" indent="0" algn="ctr" defTabSz="914400" rtl="0" eaLnBrk="0" fontAlgn="base" latinLnBrk="0" hangingPunct="0">
+              <a:lnSpc>
+                <a:spcPct val="100000"/>
+              </a:lnSpc>
+              <a:spcBef>
+                <a:spcPct val="0"/>
+              </a:spcBef>
+              <a:spcAft>
+                <a:spcPct val="0"/>
+              </a:spcAft>
+              <a:buClrTx/>
+              <a:buSzTx/>
+              <a:buFontTx/>
+              <a:buNone/>
+              <a:tabLst/>
+            </a:pPr>
+            <a:r>
+              <a:rPr kumimoji="0" lang="de-DE" sz="1600" b="0" i="0" u="none" strike="noStrike" cap="none" normalizeH="0" baseline="0" dirty="0" err="1" smtClean="0">
+                <a:ln>
+                  <a:noFill/>
+                </a:ln>
+                <a:solidFill>
+                  <a:schemeClr val="tx1"/>
+                </a:solidFill>
+                <a:effectLst/>
+                <a:latin typeface="Cambria"/>
+                <a:ea typeface="ＭＳ Ｐゴシック" charset="0"/>
+                <a:cs typeface="Cambria"/>
+              </a:rPr>
+              <a:t>LiveFragment</a:t>
+            </a:r>
+            <a:endParaRPr kumimoji="0" lang="de-DE" sz="1600" b="0" i="0" u="none" strike="noStrike" cap="none" normalizeH="0" baseline="0" dirty="0">
+              <a:ln>
+                <a:noFill/>
+              </a:ln>
+              <a:solidFill>
+                <a:schemeClr val="tx1"/>
+              </a:solidFill>
+              <a:effectLst/>
+              <a:latin typeface="Cambria"/>
+              <a:ea typeface="ＭＳ Ｐゴシック" charset="0"/>
+              <a:cs typeface="Cambria"/>
+            </a:endParaRPr>
+          </a:p>
+        </p:txBody>
+      </p:sp>
+      <p:sp>
+        <p:nvSpPr>
+          <p:cNvPr id="11" name="Rechteck 10"/>
+          <p:cNvSpPr/>
+          <p:nvPr/>
+        </p:nvSpPr>
+        <p:spPr bwMode="auto">
+          <a:xfrm>
+            <a:off x="5562600" y="3733800"/>
+            <a:ext cx="1524000" cy="1600200"/>
+          </a:xfrm>
+          <a:prstGeom prst="rect">
+            <a:avLst/>
+          </a:prstGeom>
+          <a:solidFill>
+            <a:srgbClr val="ADC2FF"/>
+          </a:solidFill>
+          <a:ln w="12700" cap="sq" cmpd="sng" algn="ctr">
+            <a:solidFill>
+              <a:schemeClr val="tx1"/>
+            </a:solidFill>
+            <a:prstDash val="solid"/>
+            <a:round/>
+            <a:headEnd type="none" w="sm" len="sm"/>
+            <a:tailEnd type="none" w="sm" len="sm"/>
+          </a:ln>
+          <a:effectLst/>
+          <a:extLst/>
+        </p:spPr>
+        <p:txBody>
+          <a:bodyPr vert="horz" wrap="square" lIns="91440" tIns="45720" rIns="91440" bIns="45720" numCol="1" rtlCol="0" anchor="t" anchorCtr="0" compatLnSpc="1">
+            <a:prstTxWarp prst="textNoShape">
+              <a:avLst/>
+            </a:prstTxWarp>
+          </a:bodyPr>
+          <a:lstStyle/>
+          <a:p>
+            <a:pPr marL="0" marR="0" indent="0" algn="ctr" defTabSz="914400" rtl="0" eaLnBrk="0" fontAlgn="base" latinLnBrk="0" hangingPunct="0">
+              <a:lnSpc>
+                <a:spcPct val="100000"/>
+              </a:lnSpc>
+              <a:spcBef>
+                <a:spcPct val="0"/>
+              </a:spcBef>
+              <a:spcAft>
+                <a:spcPct val="0"/>
+              </a:spcAft>
+              <a:buClrTx/>
+              <a:buSzTx/>
+              <a:buFontTx/>
+              <a:buNone/>
+              <a:tabLst/>
+            </a:pPr>
+            <a:r>
+              <a:rPr kumimoji="0" lang="de-DE" sz="1600" b="0" i="0" u="none" strike="noStrike" cap="none" normalizeH="0" baseline="0" dirty="0" err="1" smtClean="0">
+                <a:ln>
+                  <a:noFill/>
+                </a:ln>
+                <a:solidFill>
+                  <a:schemeClr val="tx1"/>
+                </a:solidFill>
+                <a:effectLst/>
+                <a:latin typeface="Cambria"/>
+                <a:ea typeface="ＭＳ Ｐゴシック" charset="0"/>
+                <a:cs typeface="Cambria"/>
+              </a:rPr>
+              <a:t>StillFragment</a:t>
+            </a:r>
+            <a:endParaRPr kumimoji="0" lang="de-DE" sz="1600" b="0" i="0" u="none" strike="noStrike" cap="none" normalizeH="0" baseline="0" dirty="0">
+              <a:ln>
+                <a:noFill/>
+              </a:ln>
+              <a:solidFill>
+                <a:schemeClr val="tx1"/>
+              </a:solidFill>
+              <a:effectLst/>
+              <a:latin typeface="Cambria"/>
+              <a:ea typeface="ＭＳ Ｐゴシック" charset="0"/>
+              <a:cs typeface="Cambria"/>
+            </a:endParaRPr>
+          </a:p>
+        </p:txBody>
+      </p:sp>
+      <p:sp>
+        <p:nvSpPr>
+          <p:cNvPr id="12" name="Rechteck 11"/>
+          <p:cNvSpPr/>
+          <p:nvPr/>
+        </p:nvSpPr>
+        <p:spPr bwMode="auto">
+          <a:xfrm>
+            <a:off x="3276600" y="3048000"/>
+            <a:ext cx="1524000" cy="1600200"/>
+          </a:xfrm>
+          <a:prstGeom prst="rect">
+            <a:avLst/>
+          </a:prstGeom>
+          <a:solidFill>
+            <a:schemeClr val="accent1">
+              <a:lumMod val="40000"/>
+              <a:lumOff val="60000"/>
+            </a:schemeClr>
+          </a:solidFill>
+          <a:ln w="12700" cap="sq" cmpd="sng" algn="ctr">
+            <a:solidFill>
+              <a:schemeClr val="tx1"/>
+            </a:solidFill>
+            <a:prstDash val="solid"/>
+            <a:round/>
+            <a:headEnd type="none" w="sm" len="sm"/>
+            <a:tailEnd type="none" w="sm" len="sm"/>
+          </a:ln>
+          <a:effectLst/>
+          <a:extLst/>
+        </p:spPr>
+        <p:txBody>
+          <a:bodyPr vert="horz" wrap="square" lIns="91440" tIns="45720" rIns="91440" bIns="45720" numCol="1" rtlCol="0" anchor="t" anchorCtr="0" compatLnSpc="1">
+            <a:prstTxWarp prst="textNoShape">
+              <a:avLst/>
+            </a:prstTxWarp>
+          </a:bodyPr>
+          <a:lstStyle/>
+          <a:p>
+            <a:pPr marL="0" marR="0" indent="0" algn="ctr" defTabSz="914400" rtl="0" eaLnBrk="0" fontAlgn="base" latinLnBrk="0" hangingPunct="0">
+              <a:lnSpc>
+                <a:spcPct val="100000"/>
+              </a:lnSpc>
+              <a:spcBef>
+                <a:spcPct val="0"/>
+              </a:spcBef>
+              <a:spcAft>
+                <a:spcPct val="0"/>
+              </a:spcAft>
+              <a:buClrTx/>
+              <a:buSzTx/>
+              <a:buFontTx/>
+              <a:buNone/>
+              <a:tabLst/>
+            </a:pPr>
+            <a:endParaRPr kumimoji="0" lang="de-DE" sz="1600" b="0" i="0" u="none" strike="noStrike" cap="none" normalizeH="0" baseline="0" dirty="0">
+              <a:ln>
+                <a:noFill/>
+              </a:ln>
+              <a:solidFill>
+                <a:schemeClr val="tx1"/>
+              </a:solidFill>
+              <a:effectLst/>
+              <a:latin typeface="Cambria"/>
+              <a:ea typeface="ＭＳ Ｐゴシック" charset="0"/>
+              <a:cs typeface="Cambria"/>
+            </a:endParaRPr>
+          </a:p>
+        </p:txBody>
+      </p:sp>
+      <p:cxnSp>
+        <p:nvCxnSpPr>
+          <p:cNvPr id="14" name="Gerade Verbindung mit Pfeil 13"/>
+          <p:cNvCxnSpPr>
+            <a:stCxn id="12" idx="3"/>
+            <a:endCxn id="10" idx="1"/>
+          </p:cNvCxnSpPr>
+          <p:nvPr/>
+        </p:nvCxnSpPr>
+        <p:spPr bwMode="auto">
+          <a:xfrm flipV="1">
+            <a:off x="4800600" y="2781300"/>
+            <a:ext cx="762000" cy="1066800"/>
+          </a:xfrm>
+          <a:prstGeom prst="straightConnector1">
+            <a:avLst/>
+          </a:prstGeom>
+          <a:solidFill>
+            <a:schemeClr val="accent1"/>
+          </a:solidFill>
+          <a:ln w="12700" cap="sq" cmpd="sng" algn="ctr">
+            <a:solidFill>
+              <a:schemeClr val="tx1"/>
+            </a:solidFill>
+            <a:prstDash val="solid"/>
+            <a:round/>
+            <a:headEnd type="none" w="sm" len="sm"/>
+            <a:tailEnd type="arrow"/>
+          </a:ln>
+          <a:effectLst/>
+          <a:extLst>
+            <a:ext uri="{AF507438-7753-43e0-B8FC-AC1667EBCBE1}">
+              <a14:hiddenEffects xmlns:a14="http://schemas.microsoft.com/office/drawing/2010/main">
+                <a:effectLst>
+                  <a:outerShdw blurRad="63500" dist="38099" dir="2700000" algn="ctr" rotWithShape="0">
+                    <a:schemeClr val="bg2">
+                      <a:alpha val="74998"/>
+                    </a:schemeClr>
+                  </a:outerShdw>
+                </a:effectLst>
+              </a14:hiddenEffects>
+            </a:ext>
+          </a:extLst>
+        </p:spPr>
+      </p:cxnSp>
+      <p:cxnSp>
+        <p:nvCxnSpPr>
+          <p:cNvPr id="15" name="Gerade Verbindung mit Pfeil 14"/>
+          <p:cNvCxnSpPr>
+            <a:stCxn id="12" idx="3"/>
+            <a:endCxn id="11" idx="1"/>
+          </p:cNvCxnSpPr>
+          <p:nvPr/>
+        </p:nvCxnSpPr>
+        <p:spPr bwMode="auto">
+          <a:xfrm>
+            <a:off x="4800600" y="3848100"/>
+            <a:ext cx="762000" cy="685800"/>
+          </a:xfrm>
+          <a:prstGeom prst="straightConnector1">
+            <a:avLst/>
+          </a:prstGeom>
+          <a:solidFill>
+            <a:schemeClr val="accent1"/>
+          </a:solidFill>
+          <a:ln w="12700" cap="sq" cmpd="sng" algn="ctr">
+            <a:solidFill>
+              <a:schemeClr val="tx1"/>
+            </a:solidFill>
+            <a:prstDash val="solid"/>
+            <a:round/>
+            <a:headEnd type="none" w="sm" len="sm"/>
+            <a:tailEnd type="arrow"/>
+          </a:ln>
+          <a:effectLst/>
+          <a:extLst>
+            <a:ext uri="{AF507438-7753-43e0-B8FC-AC1667EBCBE1}">
+              <a14:hiddenEffects xmlns:a14="http://schemas.microsoft.com/office/drawing/2010/main">
+                <a:effectLst>
+                  <a:outerShdw blurRad="63500" dist="38099" dir="2700000" algn="ctr" rotWithShape="0">
+                    <a:schemeClr val="bg2">
+                      <a:alpha val="74998"/>
+                    </a:schemeClr>
+                  </a:outerShdw>
+                </a:effectLst>
+              </a14:hiddenEffects>
+            </a:ext>
+          </a:extLst>
+        </p:spPr>
+      </p:cxnSp>
+    </p:spTree>
+    <p:extLst>
+      <p:ext uri="{BB962C8B-B14F-4D97-AF65-F5344CB8AC3E}">
+        <p14:creationId xmlns:p14="http://schemas.microsoft.com/office/powerpoint/2010/main" val="291277637"/>
+      </p:ext>
+    </p:extLst>
+  </p:cSld>
+  <p:clrMapOvr>
+    <a:masterClrMapping/>
+  </p:clrMapOvr>
+</p:sld>
+</file>
+
+<file path=ppt/slides/slide3.xml><?xml version="1.0" encoding="utf-8"?>
+<p:sld xmlns:a="http://schemas.openxmlformats.org/drawingml/2006/main" xmlns:r="http://schemas.openxmlformats.org/officeDocument/2006/relationships" xmlns:p="http://schemas.openxmlformats.org/presentationml/2006/main">
+  <p:cSld>
+    <p:spTree>
+      <p:nvGrpSpPr>
+        <p:cNvPr id="1" name=""/>
+        <p:cNvGrpSpPr/>
+        <p:nvPr/>
+      </p:nvGrpSpPr>
+      <p:grpSpPr>
+        <a:xfrm>
+          <a:off x="0" y="0"/>
+          <a:ext cx="0" cy="0"/>
+          <a:chOff x="0" y="0"/>
+          <a:chExt cx="0" cy="0"/>
+        </a:xfrm>
+      </p:grpSpPr>
+      <p:sp>
+        <p:nvSpPr>
+          <p:cNvPr id="2" name="Titel 1"/>
+          <p:cNvSpPr>
+            <a:spLocks noGrp="1"/>
+          </p:cNvSpPr>
+          <p:nvPr>
+            <p:ph type="title"/>
+          </p:nvPr>
+        </p:nvSpPr>
+        <p:spPr/>
+        <p:txBody>
+          <a:bodyPr/>
+          <a:lstStyle/>
+          <a:p>
+            <a:r>
               <a:rPr lang="de-DE" dirty="0" err="1"/>
               <a:t>Conclusion</a:t>
             </a:r>
@@ -3600,7 +4242,7 @@
             <a:fld id="{650B5BBF-7EA4-AE40-9211-F5CA64DA190C}" type="slidenum">
               <a:rPr lang="en-US" smtClean="0"/>
               <a:pPr/>
-              <a:t>2</a:t>
+              <a:t>3</a:t>
             </a:fld>
             <a:endParaRPr lang="en-US"/>
           </a:p>
@@ -3619,7 +4261,7 @@
 </p:sld>
 </file>
 
-<file path=ppt/slides/slide3.xml><?xml version="1.0" encoding="utf-8"?>
+<file path=ppt/slides/slide4.xml><?xml version="1.0" encoding="utf-8"?>
 <p:sld xmlns:a="http://schemas.openxmlformats.org/drawingml/2006/main" xmlns:r="http://schemas.openxmlformats.org/officeDocument/2006/relationships" xmlns:p="http://schemas.openxmlformats.org/presentationml/2006/main">
   <p:cSld>
     <p:spTree>

--- a/FinalPresentation.pptx
+++ b/FinalPresentation.pptx
@@ -5,16 +5,21 @@
     <p:sldMasterId id="2147483649" r:id="rId1"/>
   </p:sldMasterIdLst>
   <p:notesMasterIdLst>
-    <p:notesMasterId r:id="rId6"/>
+    <p:notesMasterId r:id="rId11"/>
   </p:notesMasterIdLst>
   <p:handoutMasterIdLst>
-    <p:handoutMasterId r:id="rId7"/>
+    <p:handoutMasterId r:id="rId12"/>
   </p:handoutMasterIdLst>
   <p:sldIdLst>
     <p:sldId id="259" r:id="rId2"/>
-    <p:sldId id="306" r:id="rId3"/>
-    <p:sldId id="305" r:id="rId4"/>
-    <p:sldId id="287" r:id="rId5"/>
+    <p:sldId id="312" r:id="rId3"/>
+    <p:sldId id="306" r:id="rId4"/>
+    <p:sldId id="311" r:id="rId5"/>
+    <p:sldId id="307" r:id="rId6"/>
+    <p:sldId id="309" r:id="rId7"/>
+    <p:sldId id="310" r:id="rId8"/>
+    <p:sldId id="305" r:id="rId9"/>
+    <p:sldId id="287" r:id="rId10"/>
   </p:sldIdLst>
   <p:sldSz cx="9144000" cy="6858000" type="screen4x3"/>
   <p:notesSz cx="6858000" cy="9144000"/>
@@ -228,7 +233,7 @@
           <a:p>
             <a:fld id="{114B086E-63AF-6E46-9819-3B1C0117305C}" type="datetimeFigureOut">
               <a:rPr lang="de-DE" smtClean="0"/>
-              <a:t>21.01.16</a:t>
+              <a:t>24.01.16</a:t>
             </a:fld>
             <a:endParaRPr lang="de-DE"/>
           </a:p>
@@ -394,7 +399,7 @@
           <a:p>
             <a:fld id="{8EA27249-D31E-804D-8C3D-0E55071659F8}" type="datetimeFigureOut">
               <a:rPr lang="de-DE" smtClean="0"/>
-              <a:t>21.01.16</a:t>
+              <a:t>24.01.16</a:t>
             </a:fld>
             <a:endParaRPr lang="de-DE"/>
           </a:p>
@@ -3357,14 +3362,45 @@
           <a:lstStyle/>
           <a:p>
             <a:r>
+              <a:rPr lang="de-DE" dirty="0" err="1" smtClean="0"/>
+              <a:t>Introduction</a:t>
+            </a:r>
+            <a:r>
               <a:rPr lang="de-DE" dirty="0" smtClean="0"/>
-              <a:t>Global </a:t>
-            </a:r>
-            <a:r>
-              <a:rPr lang="de-DE" dirty="0" err="1" smtClean="0"/>
-              <a:t>Structure</a:t>
-            </a:r>
-            <a:endParaRPr lang="de-DE" dirty="0"/>
+              <a:t/>
+            </a:r>
+            <a:br>
+              <a:rPr lang="de-DE" dirty="0" smtClean="0"/>
+            </a:br>
+            <a:r>
+              <a:rPr lang="de-DE" dirty="0" err="1" smtClean="0">
+                <a:solidFill>
+                  <a:srgbClr val="868686"/>
+                </a:solidFill>
+              </a:rPr>
+              <a:t>Application</a:t>
+            </a:r>
+            <a:r>
+              <a:rPr lang="de-DE" dirty="0" smtClean="0">
+                <a:solidFill>
+                  <a:srgbClr val="868686"/>
+                </a:solidFill>
+              </a:rPr>
+              <a:t> </a:t>
+            </a:r>
+            <a:r>
+              <a:rPr lang="de-DE" dirty="0" err="1" smtClean="0">
+                <a:solidFill>
+                  <a:srgbClr val="868686"/>
+                </a:solidFill>
+              </a:rPr>
+              <a:t>Idea</a:t>
+            </a:r>
+            <a:endParaRPr lang="de-DE" dirty="0">
+              <a:solidFill>
+                <a:srgbClr val="868686"/>
+              </a:solidFill>
+            </a:endParaRPr>
           </a:p>
         </p:txBody>
       </p:sp>
@@ -3445,6 +3481,197 @@
           </a:p>
         </p:txBody>
       </p:sp>
+      <p:pic>
+        <p:nvPicPr>
+          <p:cNvPr id="3" name="Bild 2" descr="Screenshot_20160125-214215.png"/>
+          <p:cNvPicPr>
+            <a:picLocks noChangeAspect="1"/>
+          </p:cNvPicPr>
+          <p:nvPr/>
+        </p:nvPicPr>
+        <p:blipFill>
+          <a:blip r:embed="rId2">
+            <a:extLst>
+              <a:ext uri="{28A0092B-C50C-407E-A947-70E740481C1C}">
+                <a14:useLocalDpi xmlns:a14="http://schemas.microsoft.com/office/drawing/2010/main" val="0"/>
+              </a:ext>
+            </a:extLst>
+          </a:blip>
+          <a:stretch>
+            <a:fillRect/>
+          </a:stretch>
+        </p:blipFill>
+        <p:spPr>
+          <a:xfrm>
+            <a:off x="3011758" y="1600200"/>
+            <a:ext cx="3312842" cy="4417123"/>
+          </a:xfrm>
+          <a:prstGeom prst="rect">
+            <a:avLst/>
+          </a:prstGeom>
+        </p:spPr>
+      </p:pic>
+    </p:spTree>
+    <p:extLst>
+      <p:ext uri="{BB962C8B-B14F-4D97-AF65-F5344CB8AC3E}">
+        <p14:creationId xmlns:p14="http://schemas.microsoft.com/office/powerpoint/2010/main" val="1504503451"/>
+      </p:ext>
+    </p:extLst>
+  </p:cSld>
+  <p:clrMapOvr>
+    <a:masterClrMapping/>
+  </p:clrMapOvr>
+</p:sld>
+</file>
+
+<file path=ppt/slides/slide3.xml><?xml version="1.0" encoding="utf-8"?>
+<p:sld xmlns:a="http://schemas.openxmlformats.org/drawingml/2006/main" xmlns:r="http://schemas.openxmlformats.org/officeDocument/2006/relationships" xmlns:p="http://schemas.openxmlformats.org/presentationml/2006/main">
+  <p:cSld>
+    <p:spTree>
+      <p:nvGrpSpPr>
+        <p:cNvPr id="1" name=""/>
+        <p:cNvGrpSpPr/>
+        <p:nvPr/>
+      </p:nvGrpSpPr>
+      <p:grpSpPr>
+        <a:xfrm>
+          <a:off x="0" y="0"/>
+          <a:ext cx="0" cy="0"/>
+          <a:chOff x="0" y="0"/>
+          <a:chExt cx="0" cy="0"/>
+        </a:xfrm>
+      </p:grpSpPr>
+      <p:sp>
+        <p:nvSpPr>
+          <p:cNvPr id="2" name="Titel 1"/>
+          <p:cNvSpPr>
+            <a:spLocks noGrp="1"/>
+          </p:cNvSpPr>
+          <p:nvPr>
+            <p:ph type="title"/>
+          </p:nvPr>
+        </p:nvSpPr>
+        <p:spPr/>
+        <p:txBody>
+          <a:bodyPr/>
+          <a:lstStyle/>
+          <a:p>
+            <a:r>
+              <a:rPr lang="de-DE" dirty="0" smtClean="0"/>
+              <a:t>Global </a:t>
+            </a:r>
+            <a:r>
+              <a:rPr lang="de-DE" dirty="0" err="1" smtClean="0"/>
+              <a:t>Structure</a:t>
+            </a:r>
+            <a:r>
+              <a:rPr lang="de-DE" dirty="0" smtClean="0"/>
+              <a:t/>
+            </a:r>
+            <a:br>
+              <a:rPr lang="de-DE" dirty="0" smtClean="0"/>
+            </a:br>
+            <a:r>
+              <a:rPr lang="de-DE" dirty="0" smtClean="0">
+                <a:solidFill>
+                  <a:srgbClr val="868686"/>
+                </a:solidFill>
+              </a:rPr>
+              <a:t>Image </a:t>
+            </a:r>
+            <a:r>
+              <a:rPr lang="de-DE" dirty="0" err="1" smtClean="0">
+                <a:solidFill>
+                  <a:srgbClr val="868686"/>
+                </a:solidFill>
+              </a:rPr>
+              <a:t>capture</a:t>
+            </a:r>
+            <a:endParaRPr lang="de-DE" dirty="0">
+              <a:solidFill>
+                <a:srgbClr val="868686"/>
+              </a:solidFill>
+            </a:endParaRPr>
+          </a:p>
+        </p:txBody>
+      </p:sp>
+      <p:sp>
+        <p:nvSpPr>
+          <p:cNvPr id="4" name="Datumsplatzhalter 3"/>
+          <p:cNvSpPr>
+            <a:spLocks noGrp="1"/>
+          </p:cNvSpPr>
+          <p:nvPr>
+            <p:ph type="dt" sz="half" idx="2"/>
+          </p:nvPr>
+        </p:nvSpPr>
+        <p:spPr/>
+        <p:txBody>
+          <a:bodyPr/>
+          <a:lstStyle/>
+          <a:p>
+            <a:r>
+              <a:rPr lang="de-CH" smtClean="0"/>
+              <a:t>29.01.2016</a:t>
+            </a:r>
+            <a:endParaRPr lang="en-US" dirty="0"/>
+          </a:p>
+        </p:txBody>
+      </p:sp>
+      <p:sp>
+        <p:nvSpPr>
+          <p:cNvPr id="5" name="Fußzeilenplatzhalter 4"/>
+          <p:cNvSpPr>
+            <a:spLocks noGrp="1"/>
+          </p:cNvSpPr>
+          <p:nvPr>
+            <p:ph type="ftr" sz="quarter" idx="3"/>
+          </p:nvPr>
+        </p:nvSpPr>
+        <p:spPr/>
+        <p:txBody>
+          <a:bodyPr/>
+          <a:lstStyle/>
+          <a:p>
+            <a:r>
+              <a:rPr lang="en-US" smtClean="0"/>
+              <a:t>Katie Jones</a:t>
+            </a:r>
+            <a:br>
+              <a:rPr lang="en-US" smtClean="0"/>
+            </a:br>
+            <a:r>
+              <a:rPr lang="en-US" smtClean="0"/>
+              <a:t>Frederike Dümbgen</a:t>
+            </a:r>
+            <a:endParaRPr lang="en-US" dirty="0"/>
+          </a:p>
+        </p:txBody>
+      </p:sp>
+      <p:sp>
+        <p:nvSpPr>
+          <p:cNvPr id="6" name="Foliennummernplatzhalter 5"/>
+          <p:cNvSpPr>
+            <a:spLocks noGrp="1"/>
+          </p:cNvSpPr>
+          <p:nvPr>
+            <p:ph type="sldNum" sz="quarter" idx="4"/>
+          </p:nvPr>
+        </p:nvSpPr>
+        <p:spPr/>
+        <p:txBody>
+          <a:bodyPr/>
+          <a:lstStyle/>
+          <a:p>
+            <a:fld id="{650B5BBF-7EA4-AE40-9211-F5CA64DA190C}" type="slidenum">
+              <a:rPr lang="en-US" smtClean="0"/>
+              <a:pPr/>
+              <a:t>3</a:t>
+            </a:fld>
+            <a:endParaRPr lang="en-US" dirty="0"/>
+          </a:p>
+        </p:txBody>
+      </p:sp>
       <p:sp>
         <p:nvSpPr>
           <p:cNvPr id="7" name="Rechteck 6"/>
@@ -3453,7 +3680,7 @@
         </p:nvSpPr>
         <p:spPr bwMode="auto">
           <a:xfrm>
-            <a:off x="2743200" y="1676400"/>
+            <a:off x="838200" y="2133600"/>
             <a:ext cx="2514600" cy="3352800"/>
           </a:xfrm>
           <a:prstGeom prst="rect">
@@ -3548,7 +3775,7 @@
         </p:nvSpPr>
         <p:spPr bwMode="auto">
           <a:xfrm>
-            <a:off x="2895600" y="2514600"/>
+            <a:off x="990600" y="2971800"/>
             <a:ext cx="2209800" cy="2362200"/>
           </a:xfrm>
           <a:prstGeom prst="rect">
@@ -3637,13 +3864,96 @@
       </p:sp>
       <p:sp>
         <p:nvSpPr>
-          <p:cNvPr id="10" name="Rechteck 9"/>
+          <p:cNvPr id="11" name="Rechteck 10"/>
           <p:cNvSpPr/>
           <p:nvPr/>
         </p:nvSpPr>
         <p:spPr bwMode="auto">
           <a:xfrm>
-            <a:off x="5562600" y="1981200"/>
+            <a:off x="3657600" y="3810000"/>
+            <a:ext cx="1981200" cy="1981200"/>
+          </a:xfrm>
+          <a:prstGeom prst="rect">
+            <a:avLst/>
+          </a:prstGeom>
+          <a:solidFill>
+            <a:srgbClr val="ADC2FF"/>
+          </a:solidFill>
+          <a:ln w="12700" cap="sq" cmpd="sng" algn="ctr">
+            <a:solidFill>
+              <a:schemeClr val="tx1"/>
+            </a:solidFill>
+            <a:prstDash val="solid"/>
+            <a:round/>
+            <a:headEnd type="none" w="sm" len="sm"/>
+            <a:tailEnd type="none" w="sm" len="sm"/>
+          </a:ln>
+          <a:effectLst/>
+          <a:extLst/>
+        </p:spPr>
+        <p:txBody>
+          <a:bodyPr vert="horz" wrap="square" lIns="91440" tIns="45720" rIns="91440" bIns="45720" numCol="1" rtlCol="0" anchor="t" anchorCtr="0" compatLnSpc="1">
+            <a:prstTxWarp prst="textNoShape">
+              <a:avLst/>
+            </a:prstTxWarp>
+          </a:bodyPr>
+          <a:lstStyle/>
+          <a:p>
+            <a:pPr marL="0" marR="0" indent="0" algn="ctr" defTabSz="914400" rtl="0" eaLnBrk="0" fontAlgn="base" latinLnBrk="0" hangingPunct="0">
+              <a:lnSpc>
+                <a:spcPct val="100000"/>
+              </a:lnSpc>
+              <a:spcBef>
+                <a:spcPct val="0"/>
+              </a:spcBef>
+              <a:spcAft>
+                <a:spcPct val="0"/>
+              </a:spcAft>
+              <a:buClrTx/>
+              <a:buSzTx/>
+              <a:buFontTx/>
+              <a:buNone/>
+              <a:tabLst/>
+            </a:pPr>
+            <a:r>
+              <a:rPr kumimoji="0" lang="de-DE" sz="1600" b="0" i="0" u="none" strike="noStrike" cap="none" normalizeH="0" baseline="0" dirty="0" err="1" smtClean="0">
+                <a:ln>
+                  <a:noFill/>
+                </a:ln>
+                <a:solidFill>
+                  <a:schemeClr val="tx1"/>
+                </a:solidFill>
+                <a:effectLst/>
+                <a:latin typeface="Cambria"/>
+                <a:ea typeface="ＭＳ Ｐゴシック" charset="0"/>
+                <a:cs typeface="Cambria"/>
+              </a:rPr>
+              <a:t>StillFragment</a:t>
+            </a:r>
+            <a:endParaRPr kumimoji="0" lang="de-DE" sz="1600" b="0" i="0" u="none" strike="noStrike" cap="none" normalizeH="0" baseline="0" dirty="0">
+              <a:ln>
+                <a:noFill/>
+              </a:ln>
+              <a:solidFill>
+                <a:schemeClr val="tx1"/>
+              </a:solidFill>
+              <a:effectLst/>
+              <a:latin typeface="Cambria"/>
+              <a:ea typeface="ＭＳ Ｐゴシック" charset="0"/>
+              <a:cs typeface="Cambria"/>
+            </a:endParaRPr>
+          </a:p>
+        </p:txBody>
+      </p:sp>
+      <p:sp>
+        <p:nvSpPr>
+          <p:cNvPr id="12" name="Rechteck 11"/>
+          <p:cNvSpPr/>
+          <p:nvPr/>
+        </p:nvSpPr>
+        <p:spPr bwMode="auto">
+          <a:xfrm>
+            <a:off x="1371600" y="3505200"/>
             <a:ext cx="1524000" cy="1600200"/>
           </a:xfrm>
           <a:prstGeom prst="rect">
@@ -3691,175 +4001,6 @@
               <a:buNone/>
               <a:tabLst/>
             </a:pPr>
-            <a:r>
-              <a:rPr kumimoji="0" lang="de-DE" sz="1600" b="0" i="0" u="none" strike="noStrike" cap="none" normalizeH="0" baseline="0" dirty="0" err="1" smtClean="0">
-                <a:ln>
-                  <a:noFill/>
-                </a:ln>
-                <a:solidFill>
-                  <a:schemeClr val="tx1"/>
-                </a:solidFill>
-                <a:effectLst/>
-                <a:latin typeface="Cambria"/>
-                <a:ea typeface="ＭＳ Ｐゴシック" charset="0"/>
-                <a:cs typeface="Cambria"/>
-              </a:rPr>
-              <a:t>LiveFragment</a:t>
-            </a:r>
-            <a:endParaRPr kumimoji="0" lang="de-DE" sz="1600" b="0" i="0" u="none" strike="noStrike" cap="none" normalizeH="0" baseline="0" dirty="0">
-              <a:ln>
-                <a:noFill/>
-              </a:ln>
-              <a:solidFill>
-                <a:schemeClr val="tx1"/>
-              </a:solidFill>
-              <a:effectLst/>
-              <a:latin typeface="Cambria"/>
-              <a:ea typeface="ＭＳ Ｐゴシック" charset="0"/>
-              <a:cs typeface="Cambria"/>
-            </a:endParaRPr>
-          </a:p>
-        </p:txBody>
-      </p:sp>
-      <p:sp>
-        <p:nvSpPr>
-          <p:cNvPr id="11" name="Rechteck 10"/>
-          <p:cNvSpPr/>
-          <p:nvPr/>
-        </p:nvSpPr>
-        <p:spPr bwMode="auto">
-          <a:xfrm>
-            <a:off x="5562600" y="3733800"/>
-            <a:ext cx="1524000" cy="1600200"/>
-          </a:xfrm>
-          <a:prstGeom prst="rect">
-            <a:avLst/>
-          </a:prstGeom>
-          <a:solidFill>
-            <a:srgbClr val="ADC2FF"/>
-          </a:solidFill>
-          <a:ln w="12700" cap="sq" cmpd="sng" algn="ctr">
-            <a:solidFill>
-              <a:schemeClr val="tx1"/>
-            </a:solidFill>
-            <a:prstDash val="solid"/>
-            <a:round/>
-            <a:headEnd type="none" w="sm" len="sm"/>
-            <a:tailEnd type="none" w="sm" len="sm"/>
-          </a:ln>
-          <a:effectLst/>
-          <a:extLst/>
-        </p:spPr>
-        <p:txBody>
-          <a:bodyPr vert="horz" wrap="square" lIns="91440" tIns="45720" rIns="91440" bIns="45720" numCol="1" rtlCol="0" anchor="t" anchorCtr="0" compatLnSpc="1">
-            <a:prstTxWarp prst="textNoShape">
-              <a:avLst/>
-            </a:prstTxWarp>
-          </a:bodyPr>
-          <a:lstStyle/>
-          <a:p>
-            <a:pPr marL="0" marR="0" indent="0" algn="ctr" defTabSz="914400" rtl="0" eaLnBrk="0" fontAlgn="base" latinLnBrk="0" hangingPunct="0">
-              <a:lnSpc>
-                <a:spcPct val="100000"/>
-              </a:lnSpc>
-              <a:spcBef>
-                <a:spcPct val="0"/>
-              </a:spcBef>
-              <a:spcAft>
-                <a:spcPct val="0"/>
-              </a:spcAft>
-              <a:buClrTx/>
-              <a:buSzTx/>
-              <a:buFontTx/>
-              <a:buNone/>
-              <a:tabLst/>
-            </a:pPr>
-            <a:r>
-              <a:rPr kumimoji="0" lang="de-DE" sz="1600" b="0" i="0" u="none" strike="noStrike" cap="none" normalizeH="0" baseline="0" dirty="0" err="1" smtClean="0">
-                <a:ln>
-                  <a:noFill/>
-                </a:ln>
-                <a:solidFill>
-                  <a:schemeClr val="tx1"/>
-                </a:solidFill>
-                <a:effectLst/>
-                <a:latin typeface="Cambria"/>
-                <a:ea typeface="ＭＳ Ｐゴシック" charset="0"/>
-                <a:cs typeface="Cambria"/>
-              </a:rPr>
-              <a:t>StillFragment</a:t>
-            </a:r>
-            <a:endParaRPr kumimoji="0" lang="de-DE" sz="1600" b="0" i="0" u="none" strike="noStrike" cap="none" normalizeH="0" baseline="0" dirty="0">
-              <a:ln>
-                <a:noFill/>
-              </a:ln>
-              <a:solidFill>
-                <a:schemeClr val="tx1"/>
-              </a:solidFill>
-              <a:effectLst/>
-              <a:latin typeface="Cambria"/>
-              <a:ea typeface="ＭＳ Ｐゴシック" charset="0"/>
-              <a:cs typeface="Cambria"/>
-            </a:endParaRPr>
-          </a:p>
-        </p:txBody>
-      </p:sp>
-      <p:sp>
-        <p:nvSpPr>
-          <p:cNvPr id="12" name="Rechteck 11"/>
-          <p:cNvSpPr/>
-          <p:nvPr/>
-        </p:nvSpPr>
-        <p:spPr bwMode="auto">
-          <a:xfrm>
-            <a:off x="3276600" y="3048000"/>
-            <a:ext cx="1524000" cy="1600200"/>
-          </a:xfrm>
-          <a:prstGeom prst="rect">
-            <a:avLst/>
-          </a:prstGeom>
-          <a:solidFill>
-            <a:schemeClr val="accent1">
-              <a:lumMod val="40000"/>
-              <a:lumOff val="60000"/>
-            </a:schemeClr>
-          </a:solidFill>
-          <a:ln w="12700" cap="sq" cmpd="sng" algn="ctr">
-            <a:solidFill>
-              <a:schemeClr val="tx1"/>
-            </a:solidFill>
-            <a:prstDash val="solid"/>
-            <a:round/>
-            <a:headEnd type="none" w="sm" len="sm"/>
-            <a:tailEnd type="none" w="sm" len="sm"/>
-          </a:ln>
-          <a:effectLst/>
-          <a:extLst/>
-        </p:spPr>
-        <p:txBody>
-          <a:bodyPr vert="horz" wrap="square" lIns="91440" tIns="45720" rIns="91440" bIns="45720" numCol="1" rtlCol="0" anchor="t" anchorCtr="0" compatLnSpc="1">
-            <a:prstTxWarp prst="textNoShape">
-              <a:avLst/>
-            </a:prstTxWarp>
-          </a:bodyPr>
-          <a:lstStyle/>
-          <a:p>
-            <a:pPr marL="0" marR="0" indent="0" algn="ctr" defTabSz="914400" rtl="0" eaLnBrk="0" fontAlgn="base" latinLnBrk="0" hangingPunct="0">
-              <a:lnSpc>
-                <a:spcPct val="100000"/>
-              </a:lnSpc>
-              <a:spcBef>
-                <a:spcPct val="0"/>
-              </a:spcBef>
-              <a:spcAft>
-                <a:spcPct val="0"/>
-              </a:spcAft>
-              <a:buClrTx/>
-              <a:buSzTx/>
-              <a:buFontTx/>
-              <a:buNone/>
-              <a:tabLst/>
-            </a:pPr>
             <a:endParaRPr kumimoji="0" lang="de-DE" sz="1600" b="0" i="0" u="none" strike="noStrike" cap="none" normalizeH="0" baseline="0" dirty="0">
               <a:ln>
                 <a:noFill/>
@@ -3886,8 +4027,8 @@
         </p:nvCxnSpPr>
         <p:spPr bwMode="auto">
           <a:xfrm flipV="1">
-            <a:off x="4800600" y="2781300"/>
-            <a:ext cx="762000" cy="1066800"/>
+            <a:off x="2895600" y="2664900"/>
+            <a:ext cx="762000" cy="1640400"/>
           </a:xfrm>
           <a:prstGeom prst="straightConnector1">
             <a:avLst/>
@@ -3931,8 +4072,8 @@
         </p:nvCxnSpPr>
         <p:spPr bwMode="auto">
           <a:xfrm>
-            <a:off x="4800600" y="3848100"/>
-            <a:ext cx="762000" cy="685800"/>
+            <a:off x="2895600" y="4305300"/>
+            <a:ext cx="762000" cy="495300"/>
           </a:xfrm>
           <a:prstGeom prst="straightConnector1">
             <a:avLst/>
@@ -3965,6 +4106,1321 @@
           </a:extLst>
         </p:spPr>
       </p:cxnSp>
+      <p:sp>
+        <p:nvSpPr>
+          <p:cNvPr id="13" name="Rechteck 12"/>
+          <p:cNvSpPr/>
+          <p:nvPr/>
+        </p:nvSpPr>
+        <p:spPr bwMode="auto">
+          <a:xfrm>
+            <a:off x="5867400" y="5208620"/>
+            <a:ext cx="1676400" cy="685800"/>
+          </a:xfrm>
+          <a:prstGeom prst="rect">
+            <a:avLst/>
+          </a:prstGeom>
+          <a:solidFill>
+            <a:schemeClr val="accent2">
+              <a:lumMod val="20000"/>
+              <a:lumOff val="80000"/>
+            </a:schemeClr>
+          </a:solidFill>
+          <a:ln w="12700" cap="sq" cmpd="sng" algn="ctr">
+            <a:solidFill>
+              <a:schemeClr val="tx1"/>
+            </a:solidFill>
+            <a:prstDash val="solid"/>
+            <a:round/>
+            <a:headEnd type="none" w="sm" len="sm"/>
+            <a:tailEnd type="none" w="sm" len="sm"/>
+          </a:ln>
+          <a:effectLst/>
+          <a:extLst/>
+        </p:spPr>
+        <p:txBody>
+          <a:bodyPr vert="horz" wrap="square" lIns="91440" tIns="45720" rIns="91440" bIns="45720" numCol="1" rtlCol="0" anchor="t" anchorCtr="0" compatLnSpc="1">
+            <a:prstTxWarp prst="textNoShape">
+              <a:avLst/>
+            </a:prstTxWarp>
+          </a:bodyPr>
+          <a:lstStyle/>
+          <a:p>
+            <a:pPr marL="0" marR="0" indent="0" algn="ctr" defTabSz="914400" rtl="0" eaLnBrk="0" fontAlgn="base" latinLnBrk="0" hangingPunct="0">
+              <a:lnSpc>
+                <a:spcPct val="100000"/>
+              </a:lnSpc>
+              <a:spcBef>
+                <a:spcPct val="0"/>
+              </a:spcBef>
+              <a:spcAft>
+                <a:spcPct val="0"/>
+              </a:spcAft>
+              <a:buClrTx/>
+              <a:buSzTx/>
+              <a:buFontTx/>
+              <a:buNone/>
+              <a:tabLst/>
+            </a:pPr>
+            <a:r>
+              <a:rPr lang="de-DE" sz="1600" dirty="0" err="1" smtClean="0">
+                <a:latin typeface="Cambria"/>
+                <a:cs typeface="Cambria"/>
+              </a:rPr>
+              <a:t>FileNamePicker</a:t>
+            </a:r>
+            <a:r>
+              <a:rPr lang="de-DE" sz="1600" dirty="0" smtClean="0">
+                <a:latin typeface="Cambria"/>
+                <a:cs typeface="Cambria"/>
+              </a:rPr>
+              <a:t/>
+            </a:r>
+            <a:br>
+              <a:rPr lang="de-DE" sz="1600" dirty="0" smtClean="0">
+                <a:latin typeface="Cambria"/>
+                <a:cs typeface="Cambria"/>
+              </a:rPr>
+            </a:br>
+            <a:r>
+              <a:rPr lang="de-DE" sz="1600" dirty="0" smtClean="0">
+                <a:latin typeface="Cambria"/>
+                <a:cs typeface="Cambria"/>
+              </a:rPr>
+              <a:t>Fragment</a:t>
+            </a:r>
+            <a:endParaRPr kumimoji="0" lang="de-DE" sz="1600" b="0" i="0" u="none" strike="noStrike" cap="none" normalizeH="0" baseline="0" dirty="0">
+              <a:ln>
+                <a:noFill/>
+              </a:ln>
+              <a:solidFill>
+                <a:schemeClr val="tx1"/>
+              </a:solidFill>
+              <a:effectLst/>
+              <a:latin typeface="Cambria"/>
+              <a:ea typeface="ＭＳ Ｐゴシック" charset="0"/>
+              <a:cs typeface="Cambria"/>
+            </a:endParaRPr>
+          </a:p>
+        </p:txBody>
+      </p:sp>
+      <p:sp>
+        <p:nvSpPr>
+          <p:cNvPr id="16" name="Rechteck 15"/>
+          <p:cNvSpPr/>
+          <p:nvPr/>
+        </p:nvSpPr>
+        <p:spPr bwMode="auto">
+          <a:xfrm>
+            <a:off x="4191000" y="5410200"/>
+            <a:ext cx="838200" cy="304800"/>
+          </a:xfrm>
+          <a:prstGeom prst="rect">
+            <a:avLst/>
+          </a:prstGeom>
+          <a:solidFill>
+            <a:srgbClr val="FFFFFF"/>
+          </a:solidFill>
+          <a:ln w="12700" cap="sq" cmpd="sng" algn="ctr">
+            <a:solidFill>
+              <a:schemeClr val="tx1"/>
+            </a:solidFill>
+            <a:prstDash val="solid"/>
+            <a:round/>
+            <a:headEnd type="none" w="sm" len="sm"/>
+            <a:tailEnd type="none" w="sm" len="sm"/>
+          </a:ln>
+          <a:effectLst/>
+          <a:extLst/>
+        </p:spPr>
+        <p:txBody>
+          <a:bodyPr vert="horz" wrap="square" lIns="91440" tIns="45720" rIns="91440" bIns="45720" numCol="1" rtlCol="0" anchor="t" anchorCtr="0" compatLnSpc="1">
+            <a:prstTxWarp prst="textNoShape">
+              <a:avLst/>
+            </a:prstTxWarp>
+          </a:bodyPr>
+          <a:lstStyle/>
+          <a:p>
+            <a:pPr marL="0" marR="0" indent="0" algn="ctr" defTabSz="914400" rtl="0" eaLnBrk="0" fontAlgn="base" latinLnBrk="0" hangingPunct="0">
+              <a:lnSpc>
+                <a:spcPct val="100000"/>
+              </a:lnSpc>
+              <a:spcBef>
+                <a:spcPct val="0"/>
+              </a:spcBef>
+              <a:spcAft>
+                <a:spcPct val="0"/>
+              </a:spcAft>
+              <a:buClrTx/>
+              <a:buSzTx/>
+              <a:buFontTx/>
+              <a:buNone/>
+              <a:tabLst/>
+            </a:pPr>
+            <a:endParaRPr kumimoji="0" lang="de-DE" sz="1600" b="0" i="0" u="none" strike="noStrike" cap="none" normalizeH="0" baseline="0" dirty="0">
+              <a:ln>
+                <a:noFill/>
+              </a:ln>
+              <a:solidFill>
+                <a:schemeClr val="tx1"/>
+              </a:solidFill>
+              <a:effectLst/>
+              <a:latin typeface="Cambria"/>
+              <a:ea typeface="ＭＳ Ｐゴシック" charset="0"/>
+              <a:cs typeface="Cambria"/>
+            </a:endParaRPr>
+          </a:p>
+        </p:txBody>
+      </p:sp>
+      <p:cxnSp>
+        <p:nvCxnSpPr>
+          <p:cNvPr id="17" name="Gerade Verbindung mit Pfeil 16"/>
+          <p:cNvCxnSpPr>
+            <a:stCxn id="16" idx="3"/>
+            <a:endCxn id="13" idx="1"/>
+          </p:cNvCxnSpPr>
+          <p:nvPr/>
+        </p:nvCxnSpPr>
+        <p:spPr bwMode="auto">
+          <a:xfrm flipV="1">
+            <a:off x="5029200" y="5551520"/>
+            <a:ext cx="838200" cy="11080"/>
+          </a:xfrm>
+          <a:prstGeom prst="straightConnector1">
+            <a:avLst/>
+          </a:prstGeom>
+          <a:solidFill>
+            <a:schemeClr val="accent1"/>
+          </a:solidFill>
+          <a:ln w="12700" cap="sq" cmpd="sng" algn="ctr">
+            <a:solidFill>
+              <a:schemeClr val="tx1"/>
+            </a:solidFill>
+            <a:prstDash val="solid"/>
+            <a:round/>
+            <a:headEnd type="none" w="sm" len="sm"/>
+            <a:tailEnd type="arrow"/>
+          </a:ln>
+          <a:effectLst/>
+          <a:extLst>
+            <a:ext uri="{AF507438-7753-43e0-B8FC-AC1667EBCBE1}">
+              <a14:hiddenEffects xmlns:a14="http://schemas.microsoft.com/office/drawing/2010/main">
+                <a:effectLst>
+                  <a:outerShdw blurRad="63500" dist="38099" dir="2700000" algn="ctr" rotWithShape="0">
+                    <a:schemeClr val="bg2">
+                      <a:alpha val="74998"/>
+                    </a:schemeClr>
+                  </a:outerShdw>
+                </a:effectLst>
+              </a14:hiddenEffects>
+            </a:ext>
+          </a:extLst>
+        </p:spPr>
+      </p:cxnSp>
+      <p:grpSp>
+        <p:nvGrpSpPr>
+          <p:cNvPr id="28" name="Gruppierung 27"/>
+          <p:cNvGrpSpPr/>
+          <p:nvPr/>
+        </p:nvGrpSpPr>
+        <p:grpSpPr>
+          <a:xfrm>
+            <a:off x="3657600" y="1676400"/>
+            <a:ext cx="3962400" cy="1976999"/>
+            <a:chOff x="3657600" y="2133600"/>
+            <a:chExt cx="3962400" cy="1976999"/>
+          </a:xfrm>
+        </p:grpSpPr>
+        <p:sp>
+          <p:nvSpPr>
+            <p:cNvPr id="10" name="Rechteck 9"/>
+            <p:cNvSpPr/>
+            <p:nvPr/>
+          </p:nvSpPr>
+          <p:spPr bwMode="auto">
+            <a:xfrm>
+              <a:off x="3657600" y="2133600"/>
+              <a:ext cx="1981200" cy="1976999"/>
+            </a:xfrm>
+            <a:prstGeom prst="rect">
+              <a:avLst/>
+            </a:prstGeom>
+            <a:solidFill>
+              <a:schemeClr val="accent1">
+                <a:lumMod val="40000"/>
+                <a:lumOff val="60000"/>
+              </a:schemeClr>
+            </a:solidFill>
+            <a:ln w="12700" cap="sq" cmpd="sng" algn="ctr">
+              <a:solidFill>
+                <a:schemeClr val="tx1"/>
+              </a:solidFill>
+              <a:prstDash val="solid"/>
+              <a:round/>
+              <a:headEnd type="none" w="sm" len="sm"/>
+              <a:tailEnd type="none" w="sm" len="sm"/>
+            </a:ln>
+            <a:effectLst/>
+            <a:extLst/>
+          </p:spPr>
+          <p:txBody>
+            <a:bodyPr vert="horz" wrap="square" lIns="91440" tIns="45720" rIns="91440" bIns="45720" numCol="1" rtlCol="0" anchor="t" anchorCtr="0" compatLnSpc="1">
+              <a:prstTxWarp prst="textNoShape">
+                <a:avLst/>
+              </a:prstTxWarp>
+            </a:bodyPr>
+            <a:lstStyle/>
+            <a:p>
+              <a:pPr marL="0" marR="0" indent="0" algn="ctr" defTabSz="914400" rtl="0" eaLnBrk="0" fontAlgn="base" latinLnBrk="0" hangingPunct="0">
+                <a:lnSpc>
+                  <a:spcPct val="100000"/>
+                </a:lnSpc>
+                <a:spcBef>
+                  <a:spcPct val="0"/>
+                </a:spcBef>
+                <a:spcAft>
+                  <a:spcPct val="0"/>
+                </a:spcAft>
+                <a:buClrTx/>
+                <a:buSzTx/>
+                <a:buFontTx/>
+                <a:buNone/>
+                <a:tabLst/>
+              </a:pPr>
+              <a:r>
+                <a:rPr kumimoji="0" lang="de-DE" sz="1600" b="0" i="0" u="none" strike="noStrike" cap="none" normalizeH="0" baseline="0" dirty="0" err="1" smtClean="0">
+                  <a:ln>
+                    <a:noFill/>
+                  </a:ln>
+                  <a:solidFill>
+                    <a:schemeClr val="tx1"/>
+                  </a:solidFill>
+                  <a:effectLst/>
+                  <a:latin typeface="Cambria"/>
+                  <a:ea typeface="ＭＳ Ｐゴシック" charset="0"/>
+                  <a:cs typeface="Cambria"/>
+                </a:rPr>
+                <a:t>LiveFragment</a:t>
+              </a:r>
+              <a:endParaRPr kumimoji="0" lang="de-DE" sz="1600" b="0" i="0" u="none" strike="noStrike" cap="none" normalizeH="0" baseline="0" dirty="0">
+                <a:ln>
+                  <a:noFill/>
+                </a:ln>
+                <a:solidFill>
+                  <a:schemeClr val="tx1"/>
+                </a:solidFill>
+                <a:effectLst/>
+                <a:latin typeface="Cambria"/>
+                <a:ea typeface="ＭＳ Ｐゴシック" charset="0"/>
+                <a:cs typeface="Cambria"/>
+              </a:endParaRPr>
+            </a:p>
+          </p:txBody>
+        </p:sp>
+        <p:sp>
+          <p:nvSpPr>
+            <p:cNvPr id="18" name="Rechteck 17"/>
+            <p:cNvSpPr/>
+            <p:nvPr/>
+          </p:nvSpPr>
+          <p:spPr bwMode="auto">
+            <a:xfrm>
+              <a:off x="5943600" y="2819400"/>
+              <a:ext cx="1676400" cy="685800"/>
+            </a:xfrm>
+            <a:prstGeom prst="rect">
+              <a:avLst/>
+            </a:prstGeom>
+            <a:solidFill>
+              <a:schemeClr val="accent2">
+                <a:lumMod val="20000"/>
+                <a:lumOff val="80000"/>
+              </a:schemeClr>
+            </a:solidFill>
+            <a:ln w="12700" cap="sq" cmpd="sng" algn="ctr">
+              <a:solidFill>
+                <a:schemeClr val="tx1"/>
+              </a:solidFill>
+              <a:prstDash val="solid"/>
+              <a:round/>
+              <a:headEnd type="none" w="sm" len="sm"/>
+              <a:tailEnd type="none" w="sm" len="sm"/>
+            </a:ln>
+            <a:effectLst/>
+            <a:extLst/>
+          </p:spPr>
+          <p:txBody>
+            <a:bodyPr vert="horz" wrap="square" lIns="91440" tIns="45720" rIns="91440" bIns="45720" numCol="1" rtlCol="0" anchor="t" anchorCtr="0" compatLnSpc="1">
+              <a:prstTxWarp prst="textNoShape">
+                <a:avLst/>
+              </a:prstTxWarp>
+            </a:bodyPr>
+            <a:lstStyle/>
+            <a:p>
+              <a:pPr marL="0" marR="0" indent="0" algn="ctr" defTabSz="914400" rtl="0" eaLnBrk="0" fontAlgn="base" latinLnBrk="0" hangingPunct="0">
+                <a:lnSpc>
+                  <a:spcPct val="100000"/>
+                </a:lnSpc>
+                <a:spcBef>
+                  <a:spcPct val="0"/>
+                </a:spcBef>
+                <a:spcAft>
+                  <a:spcPct val="0"/>
+                </a:spcAft>
+                <a:buClrTx/>
+                <a:buSzTx/>
+                <a:buFontTx/>
+                <a:buNone/>
+                <a:tabLst/>
+              </a:pPr>
+              <a:r>
+                <a:rPr lang="de-DE" sz="1600" dirty="0" err="1" smtClean="0">
+                  <a:latin typeface="Cambria"/>
+                  <a:cs typeface="Cambria"/>
+                </a:rPr>
+                <a:t>FileOpener</a:t>
+              </a:r>
+              <a:r>
+                <a:rPr lang="de-DE" sz="1600" dirty="0">
+                  <a:latin typeface="Cambria"/>
+                  <a:cs typeface="Cambria"/>
+                </a:rPr>
+                <a:t/>
+              </a:r>
+              <a:br>
+                <a:rPr lang="de-DE" sz="1600" dirty="0">
+                  <a:latin typeface="Cambria"/>
+                  <a:cs typeface="Cambria"/>
+                </a:rPr>
+              </a:br>
+              <a:r>
+                <a:rPr lang="de-DE" sz="1600" dirty="0" smtClean="0">
+                  <a:latin typeface="Cambria"/>
+                  <a:cs typeface="Cambria"/>
+                </a:rPr>
+                <a:t>Fragment</a:t>
+              </a:r>
+              <a:endParaRPr kumimoji="0" lang="de-DE" sz="1600" b="0" i="0" u="none" strike="noStrike" cap="none" normalizeH="0" baseline="0" dirty="0">
+                <a:ln>
+                  <a:noFill/>
+                </a:ln>
+                <a:solidFill>
+                  <a:schemeClr val="tx1"/>
+                </a:solidFill>
+                <a:effectLst/>
+                <a:latin typeface="Cambria"/>
+                <a:ea typeface="ＭＳ Ｐゴシック" charset="0"/>
+                <a:cs typeface="Cambria"/>
+              </a:endParaRPr>
+            </a:p>
+          </p:txBody>
+        </p:sp>
+        <p:sp>
+          <p:nvSpPr>
+            <p:cNvPr id="19" name="Rechteck 18"/>
+            <p:cNvSpPr/>
+            <p:nvPr/>
+          </p:nvSpPr>
+          <p:spPr bwMode="auto">
+            <a:xfrm>
+              <a:off x="4191000" y="3733800"/>
+              <a:ext cx="838200" cy="304800"/>
+            </a:xfrm>
+            <a:prstGeom prst="rect">
+              <a:avLst/>
+            </a:prstGeom>
+            <a:solidFill>
+              <a:srgbClr val="FFFFFF"/>
+            </a:solidFill>
+            <a:ln w="12700" cap="sq" cmpd="sng" algn="ctr">
+              <a:solidFill>
+                <a:schemeClr val="tx1"/>
+              </a:solidFill>
+              <a:prstDash val="solid"/>
+              <a:round/>
+              <a:headEnd type="none" w="sm" len="sm"/>
+              <a:tailEnd type="none" w="sm" len="sm"/>
+            </a:ln>
+            <a:effectLst/>
+            <a:extLst/>
+          </p:spPr>
+          <p:txBody>
+            <a:bodyPr vert="horz" wrap="square" lIns="91440" tIns="45720" rIns="91440" bIns="45720" numCol="1" rtlCol="0" anchor="t" anchorCtr="0" compatLnSpc="1">
+              <a:prstTxWarp prst="textNoShape">
+                <a:avLst/>
+              </a:prstTxWarp>
+            </a:bodyPr>
+            <a:lstStyle/>
+            <a:p>
+              <a:pPr marL="0" marR="0" indent="0" algn="ctr" defTabSz="914400" rtl="0" eaLnBrk="0" fontAlgn="base" latinLnBrk="0" hangingPunct="0">
+                <a:lnSpc>
+                  <a:spcPct val="100000"/>
+                </a:lnSpc>
+                <a:spcBef>
+                  <a:spcPct val="0"/>
+                </a:spcBef>
+                <a:spcAft>
+                  <a:spcPct val="0"/>
+                </a:spcAft>
+                <a:buClrTx/>
+                <a:buSzTx/>
+                <a:buFontTx/>
+                <a:buNone/>
+                <a:tabLst/>
+              </a:pPr>
+              <a:endParaRPr kumimoji="0" lang="de-DE" sz="1600" b="0" i="0" u="none" strike="noStrike" cap="none" normalizeH="0" baseline="0" dirty="0">
+                <a:ln>
+                  <a:noFill/>
+                </a:ln>
+                <a:solidFill>
+                  <a:schemeClr val="tx1"/>
+                </a:solidFill>
+                <a:effectLst/>
+                <a:latin typeface="Cambria"/>
+                <a:ea typeface="ＭＳ Ｐゴシック" charset="0"/>
+                <a:cs typeface="Cambria"/>
+              </a:endParaRPr>
+            </a:p>
+          </p:txBody>
+        </p:sp>
+        <p:cxnSp>
+          <p:nvCxnSpPr>
+            <p:cNvPr id="20" name="Gerade Verbindung mit Pfeil 19"/>
+            <p:cNvCxnSpPr>
+              <a:stCxn id="19" idx="3"/>
+              <a:endCxn id="18" idx="1"/>
+            </p:cNvCxnSpPr>
+            <p:nvPr/>
+          </p:nvCxnSpPr>
+          <p:spPr bwMode="auto">
+            <a:xfrm flipV="1">
+              <a:off x="5029200" y="3162300"/>
+              <a:ext cx="914400" cy="723900"/>
+            </a:xfrm>
+            <a:prstGeom prst="straightConnector1">
+              <a:avLst/>
+            </a:prstGeom>
+            <a:solidFill>
+              <a:schemeClr val="accent1"/>
+            </a:solidFill>
+            <a:ln w="12700" cap="sq" cmpd="sng" algn="ctr">
+              <a:solidFill>
+                <a:schemeClr val="tx1"/>
+              </a:solidFill>
+              <a:prstDash val="solid"/>
+              <a:round/>
+              <a:headEnd type="none" w="sm" len="sm"/>
+              <a:tailEnd type="arrow"/>
+            </a:ln>
+            <a:effectLst/>
+            <a:extLst>
+              <a:ext uri="{AF507438-7753-43e0-B8FC-AC1667EBCBE1}">
+                <a14:hiddenEffects xmlns:a14="http://schemas.microsoft.com/office/drawing/2010/main">
+                  <a:effectLst>
+                    <a:outerShdw blurRad="63500" dist="38099" dir="2700000" algn="ctr" rotWithShape="0">
+                      <a:schemeClr val="bg2">
+                        <a:alpha val="74998"/>
+                      </a:schemeClr>
+                    </a:outerShdw>
+                  </a:effectLst>
+                </a14:hiddenEffects>
+              </a:ext>
+            </a:extLst>
+          </p:spPr>
+        </p:cxnSp>
+      </p:grpSp>
+      <p:sp>
+        <p:nvSpPr>
+          <p:cNvPr id="29" name="Rechteck 28"/>
+          <p:cNvSpPr/>
+          <p:nvPr/>
+        </p:nvSpPr>
+        <p:spPr bwMode="auto">
+          <a:xfrm>
+            <a:off x="3962400" y="2182780"/>
+            <a:ext cx="1295400" cy="990600"/>
+          </a:xfrm>
+          <a:prstGeom prst="rect">
+            <a:avLst/>
+          </a:prstGeom>
+          <a:solidFill>
+            <a:srgbClr val="FFFFFF"/>
+          </a:solidFill>
+          <a:ln w="12700" cap="sq" cmpd="sng" algn="ctr">
+            <a:solidFill>
+              <a:schemeClr val="tx1"/>
+            </a:solidFill>
+            <a:prstDash val="solid"/>
+            <a:round/>
+            <a:headEnd type="none" w="sm" len="sm"/>
+            <a:tailEnd type="none" w="sm" len="sm"/>
+          </a:ln>
+          <a:effectLst/>
+          <a:extLst/>
+        </p:spPr>
+        <p:txBody>
+          <a:bodyPr vert="horz" wrap="square" lIns="91440" tIns="45720" rIns="91440" bIns="45720" numCol="1" rtlCol="0" anchor="t" anchorCtr="0" compatLnSpc="1">
+            <a:prstTxWarp prst="textNoShape">
+              <a:avLst/>
+            </a:prstTxWarp>
+          </a:bodyPr>
+          <a:lstStyle/>
+          <a:p>
+            <a:pPr marL="0" marR="0" indent="0" algn="ctr" defTabSz="914400" rtl="0" eaLnBrk="0" fontAlgn="base" latinLnBrk="0" hangingPunct="0">
+              <a:lnSpc>
+                <a:spcPct val="100000"/>
+              </a:lnSpc>
+              <a:spcBef>
+                <a:spcPct val="0"/>
+              </a:spcBef>
+              <a:spcAft>
+                <a:spcPct val="0"/>
+              </a:spcAft>
+              <a:buClrTx/>
+              <a:buSzTx/>
+              <a:buFontTx/>
+              <a:buNone/>
+              <a:tabLst/>
+            </a:pPr>
+            <a:r>
+              <a:rPr lang="de-DE" sz="1600" dirty="0" err="1" smtClean="0">
+                <a:latin typeface="Cambria"/>
+                <a:cs typeface="Cambria"/>
+              </a:rPr>
+              <a:t>AutoFit</a:t>
+            </a:r>
+            <a:r>
+              <a:rPr lang="de-DE" sz="1600" dirty="0" smtClean="0">
+                <a:latin typeface="Cambria"/>
+                <a:cs typeface="Cambria"/>
+              </a:rPr>
+              <a:t/>
+            </a:r>
+            <a:br>
+              <a:rPr lang="de-DE" sz="1600" dirty="0" smtClean="0">
+                <a:latin typeface="Cambria"/>
+                <a:cs typeface="Cambria"/>
+              </a:rPr>
+            </a:br>
+            <a:r>
+              <a:rPr lang="de-DE" sz="1600" dirty="0" err="1" smtClean="0">
+                <a:latin typeface="Cambria"/>
+                <a:cs typeface="Cambria"/>
+              </a:rPr>
+              <a:t>Textureview</a:t>
+            </a:r>
+            <a:endParaRPr kumimoji="0" lang="de-DE" sz="1600" b="0" i="0" u="none" strike="noStrike" cap="none" normalizeH="0" baseline="0" dirty="0">
+              <a:ln>
+                <a:noFill/>
+              </a:ln>
+              <a:solidFill>
+                <a:schemeClr val="tx1"/>
+              </a:solidFill>
+              <a:effectLst/>
+              <a:latin typeface="Cambria"/>
+              <a:ea typeface="ＭＳ Ｐゴシック" charset="0"/>
+              <a:cs typeface="Cambria"/>
+            </a:endParaRPr>
+          </a:p>
+        </p:txBody>
+      </p:sp>
+      <p:sp>
+        <p:nvSpPr>
+          <p:cNvPr id="38" name="Rechteck 37"/>
+          <p:cNvSpPr/>
+          <p:nvPr/>
+        </p:nvSpPr>
+        <p:spPr bwMode="auto">
+          <a:xfrm>
+            <a:off x="3720288" y="4343400"/>
+            <a:ext cx="914400" cy="914400"/>
+          </a:xfrm>
+          <a:prstGeom prst="rect">
+            <a:avLst/>
+          </a:prstGeom>
+          <a:solidFill>
+            <a:srgbClr val="FFFFFF"/>
+          </a:solidFill>
+          <a:ln w="12700" cap="sq" cmpd="sng" algn="ctr">
+            <a:solidFill>
+              <a:schemeClr val="tx1"/>
+            </a:solidFill>
+            <a:prstDash val="solid"/>
+            <a:round/>
+            <a:headEnd type="none" w="sm" len="sm"/>
+            <a:tailEnd type="none" w="sm" len="sm"/>
+          </a:ln>
+          <a:effectLst/>
+          <a:extLst/>
+        </p:spPr>
+        <p:txBody>
+          <a:bodyPr vert="horz" wrap="square" lIns="91440" tIns="45720" rIns="91440" bIns="45720" numCol="1" rtlCol="0" anchor="t" anchorCtr="0" compatLnSpc="1">
+            <a:prstTxWarp prst="textNoShape">
+              <a:avLst/>
+            </a:prstTxWarp>
+          </a:bodyPr>
+          <a:lstStyle/>
+          <a:p>
+            <a:pPr marL="0" marR="0" indent="0" algn="ctr" defTabSz="914400" rtl="0" eaLnBrk="0" fontAlgn="base" latinLnBrk="0" hangingPunct="0">
+              <a:lnSpc>
+                <a:spcPct val="100000"/>
+              </a:lnSpc>
+              <a:spcBef>
+                <a:spcPct val="0"/>
+              </a:spcBef>
+              <a:spcAft>
+                <a:spcPct val="0"/>
+              </a:spcAft>
+              <a:buClrTx/>
+              <a:buSzTx/>
+              <a:buFontTx/>
+              <a:buNone/>
+              <a:tabLst/>
+            </a:pPr>
+            <a:r>
+              <a:rPr lang="de-DE" sz="1400" dirty="0" smtClean="0">
+                <a:latin typeface="Cambria"/>
+                <a:cs typeface="Cambria"/>
+              </a:rPr>
+              <a:t>Image</a:t>
+            </a:r>
+            <a:br>
+              <a:rPr lang="de-DE" sz="1400" dirty="0" smtClean="0">
+                <a:latin typeface="Cambria"/>
+                <a:cs typeface="Cambria"/>
+              </a:rPr>
+            </a:br>
+            <a:r>
+              <a:rPr lang="de-DE" sz="1400" dirty="0" smtClean="0">
+                <a:latin typeface="Cambria"/>
+                <a:cs typeface="Cambria"/>
+              </a:rPr>
+              <a:t>View</a:t>
+            </a:r>
+          </a:p>
+          <a:p>
+            <a:pPr marL="0" marR="0" indent="0" algn="ctr" defTabSz="914400" rtl="0" eaLnBrk="0" fontAlgn="base" latinLnBrk="0" hangingPunct="0">
+              <a:lnSpc>
+                <a:spcPct val="100000"/>
+              </a:lnSpc>
+              <a:spcBef>
+                <a:spcPct val="0"/>
+              </a:spcBef>
+              <a:spcAft>
+                <a:spcPct val="0"/>
+              </a:spcAft>
+              <a:buClrTx/>
+              <a:buSzTx/>
+              <a:buFontTx/>
+              <a:buNone/>
+              <a:tabLst/>
+            </a:pPr>
+            <a:r>
+              <a:rPr lang="de-DE" sz="1400" dirty="0" smtClean="0">
+                <a:latin typeface="Cambria"/>
+                <a:cs typeface="Cambria"/>
+              </a:rPr>
+              <a:t/>
+            </a:r>
+            <a:br>
+              <a:rPr lang="de-DE" sz="1400" dirty="0" smtClean="0">
+                <a:latin typeface="Cambria"/>
+                <a:cs typeface="Cambria"/>
+              </a:rPr>
+            </a:br>
+            <a:r>
+              <a:rPr lang="de-DE" sz="1400" b="1" dirty="0" smtClean="0">
+                <a:latin typeface="Cambria"/>
+                <a:cs typeface="Cambria"/>
+              </a:rPr>
+              <a:t>Original</a:t>
+            </a:r>
+            <a:endParaRPr kumimoji="0" lang="de-DE" sz="1400" b="1" i="0" u="none" strike="noStrike" cap="none" normalizeH="0" baseline="0" dirty="0">
+              <a:ln>
+                <a:noFill/>
+              </a:ln>
+              <a:solidFill>
+                <a:schemeClr val="tx1"/>
+              </a:solidFill>
+              <a:effectLst/>
+              <a:latin typeface="Cambria"/>
+              <a:cs typeface="Cambria"/>
+            </a:endParaRPr>
+          </a:p>
+        </p:txBody>
+      </p:sp>
+      <p:sp>
+        <p:nvSpPr>
+          <p:cNvPr id="39" name="Rechteck 38"/>
+          <p:cNvSpPr/>
+          <p:nvPr/>
+        </p:nvSpPr>
+        <p:spPr bwMode="auto">
+          <a:xfrm>
+            <a:off x="4670352" y="4343400"/>
+            <a:ext cx="914400" cy="914400"/>
+          </a:xfrm>
+          <a:prstGeom prst="rect">
+            <a:avLst/>
+          </a:prstGeom>
+          <a:solidFill>
+            <a:srgbClr val="FFFFFF"/>
+          </a:solidFill>
+          <a:ln w="12700" cap="sq" cmpd="sng" algn="ctr">
+            <a:solidFill>
+              <a:schemeClr val="tx1"/>
+            </a:solidFill>
+            <a:prstDash val="solid"/>
+            <a:round/>
+            <a:headEnd type="none" w="sm" len="sm"/>
+            <a:tailEnd type="none" w="sm" len="sm"/>
+          </a:ln>
+          <a:effectLst/>
+          <a:extLst/>
+        </p:spPr>
+        <p:txBody>
+          <a:bodyPr vert="horz" wrap="square" lIns="91440" tIns="45720" rIns="91440" bIns="45720" numCol="1" rtlCol="0" anchor="t" anchorCtr="0" compatLnSpc="1">
+            <a:prstTxWarp prst="textNoShape">
+              <a:avLst/>
+            </a:prstTxWarp>
+          </a:bodyPr>
+          <a:lstStyle/>
+          <a:p>
+            <a:pPr marL="0" marR="0" indent="0" algn="ctr" defTabSz="914400" rtl="0" eaLnBrk="0" fontAlgn="base" latinLnBrk="0" hangingPunct="0">
+              <a:lnSpc>
+                <a:spcPct val="100000"/>
+              </a:lnSpc>
+              <a:spcBef>
+                <a:spcPct val="0"/>
+              </a:spcBef>
+              <a:spcAft>
+                <a:spcPct val="0"/>
+              </a:spcAft>
+              <a:buClrTx/>
+              <a:buSzTx/>
+              <a:buFontTx/>
+              <a:buNone/>
+              <a:tabLst/>
+            </a:pPr>
+            <a:r>
+              <a:rPr lang="de-DE" sz="1400" dirty="0" smtClean="0">
+                <a:latin typeface="Cambria"/>
+                <a:cs typeface="Cambria"/>
+              </a:rPr>
+              <a:t>Image</a:t>
+            </a:r>
+            <a:br>
+              <a:rPr lang="de-DE" sz="1400" dirty="0" smtClean="0">
+                <a:latin typeface="Cambria"/>
+                <a:cs typeface="Cambria"/>
+              </a:rPr>
+            </a:br>
+            <a:r>
+              <a:rPr lang="de-DE" sz="1400" dirty="0" smtClean="0">
+                <a:latin typeface="Cambria"/>
+                <a:cs typeface="Cambria"/>
+              </a:rPr>
+              <a:t>View</a:t>
+            </a:r>
+          </a:p>
+          <a:p>
+            <a:pPr marL="0" marR="0" indent="0" algn="ctr" defTabSz="914400" rtl="0" eaLnBrk="0" fontAlgn="base" latinLnBrk="0" hangingPunct="0">
+              <a:lnSpc>
+                <a:spcPct val="100000"/>
+              </a:lnSpc>
+              <a:spcBef>
+                <a:spcPct val="0"/>
+              </a:spcBef>
+              <a:spcAft>
+                <a:spcPct val="0"/>
+              </a:spcAft>
+              <a:buClrTx/>
+              <a:buSzTx/>
+              <a:buFontTx/>
+              <a:buNone/>
+              <a:tabLst/>
+            </a:pPr>
+            <a:r>
+              <a:rPr lang="de-DE" sz="1400" dirty="0" smtClean="0">
+                <a:latin typeface="Cambria"/>
+                <a:cs typeface="Cambria"/>
+              </a:rPr>
+              <a:t/>
+            </a:r>
+            <a:br>
+              <a:rPr lang="de-DE" sz="1400" dirty="0" smtClean="0">
+                <a:latin typeface="Cambria"/>
+                <a:cs typeface="Cambria"/>
+              </a:rPr>
+            </a:br>
+            <a:r>
+              <a:rPr lang="de-DE" sz="1400" b="1" dirty="0" err="1" smtClean="0">
+                <a:latin typeface="Cambria"/>
+                <a:cs typeface="Cambria"/>
+              </a:rPr>
+              <a:t>Filtered</a:t>
+            </a:r>
+            <a:endParaRPr kumimoji="0" lang="de-DE" sz="1400" b="1" i="0" u="none" strike="noStrike" cap="none" normalizeH="0" baseline="0" dirty="0">
+              <a:ln>
+                <a:noFill/>
+              </a:ln>
+              <a:solidFill>
+                <a:schemeClr val="tx1"/>
+              </a:solidFill>
+              <a:effectLst/>
+              <a:latin typeface="Cambria"/>
+              <a:cs typeface="Cambria"/>
+            </a:endParaRPr>
+          </a:p>
+        </p:txBody>
+      </p:sp>
+      <p:sp>
+        <p:nvSpPr>
+          <p:cNvPr id="48" name="Rechteck 47"/>
+          <p:cNvSpPr/>
+          <p:nvPr/>
+        </p:nvSpPr>
+        <p:spPr bwMode="auto">
+          <a:xfrm>
+            <a:off x="6248400" y="3276600"/>
+            <a:ext cx="2514600" cy="685800"/>
+          </a:xfrm>
+          <a:prstGeom prst="rect">
+            <a:avLst/>
+          </a:prstGeom>
+          <a:noFill/>
+          <a:ln w="12700" cap="sq" cmpd="sng" algn="ctr">
+            <a:solidFill>
+              <a:schemeClr val="tx1"/>
+            </a:solidFill>
+            <a:prstDash val="solid"/>
+            <a:round/>
+            <a:headEnd type="none" w="sm" len="sm"/>
+            <a:tailEnd type="none" w="sm" len="sm"/>
+          </a:ln>
+          <a:effectLst/>
+          <a:extLst/>
+        </p:spPr>
+        <p:txBody>
+          <a:bodyPr vert="horz" wrap="square" lIns="91440" tIns="45720" rIns="91440" bIns="45720" numCol="1" rtlCol="0" anchor="t" anchorCtr="0" compatLnSpc="1">
+            <a:prstTxWarp prst="textNoShape">
+              <a:avLst/>
+            </a:prstTxWarp>
+          </a:bodyPr>
+          <a:lstStyle/>
+          <a:p>
+            <a:r>
+              <a:rPr lang="de-DE" sz="1600" b="1" dirty="0" err="1" smtClean="0">
+                <a:latin typeface="Cambria"/>
+                <a:cs typeface="Cambria"/>
+              </a:rPr>
+              <a:t>Load</a:t>
+            </a:r>
+            <a:r>
+              <a:rPr lang="de-DE" sz="1600" b="1" dirty="0" smtClean="0">
+                <a:latin typeface="Cambria"/>
+                <a:cs typeface="Cambria"/>
+              </a:rPr>
+              <a:t> </a:t>
+            </a:r>
+            <a:r>
+              <a:rPr lang="de-DE" sz="1600" b="1" dirty="0" err="1" smtClean="0">
+                <a:latin typeface="Cambria"/>
+                <a:cs typeface="Cambria"/>
+              </a:rPr>
+              <a:t>image</a:t>
+            </a:r>
+            <a:r>
+              <a:rPr lang="de-DE" sz="1600" b="1" dirty="0">
+                <a:latin typeface="Cambria"/>
+                <a:cs typeface="Cambria"/>
+              </a:rPr>
+              <a:t> </a:t>
+            </a:r>
+            <a:r>
+              <a:rPr lang="de-DE" sz="1600" b="1" dirty="0" smtClean="0">
+                <a:latin typeface="Cambria"/>
+                <a:cs typeface="Cambria"/>
+              </a:rPr>
+              <a:t/>
+            </a:r>
+            <a:br>
+              <a:rPr lang="de-DE" sz="1600" b="1" dirty="0" smtClean="0">
+                <a:latin typeface="Cambria"/>
+                <a:cs typeface="Cambria"/>
+              </a:rPr>
+            </a:br>
+            <a:r>
+              <a:rPr kumimoji="0" lang="de-DE" sz="1600" b="0" i="0" u="none" strike="noStrike" cap="none" normalizeH="0" baseline="0" dirty="0" err="1" smtClean="0">
+                <a:ln>
+                  <a:noFill/>
+                </a:ln>
+                <a:solidFill>
+                  <a:schemeClr val="tx1"/>
+                </a:solidFill>
+                <a:effectLst/>
+                <a:latin typeface="Cambria"/>
+                <a:ea typeface="ＭＳ Ｐゴシック" charset="0"/>
+                <a:cs typeface="Cambria"/>
+              </a:rPr>
+              <a:t>from</a:t>
+            </a:r>
+            <a:r>
+              <a:rPr kumimoji="0" lang="de-DE" sz="1600" b="0" i="0" u="none" strike="noStrike" cap="none" normalizeH="0" baseline="0" dirty="0" smtClean="0">
+                <a:ln>
+                  <a:noFill/>
+                </a:ln>
+                <a:solidFill>
+                  <a:schemeClr val="tx1"/>
+                </a:solidFill>
+                <a:effectLst/>
+                <a:latin typeface="Cambria"/>
+                <a:ea typeface="ＭＳ Ｐゴシック" charset="0"/>
+                <a:cs typeface="Cambria"/>
+              </a:rPr>
+              <a:t> </a:t>
+            </a:r>
+            <a:r>
+              <a:rPr kumimoji="0" lang="de-DE" sz="1600" b="0" i="0" u="none" strike="noStrike" cap="none" normalizeH="0" baseline="0" dirty="0" err="1" smtClean="0">
+                <a:ln>
+                  <a:noFill/>
+                </a:ln>
+                <a:solidFill>
+                  <a:schemeClr val="tx1"/>
+                </a:solidFill>
+                <a:effectLst/>
+                <a:latin typeface="Cambria"/>
+                <a:ea typeface="ＭＳ Ｐゴシック" charset="0"/>
+                <a:cs typeface="Cambria"/>
+              </a:rPr>
+              <a:t>external</a:t>
+            </a:r>
+            <a:r>
+              <a:rPr kumimoji="0" lang="de-DE" sz="1600" b="0" i="0" u="none" strike="noStrike" cap="none" normalizeH="0" baseline="0" dirty="0" smtClean="0">
+                <a:ln>
+                  <a:noFill/>
+                </a:ln>
+                <a:solidFill>
+                  <a:schemeClr val="tx1"/>
+                </a:solidFill>
+                <a:effectLst/>
+                <a:latin typeface="Cambria"/>
+                <a:ea typeface="ＭＳ Ｐゴシック" charset="0"/>
+                <a:cs typeface="Cambria"/>
+              </a:rPr>
+              <a:t> </a:t>
+            </a:r>
+            <a:r>
+              <a:rPr kumimoji="0" lang="de-DE" sz="1600" b="0" i="0" u="none" strike="noStrike" cap="none" normalizeH="0" baseline="0" dirty="0" err="1" smtClean="0">
+                <a:ln>
+                  <a:noFill/>
+                </a:ln>
+                <a:solidFill>
+                  <a:schemeClr val="tx1"/>
+                </a:solidFill>
+                <a:effectLst/>
+                <a:latin typeface="Cambria"/>
+                <a:ea typeface="ＭＳ Ｐゴシック" charset="0"/>
+                <a:cs typeface="Cambria"/>
+              </a:rPr>
+              <a:t>storage</a:t>
+            </a:r>
+            <a:endParaRPr kumimoji="0" lang="de-DE" sz="1600" b="0" i="0" u="none" strike="noStrike" cap="none" normalizeH="0" baseline="0" dirty="0">
+              <a:ln>
+                <a:noFill/>
+              </a:ln>
+              <a:solidFill>
+                <a:schemeClr val="tx1"/>
+              </a:solidFill>
+              <a:effectLst/>
+              <a:latin typeface="Cambria"/>
+              <a:ea typeface="ＭＳ Ｐゴシック" charset="0"/>
+              <a:cs typeface="Cambria"/>
+            </a:endParaRPr>
+          </a:p>
+        </p:txBody>
+      </p:sp>
+      <p:cxnSp>
+        <p:nvCxnSpPr>
+          <p:cNvPr id="49" name="Gerade Verbindung 48"/>
+          <p:cNvCxnSpPr>
+            <a:stCxn id="48" idx="0"/>
+            <a:endCxn id="18" idx="2"/>
+          </p:cNvCxnSpPr>
+          <p:nvPr/>
+        </p:nvCxnSpPr>
+        <p:spPr bwMode="auto">
+          <a:xfrm flipH="1" flipV="1">
+            <a:off x="6781800" y="3048000"/>
+            <a:ext cx="723900" cy="228600"/>
+          </a:xfrm>
+          <a:prstGeom prst="line">
+            <a:avLst/>
+          </a:prstGeom>
+          <a:solidFill>
+            <a:schemeClr val="accent1"/>
+          </a:solidFill>
+          <a:ln w="12700" cap="sq" cmpd="sng" algn="ctr">
+            <a:solidFill>
+              <a:schemeClr val="tx1"/>
+            </a:solidFill>
+            <a:prstDash val="dot"/>
+            <a:round/>
+            <a:headEnd type="none" w="sm" len="sm"/>
+            <a:tailEnd type="none" w="sm" len="sm"/>
+          </a:ln>
+          <a:effectLst/>
+          <a:extLst>
+            <a:ext uri="{AF507438-7753-43e0-B8FC-AC1667EBCBE1}">
+              <a14:hiddenEffects xmlns:a14="http://schemas.microsoft.com/office/drawing/2010/main">
+                <a:effectLst>
+                  <a:outerShdw blurRad="63500" dist="38099" dir="2700000" algn="ctr" rotWithShape="0">
+                    <a:schemeClr val="bg2">
+                      <a:alpha val="74998"/>
+                    </a:schemeClr>
+                  </a:outerShdw>
+                </a:effectLst>
+              </a14:hiddenEffects>
+            </a:ext>
+          </a:extLst>
+        </p:spPr>
+      </p:cxnSp>
+      <p:sp>
+        <p:nvSpPr>
+          <p:cNvPr id="58" name="Rechteck 57"/>
+          <p:cNvSpPr/>
+          <p:nvPr/>
+        </p:nvSpPr>
+        <p:spPr bwMode="auto">
+          <a:xfrm>
+            <a:off x="6248400" y="4038600"/>
+            <a:ext cx="2514600" cy="1066800"/>
+          </a:xfrm>
+          <a:prstGeom prst="rect">
+            <a:avLst/>
+          </a:prstGeom>
+          <a:noFill/>
+          <a:ln w="12700" cap="sq" cmpd="sng" algn="ctr">
+            <a:solidFill>
+              <a:schemeClr val="tx1"/>
+            </a:solidFill>
+            <a:prstDash val="solid"/>
+            <a:round/>
+            <a:headEnd type="none" w="sm" len="sm"/>
+            <a:tailEnd type="none" w="sm" len="sm"/>
+          </a:ln>
+          <a:effectLst/>
+          <a:extLst/>
+        </p:spPr>
+        <p:txBody>
+          <a:bodyPr vert="horz" wrap="square" lIns="91440" tIns="45720" rIns="91440" bIns="45720" numCol="1" rtlCol="0" anchor="t" anchorCtr="0" compatLnSpc="1">
+            <a:prstTxWarp prst="textNoShape">
+              <a:avLst/>
+            </a:prstTxWarp>
+          </a:bodyPr>
+          <a:lstStyle/>
+          <a:p>
+            <a:r>
+              <a:rPr kumimoji="0" lang="de-DE" sz="1600" b="1" i="0" u="none" strike="noStrike" cap="none" normalizeH="0" baseline="0" dirty="0" smtClean="0">
+                <a:ln>
+                  <a:noFill/>
+                </a:ln>
+                <a:solidFill>
+                  <a:schemeClr val="tx1"/>
+                </a:solidFill>
+                <a:effectLst/>
+                <a:latin typeface="Cambria"/>
+                <a:ea typeface="ＭＳ Ｐゴシック" charset="0"/>
+                <a:cs typeface="Cambria"/>
+              </a:rPr>
+              <a:t>Save </a:t>
+            </a:r>
+            <a:r>
+              <a:rPr kumimoji="0" lang="de-DE" sz="1600" b="1" i="0" u="none" strike="noStrike" cap="none" normalizeH="0" baseline="0" dirty="0" err="1" smtClean="0">
+                <a:ln>
+                  <a:noFill/>
+                </a:ln>
+                <a:solidFill>
+                  <a:schemeClr val="tx1"/>
+                </a:solidFill>
+                <a:effectLst/>
+                <a:latin typeface="Cambria"/>
+                <a:ea typeface="ＭＳ Ｐゴシック" charset="0"/>
+                <a:cs typeface="Cambria"/>
+              </a:rPr>
+              <a:t>image</a:t>
+            </a:r>
+            <a:endParaRPr kumimoji="0" lang="de-DE" sz="1600" b="1" i="0" u="none" strike="noStrike" cap="none" normalizeH="0" baseline="0" dirty="0" smtClean="0">
+              <a:ln>
+                <a:noFill/>
+              </a:ln>
+              <a:solidFill>
+                <a:schemeClr val="tx1"/>
+              </a:solidFill>
+              <a:effectLst/>
+              <a:latin typeface="Cambria"/>
+              <a:ea typeface="ＭＳ Ｐゴシック" charset="0"/>
+              <a:cs typeface="Cambria"/>
+            </a:endParaRPr>
+          </a:p>
+          <a:p>
+            <a:pPr marL="285750" indent="-285750">
+              <a:buFont typeface="Arial"/>
+              <a:buChar char="•"/>
+            </a:pPr>
+            <a:r>
+              <a:rPr kumimoji="0" lang="de-DE" sz="1600" b="0" i="0" u="none" strike="noStrike" cap="none" normalizeH="0" baseline="0" dirty="0" err="1" smtClean="0">
+                <a:ln>
+                  <a:noFill/>
+                </a:ln>
+                <a:solidFill>
+                  <a:schemeClr val="tx1"/>
+                </a:solidFill>
+                <a:effectLst/>
+                <a:latin typeface="Cambria"/>
+                <a:ea typeface="ＭＳ Ｐゴシック" charset="0"/>
+                <a:cs typeface="Cambria"/>
+              </a:rPr>
+              <a:t>filtered</a:t>
+            </a:r>
+            <a:r>
+              <a:rPr kumimoji="0" lang="de-DE" sz="1600" b="0" i="0" u="none" strike="noStrike" cap="none" normalizeH="0" baseline="0" dirty="0" smtClean="0">
+                <a:ln>
+                  <a:noFill/>
+                </a:ln>
+                <a:solidFill>
+                  <a:schemeClr val="tx1"/>
+                </a:solidFill>
+                <a:effectLst/>
+                <a:latin typeface="Cambria"/>
+                <a:ea typeface="ＭＳ Ｐゴシック" charset="0"/>
+                <a:cs typeface="Cambria"/>
+              </a:rPr>
+              <a:t> +</a:t>
+            </a:r>
+            <a:r>
+              <a:rPr kumimoji="0" lang="de-DE" sz="1600" b="0" i="0" u="none" strike="noStrike" cap="none" normalizeH="0" dirty="0" smtClean="0">
+                <a:ln>
+                  <a:noFill/>
+                </a:ln>
+                <a:solidFill>
+                  <a:schemeClr val="tx1"/>
+                </a:solidFill>
+                <a:effectLst/>
+                <a:latin typeface="Cambria"/>
+                <a:ea typeface="ＭＳ Ｐゴシック" charset="0"/>
+                <a:cs typeface="Cambria"/>
+              </a:rPr>
+              <a:t> </a:t>
+            </a:r>
+            <a:r>
+              <a:rPr kumimoji="0" lang="de-DE" sz="1600" b="0" i="0" u="none" strike="noStrike" cap="none" normalizeH="0" dirty="0" err="1" smtClean="0">
+                <a:ln>
+                  <a:noFill/>
+                </a:ln>
+                <a:solidFill>
+                  <a:schemeClr val="tx1"/>
+                </a:solidFill>
+                <a:effectLst/>
+                <a:latin typeface="Cambria"/>
+                <a:ea typeface="ＭＳ Ｐゴシック" charset="0"/>
+                <a:cs typeface="Cambria"/>
+              </a:rPr>
+              <a:t>textfile</a:t>
+            </a:r>
+            <a:endParaRPr kumimoji="0" lang="de-DE" sz="1600" b="0" i="0" u="none" strike="noStrike" cap="none" normalizeH="0" baseline="0" dirty="0" smtClean="0">
+              <a:ln>
+                <a:noFill/>
+              </a:ln>
+              <a:solidFill>
+                <a:schemeClr val="tx1"/>
+              </a:solidFill>
+              <a:effectLst/>
+              <a:latin typeface="Cambria"/>
+              <a:ea typeface="ＭＳ Ｐゴシック" charset="0"/>
+              <a:cs typeface="Cambria"/>
+            </a:endParaRPr>
+          </a:p>
+          <a:p>
+            <a:pPr marL="285750" indent="-285750">
+              <a:buFont typeface="Arial"/>
+              <a:buChar char="•"/>
+            </a:pPr>
+            <a:r>
+              <a:rPr kumimoji="0" lang="de-DE" sz="1600" b="0" i="0" u="none" strike="noStrike" cap="none" normalizeH="0" baseline="0" dirty="0" smtClean="0">
+                <a:ln>
+                  <a:noFill/>
+                </a:ln>
+                <a:solidFill>
+                  <a:schemeClr val="tx1"/>
+                </a:solidFill>
+                <a:effectLst/>
+                <a:latin typeface="Cambria"/>
+                <a:ea typeface="ＭＳ Ｐゴシック" charset="0"/>
+                <a:cs typeface="Cambria"/>
+              </a:rPr>
+              <a:t>original + SQL</a:t>
+            </a:r>
+            <a:endParaRPr kumimoji="0" lang="de-DE" sz="1600" b="0" i="0" u="none" strike="noStrike" cap="none" normalizeH="0" baseline="0" dirty="0">
+              <a:ln>
+                <a:noFill/>
+              </a:ln>
+              <a:solidFill>
+                <a:schemeClr val="tx1"/>
+              </a:solidFill>
+              <a:effectLst/>
+              <a:latin typeface="Cambria"/>
+              <a:ea typeface="ＭＳ Ｐゴシック" charset="0"/>
+              <a:cs typeface="Cambria"/>
+            </a:endParaRPr>
+          </a:p>
+        </p:txBody>
+      </p:sp>
+      <p:cxnSp>
+        <p:nvCxnSpPr>
+          <p:cNvPr id="73" name="Gerade Verbindung 72"/>
+          <p:cNvCxnSpPr>
+            <a:stCxn id="58" idx="2"/>
+            <a:endCxn id="13" idx="0"/>
+          </p:cNvCxnSpPr>
+          <p:nvPr/>
+        </p:nvCxnSpPr>
+        <p:spPr bwMode="auto">
+          <a:xfrm flipH="1">
+            <a:off x="6705600" y="5105400"/>
+            <a:ext cx="800100" cy="103220"/>
+          </a:xfrm>
+          <a:prstGeom prst="line">
+            <a:avLst/>
+          </a:prstGeom>
+          <a:solidFill>
+            <a:schemeClr val="accent1"/>
+          </a:solidFill>
+          <a:ln w="12700" cap="sq" cmpd="sng" algn="ctr">
+            <a:solidFill>
+              <a:schemeClr val="tx1"/>
+            </a:solidFill>
+            <a:prstDash val="dot"/>
+            <a:round/>
+            <a:headEnd type="none" w="sm" len="sm"/>
+            <a:tailEnd type="none" w="sm" len="sm"/>
+          </a:ln>
+          <a:effectLst/>
+          <a:extLst>
+            <a:ext uri="{AF507438-7753-43e0-B8FC-AC1667EBCBE1}">
+              <a14:hiddenEffects xmlns:a14="http://schemas.microsoft.com/office/drawing/2010/main">
+                <a:effectLst>
+                  <a:outerShdw blurRad="63500" dist="38099" dir="2700000" algn="ctr" rotWithShape="0">
+                    <a:schemeClr val="bg2">
+                      <a:alpha val="74998"/>
+                    </a:schemeClr>
+                  </a:outerShdw>
+                </a:effectLst>
+              </a14:hiddenEffects>
+            </a:ext>
+          </a:extLst>
+        </p:spPr>
+      </p:cxnSp>
     </p:spTree>
     <p:extLst>
       <p:ext uri="{BB962C8B-B14F-4D97-AF65-F5344CB8AC3E}">
@@ -3978,7 +5434,1446 @@
 </p:sld>
 </file>
 
-<file path=ppt/slides/slide3.xml><?xml version="1.0" encoding="utf-8"?>
+<file path=ppt/slides/slide4.xml><?xml version="1.0" encoding="utf-8"?>
+<p:sld xmlns:a="http://schemas.openxmlformats.org/drawingml/2006/main" xmlns:r="http://schemas.openxmlformats.org/officeDocument/2006/relationships" xmlns:p="http://schemas.openxmlformats.org/presentationml/2006/main">
+  <p:cSld>
+    <p:spTree>
+      <p:nvGrpSpPr>
+        <p:cNvPr id="1" name=""/>
+        <p:cNvGrpSpPr/>
+        <p:nvPr/>
+      </p:nvGrpSpPr>
+      <p:grpSpPr>
+        <a:xfrm>
+          <a:off x="0" y="0"/>
+          <a:ext cx="0" cy="0"/>
+          <a:chOff x="0" y="0"/>
+          <a:chExt cx="0" cy="0"/>
+        </a:xfrm>
+      </p:grpSpPr>
+      <p:sp>
+        <p:nvSpPr>
+          <p:cNvPr id="2" name="Titel 1"/>
+          <p:cNvSpPr>
+            <a:spLocks noGrp="1"/>
+          </p:cNvSpPr>
+          <p:nvPr>
+            <p:ph type="title"/>
+          </p:nvPr>
+        </p:nvSpPr>
+        <p:spPr>
+          <a:xfrm>
+            <a:off x="152400" y="304800"/>
+            <a:ext cx="8683625" cy="1219200"/>
+          </a:xfrm>
+        </p:spPr>
+        <p:txBody>
+          <a:bodyPr/>
+          <a:lstStyle/>
+          <a:p>
+            <a:r>
+              <a:rPr lang="de-DE" dirty="0" smtClean="0"/>
+              <a:t>Global </a:t>
+            </a:r>
+            <a:r>
+              <a:rPr lang="de-DE" dirty="0" err="1" smtClean="0"/>
+              <a:t>Structure</a:t>
+            </a:r>
+            <a:r>
+              <a:rPr lang="de-DE" dirty="0" smtClean="0"/>
+              <a:t/>
+            </a:r>
+            <a:br>
+              <a:rPr lang="de-DE" dirty="0" smtClean="0"/>
+            </a:br>
+            <a:r>
+              <a:rPr lang="de-DE" dirty="0" err="1" smtClean="0">
+                <a:solidFill>
+                  <a:schemeClr val="bg2"/>
+                </a:solidFill>
+              </a:rPr>
+              <a:t>Filtering</a:t>
+            </a:r>
+            <a:r>
+              <a:rPr lang="de-DE" dirty="0" smtClean="0">
+                <a:solidFill>
+                  <a:schemeClr val="bg2"/>
+                </a:solidFill>
+              </a:rPr>
+              <a:t> </a:t>
+            </a:r>
+            <a:r>
+              <a:rPr lang="de-DE" dirty="0" err="1" smtClean="0">
+                <a:solidFill>
+                  <a:schemeClr val="bg2"/>
+                </a:solidFill>
+              </a:rPr>
+              <a:t>setup</a:t>
+            </a:r>
+            <a:endParaRPr lang="de-DE" dirty="0">
+              <a:solidFill>
+                <a:schemeClr val="bg2"/>
+              </a:solidFill>
+            </a:endParaRPr>
+          </a:p>
+        </p:txBody>
+      </p:sp>
+      <p:sp>
+        <p:nvSpPr>
+          <p:cNvPr id="4" name="Datumsplatzhalter 3"/>
+          <p:cNvSpPr>
+            <a:spLocks noGrp="1"/>
+          </p:cNvSpPr>
+          <p:nvPr>
+            <p:ph type="dt" sz="half" idx="2"/>
+          </p:nvPr>
+        </p:nvSpPr>
+        <p:spPr/>
+        <p:txBody>
+          <a:bodyPr/>
+          <a:lstStyle/>
+          <a:p>
+            <a:r>
+              <a:rPr lang="de-CH" dirty="0" smtClean="0"/>
+              <a:t>29.01.2016</a:t>
+            </a:r>
+            <a:endParaRPr lang="en-US" dirty="0"/>
+          </a:p>
+        </p:txBody>
+      </p:sp>
+      <p:sp>
+        <p:nvSpPr>
+          <p:cNvPr id="5" name="Fußzeilenplatzhalter 4"/>
+          <p:cNvSpPr>
+            <a:spLocks noGrp="1"/>
+          </p:cNvSpPr>
+          <p:nvPr>
+            <p:ph type="ftr" sz="quarter" idx="3"/>
+          </p:nvPr>
+        </p:nvSpPr>
+        <p:spPr/>
+        <p:txBody>
+          <a:bodyPr/>
+          <a:lstStyle/>
+          <a:p>
+            <a:r>
+              <a:rPr lang="en-US" smtClean="0"/>
+              <a:t>Katie Jones</a:t>
+            </a:r>
+            <a:br>
+              <a:rPr lang="en-US" smtClean="0"/>
+            </a:br>
+            <a:r>
+              <a:rPr lang="en-US" smtClean="0"/>
+              <a:t>Frederike Dümbgen</a:t>
+            </a:r>
+            <a:endParaRPr lang="en-US" dirty="0"/>
+          </a:p>
+        </p:txBody>
+      </p:sp>
+      <p:sp>
+        <p:nvSpPr>
+          <p:cNvPr id="6" name="Foliennummernplatzhalter 5"/>
+          <p:cNvSpPr>
+            <a:spLocks noGrp="1"/>
+          </p:cNvSpPr>
+          <p:nvPr>
+            <p:ph type="sldNum" sz="quarter" idx="4"/>
+          </p:nvPr>
+        </p:nvSpPr>
+        <p:spPr/>
+        <p:txBody>
+          <a:bodyPr/>
+          <a:lstStyle/>
+          <a:p>
+            <a:fld id="{650B5BBF-7EA4-AE40-9211-F5CA64DA190C}" type="slidenum">
+              <a:rPr lang="en-US" smtClean="0"/>
+              <a:pPr/>
+              <a:t>4</a:t>
+            </a:fld>
+            <a:endParaRPr lang="en-US"/>
+          </a:p>
+        </p:txBody>
+      </p:sp>
+      <p:sp>
+        <p:nvSpPr>
+          <p:cNvPr id="16" name="Rechteck 15"/>
+          <p:cNvSpPr/>
+          <p:nvPr/>
+        </p:nvSpPr>
+        <p:spPr bwMode="auto">
+          <a:xfrm>
+            <a:off x="3352800" y="2286000"/>
+            <a:ext cx="2514600" cy="3352800"/>
+          </a:xfrm>
+          <a:prstGeom prst="rect">
+            <a:avLst/>
+          </a:prstGeom>
+          <a:solidFill>
+            <a:schemeClr val="accent1"/>
+          </a:solidFill>
+          <a:ln w="12700" cap="sq" cmpd="sng" algn="ctr">
+            <a:solidFill>
+              <a:schemeClr val="tx1"/>
+            </a:solidFill>
+            <a:prstDash val="solid"/>
+            <a:round/>
+            <a:headEnd type="none" w="sm" len="sm"/>
+            <a:tailEnd type="none" w="sm" len="sm"/>
+          </a:ln>
+          <a:effectLst/>
+          <a:extLst>
+            <a:ext uri="{AF507438-7753-43e0-B8FC-AC1667EBCBE1}">
+              <a14:hiddenEffects xmlns:a14="http://schemas.microsoft.com/office/drawing/2010/main">
+                <a:effectLst>
+                  <a:outerShdw blurRad="63500" dist="38099" dir="2700000" algn="ctr" rotWithShape="0">
+                    <a:schemeClr val="bg2">
+                      <a:alpha val="74998"/>
+                    </a:schemeClr>
+                  </a:outerShdw>
+                </a:effectLst>
+              </a14:hiddenEffects>
+            </a:ext>
+          </a:extLst>
+        </p:spPr>
+        <p:txBody>
+          <a:bodyPr vert="horz" wrap="square" lIns="91440" tIns="45720" rIns="91440" bIns="45720" numCol="1" rtlCol="0" anchor="t" anchorCtr="0" compatLnSpc="1">
+            <a:prstTxWarp prst="textNoShape">
+              <a:avLst/>
+            </a:prstTxWarp>
+          </a:bodyPr>
+          <a:lstStyle/>
+          <a:p>
+            <a:pPr marL="0" marR="0" indent="0" algn="ctr" defTabSz="914400" rtl="0" eaLnBrk="0" fontAlgn="base" latinLnBrk="0" hangingPunct="0">
+              <a:lnSpc>
+                <a:spcPct val="100000"/>
+              </a:lnSpc>
+              <a:spcBef>
+                <a:spcPct val="0"/>
+              </a:spcBef>
+              <a:spcAft>
+                <a:spcPct val="0"/>
+              </a:spcAft>
+              <a:buClrTx/>
+              <a:buSzTx/>
+              <a:buFontTx/>
+              <a:buNone/>
+              <a:tabLst/>
+            </a:pPr>
+            <a:r>
+              <a:rPr kumimoji="0" lang="de-DE" sz="2400" b="0" i="0" u="none" strike="noStrike" cap="none" normalizeH="0" baseline="0" dirty="0" err="1" smtClean="0">
+                <a:ln>
+                  <a:noFill/>
+                </a:ln>
+                <a:solidFill>
+                  <a:schemeClr val="tx1"/>
+                </a:solidFill>
+                <a:effectLst/>
+                <a:latin typeface="Cambria"/>
+                <a:ea typeface="ＭＳ Ｐゴシック" charset="0"/>
+                <a:cs typeface="Cambria"/>
+              </a:rPr>
+              <a:t>MainActivity</a:t>
+            </a:r>
+            <a:endParaRPr kumimoji="0" lang="de-DE" sz="2400" b="0" i="0" u="none" strike="noStrike" cap="none" normalizeH="0" baseline="0" dirty="0">
+              <a:ln>
+                <a:noFill/>
+              </a:ln>
+              <a:solidFill>
+                <a:schemeClr val="tx1"/>
+              </a:solidFill>
+              <a:effectLst/>
+              <a:latin typeface="Cambria"/>
+              <a:ea typeface="ＭＳ Ｐゴシック" charset="0"/>
+              <a:cs typeface="Cambria"/>
+            </a:endParaRPr>
+          </a:p>
+        </p:txBody>
+      </p:sp>
+      <p:sp>
+        <p:nvSpPr>
+          <p:cNvPr id="17" name="Rechteck 16"/>
+          <p:cNvSpPr/>
+          <p:nvPr/>
+        </p:nvSpPr>
+        <p:spPr bwMode="auto">
+          <a:xfrm>
+            <a:off x="3505200" y="3124200"/>
+            <a:ext cx="2209800" cy="2362200"/>
+          </a:xfrm>
+          <a:prstGeom prst="rect">
+            <a:avLst/>
+          </a:prstGeom>
+          <a:solidFill>
+            <a:schemeClr val="accent1"/>
+          </a:solidFill>
+          <a:ln w="12700" cap="sq" cmpd="sng" algn="ctr">
+            <a:solidFill>
+              <a:schemeClr val="tx1"/>
+            </a:solidFill>
+            <a:prstDash val="solid"/>
+            <a:round/>
+            <a:headEnd type="none" w="sm" len="sm"/>
+            <a:tailEnd type="none" w="sm" len="sm"/>
+          </a:ln>
+          <a:effectLst/>
+          <a:extLst>
+            <a:ext uri="{AF507438-7753-43e0-B8FC-AC1667EBCBE1}">
+              <a14:hiddenEffects xmlns:a14="http://schemas.microsoft.com/office/drawing/2010/main">
+                <a:effectLst>
+                  <a:outerShdw blurRad="63500" dist="38099" dir="2700000" algn="ctr" rotWithShape="0">
+                    <a:schemeClr val="bg2">
+                      <a:alpha val="74998"/>
+                    </a:schemeClr>
+                  </a:outerShdw>
+                </a:effectLst>
+              </a14:hiddenEffects>
+            </a:ext>
+          </a:extLst>
+        </p:spPr>
+        <p:txBody>
+          <a:bodyPr vert="horz" wrap="square" lIns="91440" tIns="45720" rIns="91440" bIns="45720" numCol="1" rtlCol="0" anchor="t" anchorCtr="0" compatLnSpc="1">
+            <a:prstTxWarp prst="textNoShape">
+              <a:avLst/>
+            </a:prstTxWarp>
+          </a:bodyPr>
+          <a:lstStyle/>
+          <a:p>
+            <a:pPr marL="0" marR="0" indent="0" algn="ctr" defTabSz="914400" rtl="0" eaLnBrk="0" fontAlgn="base" latinLnBrk="0" hangingPunct="0">
+              <a:lnSpc>
+                <a:spcPct val="100000"/>
+              </a:lnSpc>
+              <a:spcBef>
+                <a:spcPct val="0"/>
+              </a:spcBef>
+              <a:spcAft>
+                <a:spcPct val="0"/>
+              </a:spcAft>
+              <a:buClrTx/>
+              <a:buSzTx/>
+              <a:buFontTx/>
+              <a:buNone/>
+              <a:tabLst/>
+            </a:pPr>
+            <a:r>
+              <a:rPr kumimoji="0" lang="de-DE" sz="2400" b="0" i="0" u="none" strike="noStrike" cap="none" normalizeH="0" baseline="0" dirty="0" err="1" smtClean="0">
+                <a:ln>
+                  <a:noFill/>
+                </a:ln>
+                <a:solidFill>
+                  <a:schemeClr val="tx1"/>
+                </a:solidFill>
+                <a:effectLst/>
+                <a:latin typeface="Cambria"/>
+                <a:ea typeface="ＭＳ Ｐゴシック" charset="0"/>
+                <a:cs typeface="Cambria"/>
+              </a:rPr>
+              <a:t>MainFragment</a:t>
+            </a:r>
+            <a:endParaRPr kumimoji="0" lang="de-DE" sz="2400" b="0" i="0" u="none" strike="noStrike" cap="none" normalizeH="0" baseline="0" dirty="0">
+              <a:ln>
+                <a:noFill/>
+              </a:ln>
+              <a:solidFill>
+                <a:schemeClr val="tx1"/>
+              </a:solidFill>
+              <a:effectLst/>
+              <a:latin typeface="Cambria"/>
+              <a:ea typeface="ＭＳ Ｐゴシック" charset="0"/>
+              <a:cs typeface="Cambria"/>
+            </a:endParaRPr>
+          </a:p>
+        </p:txBody>
+      </p:sp>
+      <p:sp>
+        <p:nvSpPr>
+          <p:cNvPr id="18" name="Rechteck 17"/>
+          <p:cNvSpPr/>
+          <p:nvPr/>
+        </p:nvSpPr>
+        <p:spPr bwMode="auto">
+          <a:xfrm>
+            <a:off x="3886200" y="3662460"/>
+            <a:ext cx="1524000" cy="1671540"/>
+          </a:xfrm>
+          <a:prstGeom prst="rect">
+            <a:avLst/>
+          </a:prstGeom>
+          <a:solidFill>
+            <a:schemeClr val="accent1">
+              <a:lumMod val="40000"/>
+              <a:lumOff val="60000"/>
+            </a:schemeClr>
+          </a:solidFill>
+          <a:ln w="12700" cap="sq" cmpd="sng" algn="ctr">
+            <a:solidFill>
+              <a:schemeClr val="tx1"/>
+            </a:solidFill>
+            <a:prstDash val="solid"/>
+            <a:round/>
+            <a:headEnd type="none" w="sm" len="sm"/>
+            <a:tailEnd type="none" w="sm" len="sm"/>
+          </a:ln>
+          <a:effectLst/>
+          <a:extLst/>
+        </p:spPr>
+        <p:txBody>
+          <a:bodyPr vert="horz" wrap="square" lIns="91440" tIns="45720" rIns="91440" bIns="45720" numCol="1" rtlCol="0" anchor="t" anchorCtr="0" compatLnSpc="1">
+            <a:prstTxWarp prst="textNoShape">
+              <a:avLst/>
+            </a:prstTxWarp>
+          </a:bodyPr>
+          <a:lstStyle/>
+          <a:p>
+            <a:pPr marL="0" marR="0" indent="0" algn="ctr" defTabSz="914400" rtl="0" eaLnBrk="0" fontAlgn="base" latinLnBrk="0" hangingPunct="0">
+              <a:lnSpc>
+                <a:spcPct val="100000"/>
+              </a:lnSpc>
+              <a:spcBef>
+                <a:spcPct val="0"/>
+              </a:spcBef>
+              <a:spcAft>
+                <a:spcPct val="0"/>
+              </a:spcAft>
+              <a:buClrTx/>
+              <a:buSzTx/>
+              <a:buFontTx/>
+              <a:buNone/>
+              <a:tabLst/>
+            </a:pPr>
+            <a:endParaRPr kumimoji="0" lang="de-DE" sz="1600" b="0" i="0" u="none" strike="noStrike" cap="none" normalizeH="0" baseline="0" dirty="0">
+              <a:ln>
+                <a:noFill/>
+              </a:ln>
+              <a:solidFill>
+                <a:schemeClr val="tx1"/>
+              </a:solidFill>
+              <a:effectLst/>
+              <a:latin typeface="Cambria"/>
+              <a:ea typeface="ＭＳ Ｐゴシック" charset="0"/>
+              <a:cs typeface="Cambria"/>
+            </a:endParaRPr>
+          </a:p>
+        </p:txBody>
+      </p:sp>
+      <p:sp>
+        <p:nvSpPr>
+          <p:cNvPr id="19" name="Rechteck 18"/>
+          <p:cNvSpPr/>
+          <p:nvPr/>
+        </p:nvSpPr>
+        <p:spPr bwMode="auto">
+          <a:xfrm>
+            <a:off x="1143000" y="1828800"/>
+            <a:ext cx="1524000" cy="685800"/>
+          </a:xfrm>
+          <a:prstGeom prst="rect">
+            <a:avLst/>
+          </a:prstGeom>
+          <a:solidFill>
+            <a:schemeClr val="accent1">
+              <a:lumMod val="40000"/>
+              <a:lumOff val="60000"/>
+            </a:schemeClr>
+          </a:solidFill>
+          <a:ln w="12700" cap="sq" cmpd="sng" algn="ctr">
+            <a:solidFill>
+              <a:schemeClr val="tx1"/>
+            </a:solidFill>
+            <a:prstDash val="solid"/>
+            <a:round/>
+            <a:headEnd type="none" w="sm" len="sm"/>
+            <a:tailEnd type="none" w="sm" len="sm"/>
+          </a:ln>
+          <a:effectLst/>
+          <a:extLst/>
+        </p:spPr>
+        <p:txBody>
+          <a:bodyPr vert="horz" wrap="square" lIns="91440" tIns="45720" rIns="91440" bIns="45720" numCol="1" rtlCol="0" anchor="t" anchorCtr="0" compatLnSpc="1">
+            <a:prstTxWarp prst="textNoShape">
+              <a:avLst/>
+            </a:prstTxWarp>
+          </a:bodyPr>
+          <a:lstStyle/>
+          <a:p>
+            <a:pPr marL="0" marR="0" indent="0" algn="ctr" defTabSz="914400" rtl="0" eaLnBrk="0" fontAlgn="base" latinLnBrk="0" hangingPunct="0">
+              <a:lnSpc>
+                <a:spcPct val="100000"/>
+              </a:lnSpc>
+              <a:spcBef>
+                <a:spcPct val="0"/>
+              </a:spcBef>
+              <a:spcAft>
+                <a:spcPct val="0"/>
+              </a:spcAft>
+              <a:buClrTx/>
+              <a:buSzTx/>
+              <a:buFontTx/>
+              <a:buNone/>
+              <a:tabLst/>
+            </a:pPr>
+            <a:r>
+              <a:rPr kumimoji="0" lang="de-DE" sz="1600" b="0" i="0" u="none" strike="noStrike" cap="none" normalizeH="0" baseline="0" dirty="0" smtClean="0">
+                <a:ln>
+                  <a:noFill/>
+                </a:ln>
+                <a:solidFill>
+                  <a:schemeClr val="tx1"/>
+                </a:solidFill>
+                <a:effectLst/>
+                <a:latin typeface="Cambria"/>
+                <a:ea typeface="ＭＳ Ｐゴシック" charset="0"/>
+                <a:cs typeface="Cambria"/>
+              </a:rPr>
+              <a:t>Menu Fragment</a:t>
+            </a:r>
+            <a:endParaRPr kumimoji="0" lang="de-DE" sz="1600" b="0" i="0" u="none" strike="noStrike" cap="none" normalizeH="0" baseline="0" dirty="0">
+              <a:ln>
+                <a:noFill/>
+              </a:ln>
+              <a:solidFill>
+                <a:schemeClr val="tx1"/>
+              </a:solidFill>
+              <a:effectLst/>
+              <a:latin typeface="Cambria"/>
+              <a:ea typeface="ＭＳ Ｐゴシック" charset="0"/>
+              <a:cs typeface="Cambria"/>
+            </a:endParaRPr>
+          </a:p>
+        </p:txBody>
+      </p:sp>
+      <p:cxnSp>
+        <p:nvCxnSpPr>
+          <p:cNvPr id="20" name="Gerade Verbindung mit Pfeil 19"/>
+          <p:cNvCxnSpPr>
+            <a:endCxn id="19" idx="3"/>
+          </p:cNvCxnSpPr>
+          <p:nvPr/>
+        </p:nvCxnSpPr>
+        <p:spPr bwMode="auto">
+          <a:xfrm flipH="1" flipV="1">
+            <a:off x="2667000" y="2171700"/>
+            <a:ext cx="838200" cy="800100"/>
+          </a:xfrm>
+          <a:prstGeom prst="straightConnector1">
+            <a:avLst/>
+          </a:prstGeom>
+          <a:solidFill>
+            <a:schemeClr val="accent1"/>
+          </a:solidFill>
+          <a:ln w="12700" cap="sq" cmpd="sng" algn="ctr">
+            <a:solidFill>
+              <a:schemeClr val="tx1"/>
+            </a:solidFill>
+            <a:prstDash val="solid"/>
+            <a:round/>
+            <a:headEnd type="none" w="sm" len="sm"/>
+            <a:tailEnd type="arrow"/>
+          </a:ln>
+          <a:effectLst/>
+          <a:extLst>
+            <a:ext uri="{AF507438-7753-43e0-B8FC-AC1667EBCBE1}">
+              <a14:hiddenEffects xmlns:a14="http://schemas.microsoft.com/office/drawing/2010/main">
+                <a:effectLst>
+                  <a:outerShdw blurRad="63500" dist="38099" dir="2700000" algn="ctr" rotWithShape="0">
+                    <a:schemeClr val="bg2">
+                      <a:alpha val="74998"/>
+                    </a:schemeClr>
+                  </a:outerShdw>
+                </a:effectLst>
+              </a14:hiddenEffects>
+            </a:ext>
+          </a:extLst>
+        </p:spPr>
+      </p:cxnSp>
+      <p:sp>
+        <p:nvSpPr>
+          <p:cNvPr id="23" name="Rechteck 22"/>
+          <p:cNvSpPr/>
+          <p:nvPr/>
+        </p:nvSpPr>
+        <p:spPr bwMode="auto">
+          <a:xfrm>
+            <a:off x="3505200" y="2751850"/>
+            <a:ext cx="990600" cy="304800"/>
+          </a:xfrm>
+          <a:prstGeom prst="rect">
+            <a:avLst/>
+          </a:prstGeom>
+          <a:solidFill>
+            <a:schemeClr val="accent1">
+              <a:lumMod val="40000"/>
+              <a:lumOff val="60000"/>
+            </a:schemeClr>
+          </a:solidFill>
+          <a:ln w="12700" cap="sq" cmpd="sng" algn="ctr">
+            <a:solidFill>
+              <a:schemeClr val="tx1"/>
+            </a:solidFill>
+            <a:prstDash val="solid"/>
+            <a:round/>
+            <a:headEnd type="none" w="sm" len="sm"/>
+            <a:tailEnd type="none" w="sm" len="sm"/>
+          </a:ln>
+          <a:effectLst/>
+          <a:extLst/>
+        </p:spPr>
+        <p:txBody>
+          <a:bodyPr vert="horz" wrap="square" lIns="91440" tIns="45720" rIns="91440" bIns="45720" numCol="1" rtlCol="0" anchor="t" anchorCtr="0" compatLnSpc="1">
+            <a:prstTxWarp prst="textNoShape">
+              <a:avLst/>
+            </a:prstTxWarp>
+          </a:bodyPr>
+          <a:lstStyle/>
+          <a:p>
+            <a:pPr marL="0" marR="0" indent="0" algn="ctr" defTabSz="914400" rtl="0" eaLnBrk="0" fontAlgn="base" latinLnBrk="0" hangingPunct="0">
+              <a:lnSpc>
+                <a:spcPct val="100000"/>
+              </a:lnSpc>
+              <a:spcBef>
+                <a:spcPct val="0"/>
+              </a:spcBef>
+              <a:spcAft>
+                <a:spcPct val="0"/>
+              </a:spcAft>
+              <a:buClrTx/>
+              <a:buSzTx/>
+              <a:buFontTx/>
+              <a:buNone/>
+              <a:tabLst/>
+            </a:pPr>
+            <a:endParaRPr kumimoji="0" lang="de-DE" sz="1600" b="0" i="0" u="none" strike="noStrike" cap="none" normalizeH="0" baseline="0" dirty="0">
+              <a:ln>
+                <a:noFill/>
+              </a:ln>
+              <a:solidFill>
+                <a:schemeClr val="tx1"/>
+              </a:solidFill>
+              <a:effectLst/>
+              <a:latin typeface="Cambria"/>
+              <a:ea typeface="ＭＳ Ｐゴシック" charset="0"/>
+              <a:cs typeface="Cambria"/>
+            </a:endParaRPr>
+          </a:p>
+        </p:txBody>
+      </p:sp>
+      <p:sp>
+        <p:nvSpPr>
+          <p:cNvPr id="24" name="Rechteck 23"/>
+          <p:cNvSpPr/>
+          <p:nvPr/>
+        </p:nvSpPr>
+        <p:spPr bwMode="auto">
+          <a:xfrm>
+            <a:off x="4724400" y="2743200"/>
+            <a:ext cx="990600" cy="304800"/>
+          </a:xfrm>
+          <a:prstGeom prst="rect">
+            <a:avLst/>
+          </a:prstGeom>
+          <a:solidFill>
+            <a:schemeClr val="accent1">
+              <a:lumMod val="40000"/>
+              <a:lumOff val="60000"/>
+            </a:schemeClr>
+          </a:solidFill>
+          <a:ln w="12700" cap="sq" cmpd="sng" algn="ctr">
+            <a:solidFill>
+              <a:schemeClr val="tx1"/>
+            </a:solidFill>
+            <a:prstDash val="solid"/>
+            <a:round/>
+            <a:headEnd type="none" w="sm" len="sm"/>
+            <a:tailEnd type="none" w="sm" len="sm"/>
+          </a:ln>
+          <a:effectLst/>
+          <a:extLst/>
+        </p:spPr>
+        <p:txBody>
+          <a:bodyPr vert="horz" wrap="square" lIns="91440" tIns="45720" rIns="91440" bIns="45720" numCol="1" rtlCol="0" anchor="t" anchorCtr="0" compatLnSpc="1">
+            <a:prstTxWarp prst="textNoShape">
+              <a:avLst/>
+            </a:prstTxWarp>
+          </a:bodyPr>
+          <a:lstStyle/>
+          <a:p>
+            <a:pPr marL="0" marR="0" indent="0" algn="ctr" defTabSz="914400" rtl="0" eaLnBrk="0" fontAlgn="base" latinLnBrk="0" hangingPunct="0">
+              <a:lnSpc>
+                <a:spcPct val="100000"/>
+              </a:lnSpc>
+              <a:spcBef>
+                <a:spcPct val="0"/>
+              </a:spcBef>
+              <a:spcAft>
+                <a:spcPct val="0"/>
+              </a:spcAft>
+              <a:buClrTx/>
+              <a:buSzTx/>
+              <a:buFontTx/>
+              <a:buNone/>
+              <a:tabLst/>
+            </a:pPr>
+            <a:endParaRPr kumimoji="0" lang="de-DE" sz="1600" b="0" i="0" u="none" strike="noStrike" cap="none" normalizeH="0" baseline="0" dirty="0">
+              <a:ln>
+                <a:noFill/>
+              </a:ln>
+              <a:solidFill>
+                <a:schemeClr val="tx1"/>
+              </a:solidFill>
+              <a:effectLst/>
+              <a:latin typeface="Cambria"/>
+              <a:ea typeface="ＭＳ Ｐゴシック" charset="0"/>
+              <a:cs typeface="Cambria"/>
+            </a:endParaRPr>
+          </a:p>
+        </p:txBody>
+      </p:sp>
+      <p:sp>
+        <p:nvSpPr>
+          <p:cNvPr id="25" name="Rechteck 24"/>
+          <p:cNvSpPr/>
+          <p:nvPr/>
+        </p:nvSpPr>
+        <p:spPr bwMode="auto">
+          <a:xfrm>
+            <a:off x="6553200" y="1828800"/>
+            <a:ext cx="1524000" cy="685800"/>
+          </a:xfrm>
+          <a:prstGeom prst="rect">
+            <a:avLst/>
+          </a:prstGeom>
+          <a:solidFill>
+            <a:schemeClr val="accent1">
+              <a:lumMod val="40000"/>
+              <a:lumOff val="60000"/>
+            </a:schemeClr>
+          </a:solidFill>
+          <a:ln w="12700" cap="sq" cmpd="sng" algn="ctr">
+            <a:solidFill>
+              <a:schemeClr val="tx1"/>
+            </a:solidFill>
+            <a:prstDash val="solid"/>
+            <a:round/>
+            <a:headEnd type="none" w="sm" len="sm"/>
+            <a:tailEnd type="none" w="sm" len="sm"/>
+          </a:ln>
+          <a:effectLst/>
+          <a:extLst/>
+        </p:spPr>
+        <p:txBody>
+          <a:bodyPr vert="horz" wrap="square" lIns="91440" tIns="45720" rIns="91440" bIns="45720" numCol="1" rtlCol="0" anchor="t" anchorCtr="0" compatLnSpc="1">
+            <a:prstTxWarp prst="textNoShape">
+              <a:avLst/>
+            </a:prstTxWarp>
+          </a:bodyPr>
+          <a:lstStyle/>
+          <a:p>
+            <a:pPr marL="0" marR="0" indent="0" algn="ctr" defTabSz="914400" rtl="0" eaLnBrk="0" fontAlgn="base" latinLnBrk="0" hangingPunct="0">
+              <a:lnSpc>
+                <a:spcPct val="100000"/>
+              </a:lnSpc>
+              <a:spcBef>
+                <a:spcPct val="0"/>
+              </a:spcBef>
+              <a:spcAft>
+                <a:spcPct val="0"/>
+              </a:spcAft>
+              <a:buClrTx/>
+              <a:buSzTx/>
+              <a:buFontTx/>
+              <a:buNone/>
+              <a:tabLst/>
+            </a:pPr>
+            <a:r>
+              <a:rPr kumimoji="0" lang="de-DE" sz="1600" b="0" i="0" u="none" strike="noStrike" cap="none" normalizeH="0" baseline="0" dirty="0" err="1" smtClean="0">
+                <a:ln>
+                  <a:noFill/>
+                </a:ln>
+                <a:solidFill>
+                  <a:schemeClr val="tx1"/>
+                </a:solidFill>
+                <a:effectLst/>
+                <a:latin typeface="Cambria"/>
+                <a:ea typeface="ＭＳ Ｐゴシック" charset="0"/>
+                <a:cs typeface="Cambria"/>
+              </a:rPr>
+              <a:t>Colorbar</a:t>
+            </a:r>
+            <a:r>
+              <a:rPr kumimoji="0" lang="de-DE" sz="1600" b="0" i="0" u="none" strike="noStrike" cap="none" normalizeH="0" baseline="0" dirty="0" smtClean="0">
+                <a:ln>
+                  <a:noFill/>
+                </a:ln>
+                <a:solidFill>
+                  <a:schemeClr val="tx1"/>
+                </a:solidFill>
+                <a:effectLst/>
+                <a:latin typeface="Cambria"/>
+                <a:ea typeface="ＭＳ Ｐゴシック" charset="0"/>
+                <a:cs typeface="Cambria"/>
+              </a:rPr>
+              <a:t/>
+            </a:r>
+            <a:br>
+              <a:rPr kumimoji="0" lang="de-DE" sz="1600" b="0" i="0" u="none" strike="noStrike" cap="none" normalizeH="0" baseline="0" dirty="0" smtClean="0">
+                <a:ln>
+                  <a:noFill/>
+                </a:ln>
+                <a:solidFill>
+                  <a:schemeClr val="tx1"/>
+                </a:solidFill>
+                <a:effectLst/>
+                <a:latin typeface="Cambria"/>
+                <a:ea typeface="ＭＳ Ｐゴシック" charset="0"/>
+                <a:cs typeface="Cambria"/>
+              </a:rPr>
+            </a:br>
+            <a:r>
+              <a:rPr kumimoji="0" lang="de-DE" sz="1600" b="0" i="0" u="none" strike="noStrike" cap="none" normalizeH="0" baseline="0" dirty="0" smtClean="0">
+                <a:ln>
+                  <a:noFill/>
+                </a:ln>
+                <a:solidFill>
+                  <a:schemeClr val="tx1"/>
+                </a:solidFill>
+                <a:effectLst/>
+                <a:latin typeface="Cambria"/>
+                <a:ea typeface="ＭＳ Ｐゴシック" charset="0"/>
+                <a:cs typeface="Cambria"/>
+              </a:rPr>
+              <a:t>Fragment</a:t>
+            </a:r>
+            <a:endParaRPr kumimoji="0" lang="de-DE" sz="1600" b="0" i="0" u="none" strike="noStrike" cap="none" normalizeH="0" baseline="0" dirty="0">
+              <a:ln>
+                <a:noFill/>
+              </a:ln>
+              <a:solidFill>
+                <a:schemeClr val="tx1"/>
+              </a:solidFill>
+              <a:effectLst/>
+              <a:latin typeface="Cambria"/>
+              <a:ea typeface="ＭＳ Ｐゴシック" charset="0"/>
+              <a:cs typeface="Cambria"/>
+            </a:endParaRPr>
+          </a:p>
+        </p:txBody>
+      </p:sp>
+      <p:cxnSp>
+        <p:nvCxnSpPr>
+          <p:cNvPr id="26" name="Gerade Verbindung mit Pfeil 25"/>
+          <p:cNvCxnSpPr>
+            <a:stCxn id="24" idx="3"/>
+            <a:endCxn id="25" idx="1"/>
+          </p:cNvCxnSpPr>
+          <p:nvPr/>
+        </p:nvCxnSpPr>
+        <p:spPr bwMode="auto">
+          <a:xfrm flipV="1">
+            <a:off x="5715000" y="2171700"/>
+            <a:ext cx="838200" cy="723900"/>
+          </a:xfrm>
+          <a:prstGeom prst="straightConnector1">
+            <a:avLst/>
+          </a:prstGeom>
+          <a:solidFill>
+            <a:schemeClr val="accent1"/>
+          </a:solidFill>
+          <a:ln w="12700" cap="sq" cmpd="sng" algn="ctr">
+            <a:solidFill>
+              <a:schemeClr val="tx1"/>
+            </a:solidFill>
+            <a:prstDash val="solid"/>
+            <a:round/>
+            <a:headEnd type="none" w="sm" len="sm"/>
+            <a:tailEnd type="arrow"/>
+          </a:ln>
+          <a:effectLst/>
+          <a:extLst>
+            <a:ext uri="{AF507438-7753-43e0-B8FC-AC1667EBCBE1}">
+              <a14:hiddenEffects xmlns:a14="http://schemas.microsoft.com/office/drawing/2010/main">
+                <a:effectLst>
+                  <a:outerShdw blurRad="63500" dist="38099" dir="2700000" algn="ctr" rotWithShape="0">
+                    <a:schemeClr val="bg2">
+                      <a:alpha val="74998"/>
+                    </a:schemeClr>
+                  </a:outerShdw>
+                </a:effectLst>
+              </a14:hiddenEffects>
+            </a:ext>
+          </a:extLst>
+        </p:spPr>
+      </p:cxnSp>
+      <p:sp>
+        <p:nvSpPr>
+          <p:cNvPr id="39" name="Rechteck 38"/>
+          <p:cNvSpPr/>
+          <p:nvPr/>
+        </p:nvSpPr>
+        <p:spPr bwMode="auto">
+          <a:xfrm>
+            <a:off x="762000" y="2819400"/>
+            <a:ext cx="1981200" cy="2590800"/>
+          </a:xfrm>
+          <a:prstGeom prst="rect">
+            <a:avLst/>
+          </a:prstGeom>
+          <a:noFill/>
+          <a:ln w="12700" cap="sq" cmpd="sng" algn="ctr">
+            <a:solidFill>
+              <a:schemeClr val="tx1"/>
+            </a:solidFill>
+            <a:prstDash val="solid"/>
+            <a:round/>
+            <a:headEnd type="none" w="sm" len="sm"/>
+            <a:tailEnd type="none" w="sm" len="sm"/>
+          </a:ln>
+          <a:effectLst/>
+          <a:extLst/>
+        </p:spPr>
+        <p:txBody>
+          <a:bodyPr vert="horz" wrap="square" lIns="91440" tIns="45720" rIns="91440" bIns="45720" numCol="1" rtlCol="0" anchor="t" anchorCtr="0" compatLnSpc="1">
+            <a:prstTxWarp prst="textNoShape">
+              <a:avLst/>
+            </a:prstTxWarp>
+          </a:bodyPr>
+          <a:lstStyle/>
+          <a:p>
+            <a:r>
+              <a:rPr lang="de-DE" sz="1600" b="1" dirty="0" err="1" smtClean="0">
+                <a:latin typeface="Cambria"/>
+                <a:cs typeface="Cambria"/>
+              </a:rPr>
+              <a:t>Filtering</a:t>
+            </a:r>
+            <a:r>
+              <a:rPr lang="de-DE" sz="1600" b="1" dirty="0" smtClean="0">
+                <a:latin typeface="Cambria"/>
+                <a:cs typeface="Cambria"/>
+              </a:rPr>
+              <a:t> </a:t>
+            </a:r>
+            <a:r>
+              <a:rPr lang="de-DE" sz="1600" b="1" dirty="0" err="1" smtClean="0">
+                <a:latin typeface="Cambria"/>
+                <a:cs typeface="Cambria"/>
+              </a:rPr>
+              <a:t>Scheme</a:t>
+            </a:r>
+            <a:endParaRPr lang="de-DE" sz="1600" b="1" dirty="0" smtClean="0">
+              <a:latin typeface="Cambria"/>
+              <a:cs typeface="Cambria"/>
+            </a:endParaRPr>
+          </a:p>
+          <a:p>
+            <a:pPr indent="-285750">
+              <a:buFont typeface="Arial"/>
+              <a:buChar char="•"/>
+            </a:pPr>
+            <a:r>
+              <a:rPr lang="de-DE" sz="1600" dirty="0" smtClean="0">
+                <a:latin typeface="Cambria"/>
+                <a:cs typeface="Cambria"/>
+              </a:rPr>
+              <a:t>RGB</a:t>
+            </a:r>
+          </a:p>
+          <a:p>
+            <a:pPr indent="-285750">
+              <a:buFont typeface="Arial"/>
+              <a:buChar char="•"/>
+            </a:pPr>
+            <a:r>
+              <a:rPr lang="de-DE" sz="1600" dirty="0" smtClean="0">
+                <a:latin typeface="Cambria"/>
+                <a:cs typeface="Cambria"/>
+              </a:rPr>
+              <a:t>CMYK</a:t>
+            </a:r>
+          </a:p>
+          <a:p>
+            <a:pPr indent="-285750">
+              <a:buFont typeface="Arial"/>
+              <a:buChar char="•"/>
+            </a:pPr>
+            <a:r>
+              <a:rPr lang="de-DE" sz="1600" dirty="0" smtClean="0">
+                <a:latin typeface="Cambria"/>
+                <a:cs typeface="Cambria"/>
+              </a:rPr>
+              <a:t>HSV</a:t>
+            </a:r>
+            <a:endParaRPr lang="de-DE" sz="1600" dirty="0">
+              <a:latin typeface="Cambria"/>
+              <a:cs typeface="Cambria"/>
+            </a:endParaRPr>
+          </a:p>
+          <a:p>
+            <a:r>
+              <a:rPr lang="de-DE" sz="1600" b="1" dirty="0" smtClean="0">
+                <a:latin typeface="Cambria"/>
+                <a:cs typeface="Cambria"/>
+              </a:rPr>
+              <a:t>Quality</a:t>
+            </a:r>
+          </a:p>
+          <a:p>
+            <a:pPr indent="-285750">
+              <a:buFont typeface="Arial"/>
+              <a:buChar char="•"/>
+            </a:pPr>
+            <a:r>
+              <a:rPr lang="de-DE" sz="1600" dirty="0">
+                <a:latin typeface="Cambria"/>
+                <a:cs typeface="Cambria"/>
+              </a:rPr>
+              <a:t>5</a:t>
+            </a:r>
+            <a:r>
+              <a:rPr lang="de-DE" sz="1600" dirty="0" smtClean="0">
+                <a:latin typeface="Cambria"/>
+                <a:cs typeface="Cambria"/>
+              </a:rPr>
+              <a:t>-100%</a:t>
+            </a:r>
+          </a:p>
+          <a:p>
+            <a:r>
+              <a:rPr lang="de-DE" sz="1600" b="1" dirty="0" smtClean="0">
+                <a:latin typeface="Cambria"/>
+                <a:cs typeface="Cambria"/>
+              </a:rPr>
+              <a:t>Image </a:t>
+            </a:r>
+            <a:r>
+              <a:rPr lang="de-DE" sz="1600" b="1" dirty="0" err="1" smtClean="0">
+                <a:latin typeface="Cambria"/>
+                <a:cs typeface="Cambria"/>
+              </a:rPr>
+              <a:t>format</a:t>
+            </a:r>
+            <a:endParaRPr lang="de-DE" sz="1600" b="1" dirty="0" smtClean="0">
+              <a:latin typeface="Cambria"/>
+              <a:cs typeface="Cambria"/>
+            </a:endParaRPr>
+          </a:p>
+          <a:p>
+            <a:pPr marL="285750" indent="-285750">
+              <a:buFont typeface="Arial"/>
+              <a:buChar char="•"/>
+            </a:pPr>
+            <a:r>
+              <a:rPr kumimoji="0" lang="de-DE" sz="1600" b="0" i="0" u="none" strike="noStrike" cap="none" normalizeH="0" baseline="0" dirty="0" smtClean="0">
+                <a:ln>
+                  <a:noFill/>
+                </a:ln>
+                <a:solidFill>
+                  <a:schemeClr val="tx1"/>
+                </a:solidFill>
+                <a:effectLst/>
+                <a:latin typeface="Cambria"/>
+                <a:ea typeface="ＭＳ Ｐゴシック" charset="0"/>
+                <a:cs typeface="Cambria"/>
+              </a:rPr>
+              <a:t>.</a:t>
+            </a:r>
+            <a:r>
+              <a:rPr kumimoji="0" lang="de-DE" sz="1600" b="0" i="0" u="none" strike="noStrike" cap="none" normalizeH="0" baseline="0" dirty="0" err="1" smtClean="0">
+                <a:ln>
+                  <a:noFill/>
+                </a:ln>
+                <a:solidFill>
+                  <a:schemeClr val="tx1"/>
+                </a:solidFill>
+                <a:effectLst/>
+                <a:latin typeface="Cambria"/>
+                <a:ea typeface="ＭＳ Ｐゴシック" charset="0"/>
+                <a:cs typeface="Cambria"/>
+              </a:rPr>
+              <a:t>png</a:t>
+            </a:r>
+            <a:endParaRPr kumimoji="0" lang="de-DE" sz="1600" b="0" i="0" u="none" strike="noStrike" cap="none" normalizeH="0" baseline="0" dirty="0" smtClean="0">
+              <a:ln>
+                <a:noFill/>
+              </a:ln>
+              <a:solidFill>
+                <a:schemeClr val="tx1"/>
+              </a:solidFill>
+              <a:effectLst/>
+              <a:latin typeface="Cambria"/>
+              <a:ea typeface="ＭＳ Ｐゴシック" charset="0"/>
+              <a:cs typeface="Cambria"/>
+            </a:endParaRPr>
+          </a:p>
+          <a:p>
+            <a:pPr marL="285750" indent="-285750">
+              <a:buFont typeface="Arial"/>
+              <a:buChar char="•"/>
+            </a:pPr>
+            <a:r>
+              <a:rPr lang="de-DE" sz="1600" dirty="0" smtClean="0">
+                <a:latin typeface="Cambria"/>
+                <a:cs typeface="Cambria"/>
+              </a:rPr>
+              <a:t>.</a:t>
+            </a:r>
+            <a:r>
+              <a:rPr lang="de-DE" sz="1600" dirty="0" err="1" smtClean="0">
+                <a:latin typeface="Cambria"/>
+                <a:cs typeface="Cambria"/>
+              </a:rPr>
+              <a:t>jpeg</a:t>
+            </a:r>
+            <a:endParaRPr lang="de-DE" sz="1600" dirty="0" smtClean="0">
+              <a:latin typeface="Cambria"/>
+              <a:cs typeface="Cambria"/>
+            </a:endParaRPr>
+          </a:p>
+          <a:p>
+            <a:pPr marL="285750" indent="-285750">
+              <a:buFont typeface="Arial"/>
+              <a:buChar char="•"/>
+            </a:pPr>
+            <a:r>
+              <a:rPr kumimoji="0" lang="de-DE" sz="1600" b="0" i="0" u="none" strike="noStrike" cap="none" normalizeH="0" baseline="0" dirty="0" smtClean="0">
+                <a:ln>
+                  <a:noFill/>
+                </a:ln>
+                <a:solidFill>
+                  <a:schemeClr val="tx1"/>
+                </a:solidFill>
+                <a:effectLst/>
+                <a:latin typeface="Cambria"/>
+                <a:ea typeface="ＭＳ Ｐゴシック" charset="0"/>
+                <a:cs typeface="Cambria"/>
+              </a:rPr>
+              <a:t>.</a:t>
+            </a:r>
+            <a:r>
+              <a:rPr kumimoji="0" lang="de-DE" sz="1600" b="0" i="0" u="none" strike="noStrike" cap="none" normalizeH="0" baseline="0" dirty="0" err="1" smtClean="0">
+                <a:ln>
+                  <a:noFill/>
+                </a:ln>
+                <a:solidFill>
+                  <a:schemeClr val="tx1"/>
+                </a:solidFill>
+                <a:effectLst/>
+                <a:latin typeface="Cambria"/>
+                <a:ea typeface="ＭＳ Ｐゴシック" charset="0"/>
+                <a:cs typeface="Cambria"/>
+              </a:rPr>
+              <a:t>webp</a:t>
+            </a:r>
+            <a:endParaRPr kumimoji="0" lang="de-DE" sz="1600" b="0" i="0" u="none" strike="noStrike" cap="none" normalizeH="0" baseline="0" dirty="0">
+              <a:ln>
+                <a:noFill/>
+              </a:ln>
+              <a:solidFill>
+                <a:schemeClr val="tx1"/>
+              </a:solidFill>
+              <a:effectLst/>
+              <a:latin typeface="Cambria"/>
+              <a:ea typeface="ＭＳ Ｐゴシック" charset="0"/>
+              <a:cs typeface="Cambria"/>
+            </a:endParaRPr>
+          </a:p>
+        </p:txBody>
+      </p:sp>
+      <p:sp>
+        <p:nvSpPr>
+          <p:cNvPr id="40" name="Rechteck 39"/>
+          <p:cNvSpPr/>
+          <p:nvPr/>
+        </p:nvSpPr>
+        <p:spPr bwMode="auto">
+          <a:xfrm>
+            <a:off x="6477000" y="2819400"/>
+            <a:ext cx="1676400" cy="838200"/>
+          </a:xfrm>
+          <a:prstGeom prst="rect">
+            <a:avLst/>
+          </a:prstGeom>
+          <a:noFill/>
+          <a:ln w="12700" cap="sq" cmpd="sng" algn="ctr">
+            <a:solidFill>
+              <a:schemeClr val="tx1"/>
+            </a:solidFill>
+            <a:prstDash val="solid"/>
+            <a:round/>
+            <a:headEnd type="none" w="sm" len="sm"/>
+            <a:tailEnd type="none" w="sm" len="sm"/>
+          </a:ln>
+          <a:effectLst/>
+          <a:extLst/>
+        </p:spPr>
+        <p:txBody>
+          <a:bodyPr vert="horz" wrap="square" lIns="91440" tIns="45720" rIns="91440" bIns="45720" numCol="1" rtlCol="0" anchor="t" anchorCtr="0" compatLnSpc="1">
+            <a:prstTxWarp prst="textNoShape">
+              <a:avLst/>
+            </a:prstTxWarp>
+          </a:bodyPr>
+          <a:lstStyle/>
+          <a:p>
+            <a:pPr marL="0" marR="0" indent="0" algn="ctr" defTabSz="914400" rtl="0" eaLnBrk="0" fontAlgn="base" latinLnBrk="0" hangingPunct="0">
+              <a:lnSpc>
+                <a:spcPct val="100000"/>
+              </a:lnSpc>
+              <a:spcBef>
+                <a:spcPct val="0"/>
+              </a:spcBef>
+              <a:spcAft>
+                <a:spcPct val="0"/>
+              </a:spcAft>
+              <a:buClrTx/>
+              <a:buSzTx/>
+              <a:buFontTx/>
+              <a:buNone/>
+              <a:tabLst/>
+            </a:pPr>
+            <a:r>
+              <a:rPr lang="de-DE" sz="1600" b="1" dirty="0" smtClean="0">
+                <a:latin typeface="Cambria"/>
+                <a:cs typeface="Cambria"/>
+              </a:rPr>
+              <a:t>Filter </a:t>
+            </a:r>
+            <a:r>
+              <a:rPr lang="de-DE" sz="1600" b="1" dirty="0" err="1" smtClean="0">
+                <a:latin typeface="Cambria"/>
+                <a:cs typeface="Cambria"/>
+              </a:rPr>
+              <a:t>range</a:t>
+            </a:r>
+            <a:endParaRPr lang="de-DE" sz="1600" b="1" dirty="0" smtClean="0">
+              <a:latin typeface="Cambria"/>
+              <a:cs typeface="Cambria"/>
+            </a:endParaRPr>
+          </a:p>
+          <a:p>
+            <a:pPr marL="0" marR="0" indent="0" algn="ctr" defTabSz="914400" rtl="0" eaLnBrk="0" fontAlgn="base" latinLnBrk="0" hangingPunct="0">
+              <a:lnSpc>
+                <a:spcPct val="100000"/>
+              </a:lnSpc>
+              <a:spcBef>
+                <a:spcPct val="0"/>
+              </a:spcBef>
+              <a:spcAft>
+                <a:spcPct val="0"/>
+              </a:spcAft>
+              <a:buClrTx/>
+              <a:buSzTx/>
+              <a:buFontTx/>
+              <a:buNone/>
+              <a:tabLst/>
+            </a:pPr>
+            <a:r>
+              <a:rPr kumimoji="0" lang="de-DE" sz="1600" b="0" i="0" u="none" strike="noStrike" cap="none" normalizeH="0" baseline="0" dirty="0" err="1" smtClean="0">
+                <a:ln>
+                  <a:noFill/>
+                </a:ln>
+                <a:solidFill>
+                  <a:schemeClr val="tx1"/>
+                </a:solidFill>
+                <a:effectLst/>
+                <a:latin typeface="Cambria"/>
+                <a:ea typeface="ＭＳ Ｐゴシック" charset="0"/>
+                <a:cs typeface="Cambria"/>
+              </a:rPr>
+              <a:t>for</a:t>
+            </a:r>
+            <a:r>
+              <a:rPr kumimoji="0" lang="de-DE" sz="1600" b="0" i="0" u="none" strike="noStrike" cap="none" normalizeH="0" baseline="0" dirty="0" smtClean="0">
+                <a:ln>
+                  <a:noFill/>
+                </a:ln>
+                <a:solidFill>
+                  <a:schemeClr val="tx1"/>
+                </a:solidFill>
+                <a:effectLst/>
+                <a:latin typeface="Cambria"/>
+                <a:ea typeface="ＭＳ Ｐゴシック" charset="0"/>
+                <a:cs typeface="Cambria"/>
+              </a:rPr>
+              <a:t> </a:t>
+            </a:r>
+            <a:r>
+              <a:rPr kumimoji="0" lang="de-DE" sz="1600" b="0" i="0" u="none" strike="noStrike" cap="none" normalizeH="0" baseline="0" dirty="0" err="1" smtClean="0">
+                <a:ln>
+                  <a:noFill/>
+                </a:ln>
+                <a:solidFill>
+                  <a:schemeClr val="tx1"/>
+                </a:solidFill>
+                <a:effectLst/>
+                <a:latin typeface="Cambria"/>
+                <a:ea typeface="ＭＳ Ｐゴシック" charset="0"/>
+                <a:cs typeface="Cambria"/>
+              </a:rPr>
+              <a:t>each</a:t>
+            </a:r>
+            <a:r>
+              <a:rPr kumimoji="0" lang="de-DE" sz="1600" b="0" i="0" u="none" strike="noStrike" cap="none" normalizeH="0" baseline="0" dirty="0" smtClean="0">
+                <a:ln>
+                  <a:noFill/>
+                </a:ln>
+                <a:solidFill>
+                  <a:schemeClr val="tx1"/>
+                </a:solidFill>
+                <a:effectLst/>
+                <a:latin typeface="Cambria"/>
+                <a:ea typeface="ＭＳ Ｐゴシック" charset="0"/>
+                <a:cs typeface="Cambria"/>
+              </a:rPr>
+              <a:t> </a:t>
+            </a:r>
+            <a:r>
+              <a:rPr kumimoji="0" lang="de-DE" sz="1600" b="0" i="0" u="none" strike="noStrike" cap="none" normalizeH="0" baseline="0" dirty="0" err="1" smtClean="0">
+                <a:ln>
+                  <a:noFill/>
+                </a:ln>
+                <a:solidFill>
+                  <a:schemeClr val="tx1"/>
+                </a:solidFill>
+                <a:effectLst/>
+                <a:latin typeface="Cambria"/>
+                <a:ea typeface="ＭＳ Ｐゴシック" charset="0"/>
+                <a:cs typeface="Cambria"/>
+              </a:rPr>
+              <a:t>component</a:t>
+            </a:r>
+            <a:r>
+              <a:rPr kumimoji="0" lang="de-DE" sz="1600" b="0" i="0" u="none" strike="noStrike" cap="none" normalizeH="0" baseline="0" dirty="0" smtClean="0">
+                <a:ln>
+                  <a:noFill/>
+                </a:ln>
+                <a:solidFill>
+                  <a:schemeClr val="tx1"/>
+                </a:solidFill>
+                <a:effectLst/>
+                <a:latin typeface="Cambria"/>
+                <a:ea typeface="ＭＳ Ｐゴシック" charset="0"/>
+                <a:cs typeface="Cambria"/>
+              </a:rPr>
+              <a:t> </a:t>
+            </a:r>
+            <a:endParaRPr kumimoji="0" lang="de-DE" sz="1600" b="0" i="0" u="none" strike="noStrike" cap="none" normalizeH="0" baseline="0" dirty="0">
+              <a:ln>
+                <a:noFill/>
+              </a:ln>
+              <a:solidFill>
+                <a:schemeClr val="tx1"/>
+              </a:solidFill>
+              <a:effectLst/>
+              <a:latin typeface="Cambria"/>
+              <a:ea typeface="ＭＳ Ｐゴシック" charset="0"/>
+              <a:cs typeface="Cambria"/>
+            </a:endParaRPr>
+          </a:p>
+        </p:txBody>
+      </p:sp>
+      <p:cxnSp>
+        <p:nvCxnSpPr>
+          <p:cNvPr id="42" name="Gerade Verbindung 41"/>
+          <p:cNvCxnSpPr>
+            <a:stCxn id="39" idx="0"/>
+            <a:endCxn id="19" idx="2"/>
+          </p:cNvCxnSpPr>
+          <p:nvPr/>
+        </p:nvCxnSpPr>
+        <p:spPr bwMode="auto">
+          <a:xfrm flipV="1">
+            <a:off x="1752600" y="2514600"/>
+            <a:ext cx="152400" cy="304800"/>
+          </a:xfrm>
+          <a:prstGeom prst="line">
+            <a:avLst/>
+          </a:prstGeom>
+          <a:solidFill>
+            <a:schemeClr val="accent1"/>
+          </a:solidFill>
+          <a:ln w="12700" cap="sq" cmpd="sng" algn="ctr">
+            <a:solidFill>
+              <a:schemeClr val="tx1"/>
+            </a:solidFill>
+            <a:prstDash val="dot"/>
+            <a:round/>
+            <a:headEnd type="none" w="sm" len="sm"/>
+            <a:tailEnd type="none" w="sm" len="sm"/>
+          </a:ln>
+          <a:effectLst/>
+          <a:extLst>
+            <a:ext uri="{AF507438-7753-43e0-B8FC-AC1667EBCBE1}">
+              <a14:hiddenEffects xmlns:a14="http://schemas.microsoft.com/office/drawing/2010/main">
+                <a:effectLst>
+                  <a:outerShdw blurRad="63500" dist="38099" dir="2700000" algn="ctr" rotWithShape="0">
+                    <a:schemeClr val="bg2">
+                      <a:alpha val="74998"/>
+                    </a:schemeClr>
+                  </a:outerShdw>
+                </a:effectLst>
+              </a14:hiddenEffects>
+            </a:ext>
+          </a:extLst>
+        </p:spPr>
+      </p:cxnSp>
+      <p:cxnSp>
+        <p:nvCxnSpPr>
+          <p:cNvPr id="43" name="Gerade Verbindung 42"/>
+          <p:cNvCxnSpPr>
+            <a:stCxn id="40" idx="0"/>
+            <a:endCxn id="25" idx="2"/>
+          </p:cNvCxnSpPr>
+          <p:nvPr/>
+        </p:nvCxnSpPr>
+        <p:spPr bwMode="auto">
+          <a:xfrm flipV="1">
+            <a:off x="7315200" y="2514600"/>
+            <a:ext cx="0" cy="304800"/>
+          </a:xfrm>
+          <a:prstGeom prst="line">
+            <a:avLst/>
+          </a:prstGeom>
+          <a:solidFill>
+            <a:schemeClr val="accent1"/>
+          </a:solidFill>
+          <a:ln w="12700" cap="sq" cmpd="sng" algn="ctr">
+            <a:solidFill>
+              <a:schemeClr val="tx1"/>
+            </a:solidFill>
+            <a:prstDash val="dot"/>
+            <a:round/>
+            <a:headEnd type="none" w="sm" len="sm"/>
+            <a:tailEnd type="none" w="sm" len="sm"/>
+          </a:ln>
+          <a:effectLst/>
+          <a:extLst>
+            <a:ext uri="{AF507438-7753-43e0-B8FC-AC1667EBCBE1}">
+              <a14:hiddenEffects xmlns:a14="http://schemas.microsoft.com/office/drawing/2010/main">
+                <a:effectLst>
+                  <a:outerShdw blurRad="63500" dist="38099" dir="2700000" algn="ctr" rotWithShape="0">
+                    <a:schemeClr val="bg2">
+                      <a:alpha val="74998"/>
+                    </a:schemeClr>
+                  </a:outerShdw>
+                </a:effectLst>
+              </a14:hiddenEffects>
+            </a:ext>
+          </a:extLst>
+        </p:spPr>
+      </p:cxnSp>
+    </p:spTree>
+    <p:extLst>
+      <p:ext uri="{BB962C8B-B14F-4D97-AF65-F5344CB8AC3E}">
+        <p14:creationId xmlns:p14="http://schemas.microsoft.com/office/powerpoint/2010/main" val="2980793463"/>
+      </p:ext>
+    </p:extLst>
+  </p:cSld>
+  <p:clrMapOvr>
+    <a:masterClrMapping/>
+  </p:clrMapOvr>
+</p:sld>
+</file>
+
+<file path=ppt/slides/slide5.xml><?xml version="1.0" encoding="utf-8"?>
 <p:sld xmlns:a="http://schemas.openxmlformats.org/drawingml/2006/main" xmlns:r="http://schemas.openxmlformats.org/officeDocument/2006/relationships" xmlns:p="http://schemas.openxmlformats.org/presentationml/2006/main">
   <p:cSld>
     <p:spTree>
@@ -4011,23 +6906,531 @@
           <a:lstStyle/>
           <a:p>
             <a:r>
-              <a:rPr lang="de-DE" dirty="0" err="1"/>
-              <a:t>Conclusion</a:t>
-            </a:r>
-            <a:r>
-              <a:rPr lang="de-DE" dirty="0"/>
+              <a:rPr lang="de-DE" dirty="0" err="1" smtClean="0"/>
+              <a:t>Important</a:t>
+            </a:r>
+            <a:r>
+              <a:rPr lang="de-DE" dirty="0" smtClean="0"/>
+              <a:t> </a:t>
+            </a:r>
+            <a:r>
+              <a:rPr lang="de-DE" dirty="0" err="1" smtClean="0"/>
+              <a:t>Aspects</a:t>
+            </a:r>
+            <a:r>
+              <a:rPr lang="de-DE" dirty="0" smtClean="0"/>
               <a:t/>
             </a:r>
             <a:br>
-              <a:rPr lang="de-DE" dirty="0"/>
+              <a:rPr lang="de-DE" dirty="0" smtClean="0"/>
             </a:br>
             <a:r>
-              <a:rPr lang="de-DE" dirty="0" err="1">
+              <a:rPr lang="de-DE" dirty="0" smtClean="0">
                 <a:solidFill>
                   <a:srgbClr val="868686"/>
                 </a:solidFill>
               </a:rPr>
-              <a:t>Suggested</a:t>
+              <a:t>Image Processing</a:t>
+            </a:r>
+            <a:endParaRPr lang="de-DE" dirty="0">
+              <a:solidFill>
+                <a:srgbClr val="868686"/>
+              </a:solidFill>
+            </a:endParaRPr>
+          </a:p>
+        </p:txBody>
+      </p:sp>
+      <p:sp>
+        <p:nvSpPr>
+          <p:cNvPr id="8" name="Inhaltsplatzhalter 7"/>
+          <p:cNvSpPr>
+            <a:spLocks noGrp="1"/>
+          </p:cNvSpPr>
+          <p:nvPr>
+            <p:ph idx="1"/>
+          </p:nvPr>
+        </p:nvSpPr>
+        <p:spPr>
+          <a:xfrm>
+            <a:off x="762000" y="1524000"/>
+            <a:ext cx="7772400" cy="4680000"/>
+          </a:xfrm>
+        </p:spPr>
+        <p:txBody>
+          <a:bodyPr/>
+          <a:lstStyle/>
+          <a:p>
+            <a:r>
+              <a:rPr lang="de-DE" sz="2400" dirty="0" smtClean="0"/>
+              <a:t>Color </a:t>
+            </a:r>
+            <a:r>
+              <a:rPr lang="de-DE" sz="2400" dirty="0" err="1" smtClean="0"/>
+              <a:t>Conversion</a:t>
+            </a:r>
+            <a:r>
+              <a:rPr lang="de-DE" sz="2400" dirty="0" smtClean="0"/>
+              <a:t> RGB/HSV/CMYK</a:t>
+            </a:r>
+            <a:endParaRPr lang="de-DE" sz="2400" dirty="0"/>
+          </a:p>
+          <a:p>
+            <a:pPr lvl="1"/>
+            <a:r>
+              <a:rPr lang="de-DE" sz="2400" dirty="0" err="1" smtClean="0"/>
+              <a:t>OpenCV</a:t>
+            </a:r>
+            <a:r>
+              <a:rPr lang="de-DE" sz="2400" dirty="0" smtClean="0"/>
+              <a:t> </a:t>
+            </a:r>
+            <a:r>
+              <a:rPr lang="de-DE" sz="2400" dirty="0" err="1" smtClean="0"/>
+              <a:t>for</a:t>
+            </a:r>
+            <a:r>
+              <a:rPr lang="de-DE" sz="2400" dirty="0" smtClean="0"/>
+              <a:t> </a:t>
+            </a:r>
+            <a:r>
+              <a:rPr lang="de-DE" sz="2400" dirty="0" err="1" smtClean="0"/>
+              <a:t>common</a:t>
+            </a:r>
+            <a:r>
+              <a:rPr lang="de-DE" sz="2400" dirty="0" smtClean="0"/>
+              <a:t> RGB/HSV</a:t>
+            </a:r>
+          </a:p>
+          <a:p>
+            <a:pPr lvl="1"/>
+            <a:r>
+              <a:rPr lang="de-DE" sz="2400" dirty="0" err="1"/>
+              <a:t>O</a:t>
+            </a:r>
+            <a:r>
+              <a:rPr lang="de-DE" sz="2400" dirty="0" err="1" smtClean="0"/>
+              <a:t>wn</a:t>
+            </a:r>
+            <a:r>
+              <a:rPr lang="de-DE" sz="2400" dirty="0" smtClean="0"/>
+              <a:t> </a:t>
+            </a:r>
+            <a:r>
+              <a:rPr lang="de-DE" sz="2400" dirty="0" err="1" smtClean="0"/>
+              <a:t>implementation</a:t>
+            </a:r>
+            <a:r>
+              <a:rPr lang="de-DE" sz="2400" dirty="0" smtClean="0"/>
+              <a:t> </a:t>
+            </a:r>
+            <a:r>
+              <a:rPr lang="de-DE" sz="2400" dirty="0" err="1" smtClean="0"/>
+              <a:t>for</a:t>
+            </a:r>
+            <a:r>
+              <a:rPr lang="de-DE" sz="2400" dirty="0" smtClean="0"/>
+              <a:t> </a:t>
+            </a:r>
+            <a:r>
+              <a:rPr lang="de-DE" sz="2400" dirty="0" err="1" smtClean="0"/>
+              <a:t>unsupported</a:t>
+            </a:r>
+            <a:r>
+              <a:rPr lang="de-DE" sz="2400" dirty="0" smtClean="0"/>
+              <a:t> </a:t>
+            </a:r>
+            <a:r>
+              <a:rPr lang="de-DE" sz="2400" dirty="0" err="1" smtClean="0"/>
+              <a:t>format</a:t>
+            </a:r>
+            <a:r>
+              <a:rPr lang="de-DE" sz="2400" dirty="0" smtClean="0"/>
+              <a:t> CMYK</a:t>
+            </a:r>
+          </a:p>
+          <a:p>
+            <a:r>
+              <a:rPr lang="de-DE" sz="2400" dirty="0" err="1" smtClean="0"/>
+              <a:t>Thresholding</a:t>
+            </a:r>
+            <a:endParaRPr lang="de-DE" sz="2400" dirty="0"/>
+          </a:p>
+          <a:p>
+            <a:pPr lvl="1"/>
+            <a:r>
+              <a:rPr lang="de-DE" sz="2400" dirty="0" err="1" smtClean="0"/>
+              <a:t>Local</a:t>
+            </a:r>
+            <a:r>
+              <a:rPr lang="de-DE" sz="2400" dirty="0" smtClean="0"/>
+              <a:t>, </a:t>
+            </a:r>
+            <a:r>
+              <a:rPr lang="de-DE" sz="2400" dirty="0" err="1" smtClean="0"/>
+              <a:t>pixelwise</a:t>
+            </a:r>
+            <a:r>
+              <a:rPr lang="de-DE" sz="2400" dirty="0" smtClean="0"/>
+              <a:t> </a:t>
+            </a:r>
+            <a:r>
+              <a:rPr lang="de-DE" sz="2400" dirty="0" err="1" smtClean="0"/>
+              <a:t>implementation</a:t>
+            </a:r>
+            <a:r>
+              <a:rPr lang="de-DE" sz="2400" dirty="0" smtClean="0"/>
+              <a:t> </a:t>
+            </a:r>
+          </a:p>
+          <a:p>
+            <a:pPr marL="0" indent="0">
+              <a:buNone/>
+            </a:pPr>
+            <a:endParaRPr lang="de-DE" sz="2400" dirty="0" smtClean="0"/>
+          </a:p>
+          <a:p>
+            <a:endParaRPr lang="de-DE" sz="2400" dirty="0" smtClean="0"/>
+          </a:p>
+          <a:p>
+            <a:pPr marL="0" indent="0">
+              <a:buNone/>
+            </a:pPr>
+            <a:endParaRPr lang="de-DE" sz="2400" dirty="0"/>
+          </a:p>
+          <a:p>
+            <a:r>
+              <a:rPr lang="de-DE" sz="2400" dirty="0" err="1" smtClean="0"/>
+              <a:t>Filtering</a:t>
+            </a:r>
+            <a:r>
+              <a:rPr lang="de-DE" sz="2400" dirty="0" smtClean="0"/>
+              <a:t> </a:t>
+            </a:r>
+            <a:r>
+              <a:rPr lang="de-DE" sz="2400" dirty="0" err="1" smtClean="0"/>
+              <a:t>Intent</a:t>
+            </a:r>
+            <a:r>
+              <a:rPr lang="de-DE" sz="2400" dirty="0" smtClean="0"/>
+              <a:t> </a:t>
+            </a:r>
+            <a:r>
+              <a:rPr lang="de-DE" sz="2400" dirty="0" err="1" smtClean="0"/>
+              <a:t>created</a:t>
+            </a:r>
+            <a:r>
+              <a:rPr lang="de-DE" sz="2400" dirty="0" smtClean="0"/>
+              <a:t> </a:t>
+            </a:r>
+            <a:r>
+              <a:rPr lang="de-DE" sz="2400" dirty="0" err="1" smtClean="0"/>
+              <a:t>to</a:t>
+            </a:r>
+            <a:r>
+              <a:rPr lang="de-DE" sz="2400" dirty="0" smtClean="0"/>
+              <a:t> </a:t>
+            </a:r>
+            <a:r>
+              <a:rPr lang="de-DE" sz="2400" dirty="0" err="1" smtClean="0"/>
+              <a:t>run</a:t>
+            </a:r>
+            <a:r>
+              <a:rPr lang="de-DE" sz="2400" dirty="0" smtClean="0"/>
+              <a:t> in </a:t>
+            </a:r>
+            <a:r>
+              <a:rPr lang="de-DE" sz="2400" dirty="0" err="1" smtClean="0"/>
+              <a:t>background</a:t>
+            </a:r>
+            <a:endParaRPr lang="de-DE" sz="2400" dirty="0" smtClean="0"/>
+          </a:p>
+          <a:p>
+            <a:r>
+              <a:rPr lang="de-DE" sz="2400" dirty="0" smtClean="0"/>
+              <a:t>Pictures </a:t>
+            </a:r>
+            <a:r>
+              <a:rPr lang="de-DE" sz="2400" dirty="0" err="1" smtClean="0"/>
+              <a:t>saved</a:t>
+            </a:r>
+            <a:r>
+              <a:rPr lang="de-DE" sz="2400" dirty="0"/>
+              <a:t> </a:t>
+            </a:r>
+            <a:r>
+              <a:rPr lang="de-DE" sz="2400" dirty="0" err="1" smtClean="0"/>
+              <a:t>as</a:t>
+            </a:r>
+            <a:r>
+              <a:rPr lang="de-DE" sz="2400" dirty="0" smtClean="0"/>
+              <a:t> </a:t>
+            </a:r>
+            <a:r>
+              <a:rPr lang="de-DE" sz="2400" dirty="0" err="1" smtClean="0"/>
+              <a:t>png</a:t>
+            </a:r>
+            <a:r>
+              <a:rPr lang="de-DE" sz="2400" dirty="0" smtClean="0"/>
+              <a:t>, </a:t>
+            </a:r>
+            <a:r>
+              <a:rPr lang="de-DE" sz="2400" dirty="0" err="1" smtClean="0"/>
+              <a:t>jpg</a:t>
+            </a:r>
+            <a:r>
+              <a:rPr lang="de-DE" sz="2400" dirty="0" smtClean="0"/>
+              <a:t> </a:t>
+            </a:r>
+            <a:r>
+              <a:rPr lang="de-DE" sz="2400" dirty="0" err="1" smtClean="0"/>
+              <a:t>or</a:t>
+            </a:r>
+            <a:r>
+              <a:rPr lang="de-DE" sz="2400" dirty="0" smtClean="0"/>
+              <a:t> </a:t>
+            </a:r>
+            <a:r>
+              <a:rPr lang="de-DE" sz="2400" dirty="0" err="1" smtClean="0"/>
+              <a:t>webp</a:t>
+            </a:r>
+            <a:r>
+              <a:rPr lang="de-DE" sz="2400" dirty="0" smtClean="0"/>
+              <a:t>. Applied </a:t>
+            </a:r>
+            <a:r>
+              <a:rPr lang="de-DE" sz="2400" dirty="0" err="1" smtClean="0"/>
+              <a:t>filter</a:t>
+            </a:r>
+            <a:r>
+              <a:rPr lang="de-DE" sz="2400" dirty="0" smtClean="0"/>
+              <a:t> </a:t>
+            </a:r>
+            <a:endParaRPr lang="de-DE" sz="2400" dirty="0"/>
+          </a:p>
+        </p:txBody>
+      </p:sp>
+      <p:sp>
+        <p:nvSpPr>
+          <p:cNvPr id="4" name="Datumsplatzhalter 3"/>
+          <p:cNvSpPr>
+            <a:spLocks noGrp="1"/>
+          </p:cNvSpPr>
+          <p:nvPr>
+            <p:ph type="dt" sz="half" idx="2"/>
+          </p:nvPr>
+        </p:nvSpPr>
+        <p:spPr/>
+        <p:txBody>
+          <a:bodyPr/>
+          <a:lstStyle/>
+          <a:p>
+            <a:r>
+              <a:rPr lang="de-CH" smtClean="0"/>
+              <a:t>29.01.2016</a:t>
+            </a:r>
+            <a:endParaRPr lang="en-US" dirty="0"/>
+          </a:p>
+        </p:txBody>
+      </p:sp>
+      <p:sp>
+        <p:nvSpPr>
+          <p:cNvPr id="5" name="Fußzeilenplatzhalter 4"/>
+          <p:cNvSpPr>
+            <a:spLocks noGrp="1"/>
+          </p:cNvSpPr>
+          <p:nvPr>
+            <p:ph type="ftr" sz="quarter" idx="3"/>
+          </p:nvPr>
+        </p:nvSpPr>
+        <p:spPr/>
+        <p:txBody>
+          <a:bodyPr/>
+          <a:lstStyle/>
+          <a:p>
+            <a:r>
+              <a:rPr lang="en-US" dirty="0" smtClean="0"/>
+              <a:t>Katie Jones</a:t>
+            </a:r>
+            <a:br>
+              <a:rPr lang="en-US" dirty="0" smtClean="0"/>
+            </a:br>
+            <a:r>
+              <a:rPr lang="en-US" dirty="0" err="1" smtClean="0"/>
+              <a:t>Frederike</a:t>
+            </a:r>
+            <a:r>
+              <a:rPr lang="en-US" dirty="0" smtClean="0"/>
+              <a:t> </a:t>
+            </a:r>
+            <a:r>
+              <a:rPr lang="en-US" dirty="0" err="1" smtClean="0"/>
+              <a:t>Dümbgen</a:t>
+            </a:r>
+            <a:endParaRPr lang="en-US" dirty="0"/>
+          </a:p>
+        </p:txBody>
+      </p:sp>
+      <p:sp>
+        <p:nvSpPr>
+          <p:cNvPr id="6" name="Foliennummernplatzhalter 5"/>
+          <p:cNvSpPr>
+            <a:spLocks noGrp="1"/>
+          </p:cNvSpPr>
+          <p:nvPr>
+            <p:ph type="sldNum" sz="quarter" idx="4"/>
+          </p:nvPr>
+        </p:nvSpPr>
+        <p:spPr/>
+        <p:txBody>
+          <a:bodyPr/>
+          <a:lstStyle/>
+          <a:p>
+            <a:fld id="{650B5BBF-7EA4-AE40-9211-F5CA64DA190C}" type="slidenum">
+              <a:rPr lang="en-US" smtClean="0"/>
+              <a:pPr/>
+              <a:t>5</a:t>
+            </a:fld>
+            <a:endParaRPr lang="en-US"/>
+          </a:p>
+        </p:txBody>
+      </p:sp>
+      <p:pic>
+        <p:nvPicPr>
+          <p:cNvPr id="13" name="Bild 12" descr="Screen Shot 2016-01-25 at 23.15.01.png"/>
+          <p:cNvPicPr>
+            <a:picLocks noChangeAspect="1"/>
+          </p:cNvPicPr>
+          <p:nvPr/>
+        </p:nvPicPr>
+        <p:blipFill rotWithShape="1">
+          <a:blip r:embed="rId2">
+            <a:extLst>
+              <a:ext uri="{28A0092B-C50C-407E-A947-70E740481C1C}">
+                <a14:useLocalDpi xmlns:a14="http://schemas.microsoft.com/office/drawing/2010/main" val="0"/>
+              </a:ext>
+            </a:extLst>
+          </a:blip>
+          <a:srcRect b="5803"/>
+          <a:stretch/>
+        </p:blipFill>
+        <p:spPr>
+          <a:xfrm>
+            <a:off x="838200" y="3944800"/>
+            <a:ext cx="3098800" cy="1008200"/>
+          </a:xfrm>
+          <a:prstGeom prst="rect">
+            <a:avLst/>
+          </a:prstGeom>
+        </p:spPr>
+      </p:pic>
+      <p:pic>
+        <p:nvPicPr>
+          <p:cNvPr id="16" name="Bild 15" descr="Screen Shot 2016-01-25 at 23.15.07.png"/>
+          <p:cNvPicPr>
+            <a:picLocks noChangeAspect="1"/>
+          </p:cNvPicPr>
+          <p:nvPr/>
+        </p:nvPicPr>
+        <p:blipFill rotWithShape="1">
+          <a:blip r:embed="rId3">
+            <a:extLst>
+              <a:ext uri="{28A0092B-C50C-407E-A947-70E740481C1C}">
+                <a14:useLocalDpi xmlns:a14="http://schemas.microsoft.com/office/drawing/2010/main" val="0"/>
+              </a:ext>
+            </a:extLst>
+          </a:blip>
+          <a:srcRect b="18517"/>
+          <a:stretch/>
+        </p:blipFill>
+        <p:spPr>
+          <a:xfrm>
+            <a:off x="4218181" y="3944799"/>
+            <a:ext cx="3173219" cy="990600"/>
+          </a:xfrm>
+          <a:prstGeom prst="rect">
+            <a:avLst/>
+          </a:prstGeom>
+        </p:spPr>
+      </p:pic>
+    </p:spTree>
+    <p:extLst>
+      <p:ext uri="{BB962C8B-B14F-4D97-AF65-F5344CB8AC3E}">
+        <p14:creationId xmlns:p14="http://schemas.microsoft.com/office/powerpoint/2010/main" val="598858817"/>
+      </p:ext>
+    </p:extLst>
+  </p:cSld>
+  <p:clrMapOvr>
+    <a:masterClrMapping/>
+  </p:clrMapOvr>
+</p:sld>
+</file>
+
+<file path=ppt/slides/slide6.xml><?xml version="1.0" encoding="utf-8"?>
+<p:sld xmlns:a="http://schemas.openxmlformats.org/drawingml/2006/main" xmlns:r="http://schemas.openxmlformats.org/officeDocument/2006/relationships" xmlns:p="http://schemas.openxmlformats.org/presentationml/2006/main">
+  <p:cSld>
+    <p:spTree>
+      <p:nvGrpSpPr>
+        <p:cNvPr id="1" name=""/>
+        <p:cNvGrpSpPr/>
+        <p:nvPr/>
+      </p:nvGrpSpPr>
+      <p:grpSpPr>
+        <a:xfrm>
+          <a:off x="0" y="0"/>
+          <a:ext cx="0" cy="0"/>
+          <a:chOff x="0" y="0"/>
+          <a:chExt cx="0" cy="0"/>
+        </a:xfrm>
+      </p:grpSpPr>
+      <p:sp>
+        <p:nvSpPr>
+          <p:cNvPr id="2" name="Titel 1"/>
+          <p:cNvSpPr>
+            <a:spLocks noGrp="1"/>
+          </p:cNvSpPr>
+          <p:nvPr>
+            <p:ph type="title"/>
+          </p:nvPr>
+        </p:nvSpPr>
+        <p:spPr/>
+        <p:txBody>
+          <a:bodyPr/>
+          <a:lstStyle/>
+          <a:p>
+            <a:r>
+              <a:rPr lang="de-DE" dirty="0" err="1"/>
+              <a:t>Important</a:t>
+            </a:r>
+            <a:r>
+              <a:rPr lang="de-DE" dirty="0"/>
+              <a:t> </a:t>
+            </a:r>
+            <a:r>
+              <a:rPr lang="de-DE" dirty="0" err="1" smtClean="0"/>
+              <a:t>Aspects</a:t>
+            </a:r>
+            <a:r>
+              <a:rPr lang="de-DE" dirty="0" smtClean="0"/>
+              <a:t/>
+            </a:r>
+            <a:br>
+              <a:rPr lang="de-DE" dirty="0" smtClean="0"/>
+            </a:br>
+            <a:r>
+              <a:rPr lang="de-DE" dirty="0" err="1" smtClean="0">
+                <a:solidFill>
+                  <a:srgbClr val="868686"/>
+                </a:solidFill>
+              </a:rPr>
+              <a:t>Camera</a:t>
+            </a:r>
+            <a:r>
+              <a:rPr lang="de-DE" dirty="0" smtClean="0">
+                <a:solidFill>
+                  <a:srgbClr val="868686"/>
+                </a:solidFill>
+              </a:rPr>
+              <a:t> </a:t>
             </a:r>
             <a:r>
               <a:rPr lang="de-DE" dirty="0">
@@ -4035,17 +7438,21 @@
                   <a:srgbClr val="868686"/>
                 </a:solidFill>
               </a:rPr>
-              <a:t> </a:t>
-            </a:r>
-            <a:r>
-              <a:rPr lang="de-DE" dirty="0" err="1">
+              <a:t>H</a:t>
+            </a:r>
+            <a:r>
+              <a:rPr lang="de-DE" dirty="0" smtClean="0">
                 <a:solidFill>
                   <a:srgbClr val="868686"/>
                 </a:solidFill>
               </a:rPr>
-              <a:t>Improvements</a:t>
-            </a:r>
-            <a:endParaRPr lang="de-DE" dirty="0"/>
+              <a:t>andling</a:t>
+            </a:r>
+            <a:endParaRPr lang="de-DE" dirty="0">
+              <a:solidFill>
+                <a:srgbClr val="868686"/>
+              </a:solidFill>
+            </a:endParaRPr>
           </a:p>
         </p:txBody>
       </p:sp>
@@ -4064,107 +7471,106 @@
           <a:bodyPr/>
           <a:lstStyle/>
           <a:p>
-            <a:pPr marL="0" indent="0">
-              <a:spcBef>
-                <a:spcPts val="0"/>
-              </a:spcBef>
-              <a:spcAft>
-                <a:spcPts val="2400"/>
-              </a:spcAft>
-              <a:buNone/>
-            </a:pPr>
-            <a:endParaRPr lang="de-DE" dirty="0" smtClean="0"/>
-          </a:p>
-          <a:p>
-            <a:pPr>
-              <a:spcBef>
-                <a:spcPts val="0"/>
-              </a:spcBef>
-              <a:spcAft>
-                <a:spcPts val="2400"/>
-              </a:spcAft>
-            </a:pPr>
+            <a:r>
+              <a:rPr lang="de-DE" i="1" dirty="0" smtClean="0"/>
+              <a:t>android.hardware.camera2</a:t>
+            </a:r>
+            <a:r>
+              <a:rPr lang="de-DE" dirty="0" smtClean="0"/>
+              <a:t> </a:t>
+            </a:r>
             <a:r>
               <a:rPr lang="de-DE" dirty="0" err="1" smtClean="0"/>
-              <a:t>Filtering</a:t>
-            </a:r>
-            <a:r>
-              <a:rPr lang="de-DE" dirty="0" smtClean="0"/>
-              <a:t>:</a:t>
-            </a:r>
-          </a:p>
-          <a:p>
-            <a:pPr lvl="1">
-              <a:spcBef>
-                <a:spcPts val="0"/>
-              </a:spcBef>
-              <a:spcAft>
-                <a:spcPts val="2400"/>
-              </a:spcAft>
-            </a:pPr>
-            <a:r>
-              <a:rPr lang="de-DE" dirty="0" smtClean="0"/>
-              <a:t>Filter </a:t>
-            </a:r>
-            <a:r>
-              <a:rPr lang="de-DE" dirty="0" err="1"/>
-              <a:t>range</a:t>
+              <a:t>interface</a:t>
             </a:r>
             <a:r>
               <a:rPr lang="de-DE" dirty="0"/>
               <a:t> </a:t>
             </a:r>
             <a:r>
-              <a:rPr lang="de-DE" dirty="0" err="1"/>
-              <a:t>from</a:t>
-            </a:r>
-            <a:r>
-              <a:rPr lang="de-DE" dirty="0"/>
+              <a:rPr lang="de-DE" dirty="0" err="1" smtClean="0"/>
+              <a:t>to</a:t>
+            </a:r>
+            <a:r>
+              <a:rPr lang="de-DE" dirty="0" smtClean="0"/>
+              <a:t> handle </a:t>
+            </a:r>
+            <a:r>
+              <a:rPr lang="de-DE" dirty="0" err="1" smtClean="0"/>
+              <a:t>cameras</a:t>
+            </a:r>
+            <a:endParaRPr lang="de-DE" dirty="0" smtClean="0"/>
+          </a:p>
+          <a:p>
+            <a:r>
+              <a:rPr lang="de-DE" dirty="0" err="1" smtClean="0"/>
+              <a:t>Camera</a:t>
+            </a:r>
+            <a:r>
+              <a:rPr lang="de-DE" dirty="0" smtClean="0"/>
               <a:t> </a:t>
             </a:r>
             <a:r>
-              <a:rPr lang="de-DE" dirty="0" err="1"/>
-              <a:t>max</a:t>
-            </a:r>
-            <a:r>
-              <a:rPr lang="de-DE" dirty="0"/>
+              <a:rPr lang="de-DE" dirty="0" err="1" smtClean="0"/>
+              <a:t>view</a:t>
+            </a:r>
+            <a:r>
+              <a:rPr lang="de-DE" dirty="0" smtClean="0"/>
               <a:t> </a:t>
             </a:r>
             <a:r>
-              <a:rPr lang="de-DE" dirty="0" err="1"/>
+              <a:rPr lang="de-DE" dirty="0" err="1" smtClean="0"/>
+              <a:t>adapts</a:t>
+            </a:r>
+            <a:r>
+              <a:rPr lang="de-DE" dirty="0" smtClean="0"/>
+              <a:t> </a:t>
+            </a:r>
+            <a:r>
+              <a:rPr lang="de-DE" dirty="0" err="1" smtClean="0"/>
               <a:t>to</a:t>
             </a:r>
             <a:r>
-              <a:rPr lang="de-DE" dirty="0"/>
-              <a:t> min (e.g. 150 </a:t>
-            </a:r>
-            <a:r>
-              <a:rPr lang="de-DE" dirty="0" err="1"/>
-              <a:t>to</a:t>
-            </a:r>
-            <a:r>
-              <a:rPr lang="de-DE" dirty="0"/>
-              <a:t> 20)</a:t>
-            </a:r>
-          </a:p>
-          <a:p>
-            <a:pPr lvl="1">
-              <a:spcBef>
-                <a:spcPts val="0"/>
-              </a:spcBef>
-              <a:spcAft>
-                <a:spcPts val="2400"/>
-              </a:spcAft>
-            </a:pPr>
-            <a:r>
-              <a:rPr lang="de-DE" dirty="0"/>
-              <a:t>Live </a:t>
-            </a:r>
-            <a:r>
-              <a:rPr lang="de-DE" dirty="0" err="1"/>
-              <a:t>filtering</a:t>
-            </a:r>
-            <a:endParaRPr lang="de-DE" dirty="0"/>
+              <a:rPr lang="de-DE" dirty="0" smtClean="0"/>
+              <a:t> </a:t>
+            </a:r>
+            <a:r>
+              <a:rPr lang="de-DE" dirty="0" err="1" smtClean="0"/>
+              <a:t>scale</a:t>
+            </a:r>
+            <a:r>
+              <a:rPr lang="de-DE" dirty="0" smtClean="0"/>
+              <a:t> </a:t>
+            </a:r>
+            <a:r>
+              <a:rPr lang="de-DE" dirty="0" err="1" smtClean="0"/>
+              <a:t>and</a:t>
+            </a:r>
+            <a:r>
+              <a:rPr lang="de-DE" dirty="0" smtClean="0"/>
+              <a:t> </a:t>
+            </a:r>
+            <a:r>
+              <a:rPr lang="de-DE" dirty="0" err="1" smtClean="0"/>
+              <a:t>rotation</a:t>
+            </a:r>
+            <a:r>
+              <a:rPr lang="de-DE" dirty="0" smtClean="0"/>
+              <a:t> </a:t>
+            </a:r>
+            <a:r>
+              <a:rPr lang="de-DE" dirty="0" err="1" smtClean="0"/>
+              <a:t>of</a:t>
+            </a:r>
+            <a:r>
+              <a:rPr lang="de-DE" dirty="0" smtClean="0"/>
+              <a:t> </a:t>
+            </a:r>
+            <a:r>
+              <a:rPr lang="de-DE" dirty="0" err="1" smtClean="0"/>
+              <a:t>screen</a:t>
+            </a:r>
+            <a:endParaRPr lang="de-DE" dirty="0" smtClean="0"/>
           </a:p>
           <a:p>
             <a:endParaRPr lang="de-DE" dirty="0"/>
@@ -4242,7 +7648,922 @@
             <a:fld id="{650B5BBF-7EA4-AE40-9211-F5CA64DA190C}" type="slidenum">
               <a:rPr lang="en-US" smtClean="0"/>
               <a:pPr/>
-              <a:t>3</a:t>
+              <a:t>6</a:t>
+            </a:fld>
+            <a:endParaRPr lang="en-US"/>
+          </a:p>
+        </p:txBody>
+      </p:sp>
+      <p:pic>
+        <p:nvPicPr>
+          <p:cNvPr id="7" name="Bild 6" descr="Screenshot_20160125-214215.png"/>
+          <p:cNvPicPr>
+            <a:picLocks noChangeAspect="1"/>
+          </p:cNvPicPr>
+          <p:nvPr/>
+        </p:nvPicPr>
+        <p:blipFill>
+          <a:blip r:embed="rId2">
+            <a:extLst>
+              <a:ext uri="{28A0092B-C50C-407E-A947-70E740481C1C}">
+                <a14:useLocalDpi xmlns:a14="http://schemas.microsoft.com/office/drawing/2010/main" val="0"/>
+              </a:ext>
+            </a:extLst>
+          </a:blip>
+          <a:stretch>
+            <a:fillRect/>
+          </a:stretch>
+        </p:blipFill>
+        <p:spPr>
+          <a:xfrm>
+            <a:off x="2133600" y="3807524"/>
+            <a:ext cx="1676400" cy="2235200"/>
+          </a:xfrm>
+          <a:prstGeom prst="rect">
+            <a:avLst/>
+          </a:prstGeom>
+        </p:spPr>
+      </p:pic>
+      <p:pic>
+        <p:nvPicPr>
+          <p:cNvPr id="8" name="Bild 7" descr="2016-01-25 23.24.16.jpg"/>
+          <p:cNvPicPr>
+            <a:picLocks noChangeAspect="1"/>
+          </p:cNvPicPr>
+          <p:nvPr/>
+        </p:nvPicPr>
+        <p:blipFill rotWithShape="1">
+          <a:blip r:embed="rId3">
+            <a:extLst>
+              <a:ext uri="{28A0092B-C50C-407E-A947-70E740481C1C}">
+                <a14:useLocalDpi xmlns:a14="http://schemas.microsoft.com/office/drawing/2010/main" val="0"/>
+              </a:ext>
+            </a:extLst>
+          </a:blip>
+          <a:srcRect l="1664"/>
+          <a:stretch/>
+        </p:blipFill>
+        <p:spPr>
+          <a:xfrm rot="16200000">
+            <a:off x="4438626" y="3409977"/>
+            <a:ext cx="2247952" cy="3048000"/>
+          </a:xfrm>
+          <a:prstGeom prst="rect">
+            <a:avLst/>
+          </a:prstGeom>
+        </p:spPr>
+      </p:pic>
+    </p:spTree>
+    <p:extLst>
+      <p:ext uri="{BB962C8B-B14F-4D97-AF65-F5344CB8AC3E}">
+        <p14:creationId xmlns:p14="http://schemas.microsoft.com/office/powerpoint/2010/main" val="527489097"/>
+      </p:ext>
+    </p:extLst>
+  </p:cSld>
+  <p:clrMapOvr>
+    <a:masterClrMapping/>
+  </p:clrMapOvr>
+</p:sld>
+</file>
+
+<file path=ppt/slides/slide7.xml><?xml version="1.0" encoding="utf-8"?>
+<p:sld xmlns:a="http://schemas.openxmlformats.org/drawingml/2006/main" xmlns:r="http://schemas.openxmlformats.org/officeDocument/2006/relationships" xmlns:p="http://schemas.openxmlformats.org/presentationml/2006/main">
+  <p:cSld>
+    <p:spTree>
+      <p:nvGrpSpPr>
+        <p:cNvPr id="1" name=""/>
+        <p:cNvGrpSpPr/>
+        <p:nvPr/>
+      </p:nvGrpSpPr>
+      <p:grpSpPr>
+        <a:xfrm>
+          <a:off x="0" y="0"/>
+          <a:ext cx="0" cy="0"/>
+          <a:chOff x="0" y="0"/>
+          <a:chExt cx="0" cy="0"/>
+        </a:xfrm>
+      </p:grpSpPr>
+      <p:sp>
+        <p:nvSpPr>
+          <p:cNvPr id="2" name="Titel 1"/>
+          <p:cNvSpPr>
+            <a:spLocks noGrp="1"/>
+          </p:cNvSpPr>
+          <p:nvPr>
+            <p:ph type="title"/>
+          </p:nvPr>
+        </p:nvSpPr>
+        <p:spPr/>
+        <p:txBody>
+          <a:bodyPr/>
+          <a:lstStyle/>
+          <a:p>
+            <a:r>
+              <a:rPr lang="de-DE" dirty="0" err="1"/>
+              <a:t>Important</a:t>
+            </a:r>
+            <a:r>
+              <a:rPr lang="de-DE" dirty="0"/>
+              <a:t> </a:t>
+            </a:r>
+            <a:r>
+              <a:rPr lang="de-DE" dirty="0" err="1"/>
+              <a:t>Aspects</a:t>
+            </a:r>
+            <a:r>
+              <a:rPr lang="de-DE" dirty="0"/>
+              <a:t/>
+            </a:r>
+            <a:br>
+              <a:rPr lang="de-DE" dirty="0"/>
+            </a:br>
+            <a:r>
+              <a:rPr lang="de-DE" dirty="0" err="1">
+                <a:solidFill>
+                  <a:srgbClr val="868686"/>
+                </a:solidFill>
+              </a:rPr>
+              <a:t>SQLite</a:t>
+            </a:r>
+            <a:r>
+              <a:rPr lang="de-DE" dirty="0">
+                <a:solidFill>
+                  <a:srgbClr val="868686"/>
+                </a:solidFill>
+              </a:rPr>
+              <a:t> </a:t>
+            </a:r>
+            <a:r>
+              <a:rPr lang="de-DE" dirty="0" smtClean="0">
+                <a:solidFill>
+                  <a:srgbClr val="868686"/>
+                </a:solidFill>
+              </a:rPr>
+              <a:t>Database</a:t>
+            </a:r>
+            <a:endParaRPr lang="de-DE" dirty="0">
+              <a:solidFill>
+                <a:srgbClr val="868686"/>
+              </a:solidFill>
+            </a:endParaRPr>
+          </a:p>
+        </p:txBody>
+      </p:sp>
+      <p:sp>
+        <p:nvSpPr>
+          <p:cNvPr id="8" name="Inhaltsplatzhalter 7"/>
+          <p:cNvSpPr>
+            <a:spLocks noGrp="1"/>
+          </p:cNvSpPr>
+          <p:nvPr>
+            <p:ph idx="1"/>
+          </p:nvPr>
+        </p:nvSpPr>
+        <p:spPr/>
+        <p:txBody>
+          <a:bodyPr/>
+          <a:lstStyle/>
+          <a:p>
+            <a:pPr marL="0" indent="0">
+              <a:buNone/>
+            </a:pPr>
+            <a:r>
+              <a:rPr lang="de-DE" dirty="0" err="1" smtClean="0"/>
+              <a:t>Allows</a:t>
+            </a:r>
+            <a:r>
+              <a:rPr lang="de-DE" dirty="0" smtClean="0"/>
+              <a:t> </a:t>
+            </a:r>
+            <a:r>
+              <a:rPr lang="de-DE" dirty="0" err="1" smtClean="0"/>
+              <a:t>to</a:t>
+            </a:r>
+            <a:r>
+              <a:rPr lang="de-DE" dirty="0" smtClean="0"/>
+              <a:t> save </a:t>
+            </a:r>
+            <a:r>
+              <a:rPr lang="de-DE" b="1" dirty="0" err="1" smtClean="0"/>
+              <a:t>filter</a:t>
+            </a:r>
+            <a:r>
+              <a:rPr lang="de-DE" b="1" dirty="0" smtClean="0"/>
+              <a:t> </a:t>
+            </a:r>
+            <a:r>
+              <a:rPr lang="de-DE" b="1" dirty="0" err="1" smtClean="0"/>
+              <a:t>parameters</a:t>
+            </a:r>
+            <a:r>
+              <a:rPr lang="de-DE" b="1" dirty="0" smtClean="0"/>
+              <a:t> </a:t>
+            </a:r>
+            <a:r>
+              <a:rPr lang="de-DE" dirty="0" err="1" smtClean="0"/>
+              <a:t>together</a:t>
+            </a:r>
+            <a:r>
+              <a:rPr lang="de-DE" dirty="0" smtClean="0"/>
+              <a:t> </a:t>
+            </a:r>
+            <a:r>
+              <a:rPr lang="de-DE" dirty="0" err="1" smtClean="0"/>
+              <a:t>with</a:t>
+            </a:r>
+            <a:r>
+              <a:rPr lang="de-DE" dirty="0" smtClean="0"/>
+              <a:t> original </a:t>
+            </a:r>
+            <a:r>
+              <a:rPr lang="de-DE" dirty="0" err="1" smtClean="0"/>
+              <a:t>image</a:t>
+            </a:r>
+            <a:r>
+              <a:rPr lang="de-DE" dirty="0" smtClean="0"/>
+              <a:t>.</a:t>
+            </a:r>
+          </a:p>
+          <a:p>
+            <a:pPr lvl="1"/>
+            <a:r>
+              <a:rPr lang="de-DE" dirty="0" err="1" smtClean="0"/>
+              <a:t>When</a:t>
+            </a:r>
+            <a:r>
+              <a:rPr lang="de-DE" dirty="0" smtClean="0"/>
+              <a:t> original </a:t>
+            </a:r>
+            <a:r>
+              <a:rPr lang="de-DE" dirty="0" err="1" smtClean="0"/>
+              <a:t>image</a:t>
+            </a:r>
+            <a:r>
+              <a:rPr lang="de-DE" dirty="0" smtClean="0"/>
+              <a:t> </a:t>
+            </a:r>
+            <a:r>
+              <a:rPr lang="de-DE" dirty="0" err="1" smtClean="0"/>
+              <a:t>loaded</a:t>
+            </a:r>
+            <a:r>
+              <a:rPr lang="de-DE" dirty="0" smtClean="0"/>
+              <a:t>, </a:t>
+            </a:r>
+            <a:r>
+              <a:rPr lang="de-DE" dirty="0" err="1" smtClean="0"/>
+              <a:t>corresponding</a:t>
+            </a:r>
+            <a:r>
+              <a:rPr lang="de-DE" dirty="0" smtClean="0"/>
+              <a:t> </a:t>
+            </a:r>
+            <a:r>
+              <a:rPr lang="de-DE" b="1" dirty="0" err="1" smtClean="0"/>
+              <a:t>filter</a:t>
+            </a:r>
+            <a:r>
+              <a:rPr lang="de-DE" dirty="0"/>
+              <a:t> </a:t>
+            </a:r>
+            <a:r>
+              <a:rPr lang="de-DE" dirty="0" err="1" smtClean="0"/>
+              <a:t>and</a:t>
+            </a:r>
+            <a:r>
+              <a:rPr lang="de-DE" dirty="0" smtClean="0"/>
+              <a:t> </a:t>
+            </a:r>
+            <a:r>
+              <a:rPr lang="de-DE" b="1" dirty="0" err="1" smtClean="0"/>
+              <a:t>compression</a:t>
+            </a:r>
+            <a:r>
+              <a:rPr lang="de-DE" dirty="0" smtClean="0"/>
+              <a:t> </a:t>
+            </a:r>
+            <a:r>
+              <a:rPr lang="de-DE" dirty="0" err="1" smtClean="0"/>
+              <a:t>are</a:t>
+            </a:r>
+            <a:r>
+              <a:rPr lang="de-DE" dirty="0" smtClean="0"/>
+              <a:t> </a:t>
+            </a:r>
+            <a:r>
+              <a:rPr lang="de-DE" dirty="0" err="1" smtClean="0"/>
+              <a:t>directly</a:t>
+            </a:r>
+            <a:r>
+              <a:rPr lang="de-DE" dirty="0" smtClean="0"/>
+              <a:t> </a:t>
+            </a:r>
+            <a:r>
+              <a:rPr lang="de-DE" dirty="0" err="1" smtClean="0"/>
+              <a:t>applied</a:t>
+            </a:r>
+            <a:r>
+              <a:rPr lang="de-DE" dirty="0" smtClean="0"/>
+              <a:t>.</a:t>
+            </a:r>
+          </a:p>
+          <a:p>
+            <a:pPr lvl="1"/>
+            <a:r>
+              <a:rPr lang="de-DE" dirty="0" err="1" smtClean="0"/>
+              <a:t>Saved</a:t>
+            </a:r>
+            <a:r>
+              <a:rPr lang="de-DE" dirty="0" smtClean="0"/>
+              <a:t> </a:t>
+            </a:r>
+            <a:r>
+              <a:rPr lang="de-DE" dirty="0" err="1" smtClean="0"/>
+              <a:t>values</a:t>
+            </a:r>
+            <a:r>
+              <a:rPr lang="de-DE" dirty="0" smtClean="0"/>
+              <a:t>:</a:t>
+            </a:r>
+          </a:p>
+          <a:p>
+            <a:pPr lvl="2"/>
+            <a:r>
+              <a:rPr lang="de-DE" dirty="0" err="1" smtClean="0"/>
+              <a:t>filename</a:t>
+            </a:r>
+            <a:endParaRPr lang="de-DE" dirty="0" smtClean="0"/>
+          </a:p>
+          <a:p>
+            <a:pPr lvl="2"/>
+            <a:r>
+              <a:rPr lang="de-DE" dirty="0" err="1" smtClean="0"/>
+              <a:t>quality</a:t>
+            </a:r>
+            <a:endParaRPr lang="de-DE" dirty="0" smtClean="0"/>
+          </a:p>
+          <a:p>
+            <a:pPr lvl="2"/>
+            <a:r>
+              <a:rPr lang="de-DE" dirty="0" smtClean="0"/>
+              <a:t>type</a:t>
+            </a:r>
+          </a:p>
+          <a:p>
+            <a:pPr lvl="2"/>
+            <a:r>
+              <a:rPr lang="de-DE" dirty="0" err="1" smtClean="0"/>
+              <a:t>filtersettings</a:t>
+            </a:r>
+            <a:endParaRPr lang="de-DE" dirty="0" smtClean="0"/>
+          </a:p>
+          <a:p>
+            <a:pPr lvl="2"/>
+            <a:r>
+              <a:rPr lang="de-DE" dirty="0" err="1" smtClean="0"/>
+              <a:t>id</a:t>
+            </a:r>
+            <a:endParaRPr lang="de-DE" dirty="0" smtClean="0"/>
+          </a:p>
+        </p:txBody>
+      </p:sp>
+      <p:sp>
+        <p:nvSpPr>
+          <p:cNvPr id="4" name="Datumsplatzhalter 3"/>
+          <p:cNvSpPr>
+            <a:spLocks noGrp="1"/>
+          </p:cNvSpPr>
+          <p:nvPr>
+            <p:ph type="dt" sz="half" idx="2"/>
+          </p:nvPr>
+        </p:nvSpPr>
+        <p:spPr/>
+        <p:txBody>
+          <a:bodyPr/>
+          <a:lstStyle/>
+          <a:p>
+            <a:r>
+              <a:rPr lang="de-CH" smtClean="0"/>
+              <a:t>29.01.2016</a:t>
+            </a:r>
+            <a:endParaRPr lang="en-US" dirty="0"/>
+          </a:p>
+        </p:txBody>
+      </p:sp>
+      <p:sp>
+        <p:nvSpPr>
+          <p:cNvPr id="5" name="Fußzeilenplatzhalter 4"/>
+          <p:cNvSpPr>
+            <a:spLocks noGrp="1"/>
+          </p:cNvSpPr>
+          <p:nvPr>
+            <p:ph type="ftr" sz="quarter" idx="3"/>
+          </p:nvPr>
+        </p:nvSpPr>
+        <p:spPr/>
+        <p:txBody>
+          <a:bodyPr/>
+          <a:lstStyle/>
+          <a:p>
+            <a:r>
+              <a:rPr lang="en-US" smtClean="0"/>
+              <a:t>Katie Jones</a:t>
+            </a:r>
+            <a:br>
+              <a:rPr lang="en-US" smtClean="0"/>
+            </a:br>
+            <a:r>
+              <a:rPr lang="en-US" smtClean="0"/>
+              <a:t>Frederike Dümbgen</a:t>
+            </a:r>
+            <a:endParaRPr lang="en-US" dirty="0"/>
+          </a:p>
+        </p:txBody>
+      </p:sp>
+      <p:sp>
+        <p:nvSpPr>
+          <p:cNvPr id="6" name="Foliennummernplatzhalter 5"/>
+          <p:cNvSpPr>
+            <a:spLocks noGrp="1"/>
+          </p:cNvSpPr>
+          <p:nvPr>
+            <p:ph type="sldNum" sz="quarter" idx="4"/>
+          </p:nvPr>
+        </p:nvSpPr>
+        <p:spPr/>
+        <p:txBody>
+          <a:bodyPr/>
+          <a:lstStyle/>
+          <a:p>
+            <a:fld id="{650B5BBF-7EA4-AE40-9211-F5CA64DA190C}" type="slidenum">
+              <a:rPr lang="en-US" smtClean="0"/>
+              <a:pPr/>
+              <a:t>7</a:t>
+            </a:fld>
+            <a:endParaRPr lang="en-US"/>
+          </a:p>
+        </p:txBody>
+      </p:sp>
+    </p:spTree>
+    <p:extLst>
+      <p:ext uri="{BB962C8B-B14F-4D97-AF65-F5344CB8AC3E}">
+        <p14:creationId xmlns:p14="http://schemas.microsoft.com/office/powerpoint/2010/main" val="3300945369"/>
+      </p:ext>
+    </p:extLst>
+  </p:cSld>
+  <p:clrMapOvr>
+    <a:masterClrMapping/>
+  </p:clrMapOvr>
+</p:sld>
+</file>
+
+<file path=ppt/slides/slide8.xml><?xml version="1.0" encoding="utf-8"?>
+<p:sld xmlns:a="http://schemas.openxmlformats.org/drawingml/2006/main" xmlns:r="http://schemas.openxmlformats.org/officeDocument/2006/relationships" xmlns:p="http://schemas.openxmlformats.org/presentationml/2006/main">
+  <p:cSld>
+    <p:spTree>
+      <p:nvGrpSpPr>
+        <p:cNvPr id="1" name=""/>
+        <p:cNvGrpSpPr/>
+        <p:nvPr/>
+      </p:nvGrpSpPr>
+      <p:grpSpPr>
+        <a:xfrm>
+          <a:off x="0" y="0"/>
+          <a:ext cx="0" cy="0"/>
+          <a:chOff x="0" y="0"/>
+          <a:chExt cx="0" cy="0"/>
+        </a:xfrm>
+      </p:grpSpPr>
+      <p:sp>
+        <p:nvSpPr>
+          <p:cNvPr id="2" name="Titel 1"/>
+          <p:cNvSpPr>
+            <a:spLocks noGrp="1"/>
+          </p:cNvSpPr>
+          <p:nvPr>
+            <p:ph type="title"/>
+          </p:nvPr>
+        </p:nvSpPr>
+        <p:spPr/>
+        <p:txBody>
+          <a:bodyPr/>
+          <a:lstStyle/>
+          <a:p>
+            <a:r>
+              <a:rPr lang="de-DE" dirty="0" err="1"/>
+              <a:t>Conclusion</a:t>
+            </a:r>
+            <a:r>
+              <a:rPr lang="de-DE" dirty="0"/>
+              <a:t/>
+            </a:r>
+            <a:br>
+              <a:rPr lang="de-DE" dirty="0"/>
+            </a:br>
+            <a:r>
+              <a:rPr lang="de-DE" dirty="0" err="1">
+                <a:solidFill>
+                  <a:srgbClr val="868686"/>
+                </a:solidFill>
+              </a:rPr>
+              <a:t>Suggested</a:t>
+            </a:r>
+            <a:r>
+              <a:rPr lang="de-DE" dirty="0">
+                <a:solidFill>
+                  <a:srgbClr val="868686"/>
+                </a:solidFill>
+              </a:rPr>
+              <a:t> </a:t>
+            </a:r>
+            <a:r>
+              <a:rPr lang="de-DE" dirty="0" err="1">
+                <a:solidFill>
+                  <a:srgbClr val="868686"/>
+                </a:solidFill>
+              </a:rPr>
+              <a:t>Improvements</a:t>
+            </a:r>
+            <a:endParaRPr lang="de-DE" dirty="0"/>
+          </a:p>
+        </p:txBody>
+      </p:sp>
+      <p:sp>
+        <p:nvSpPr>
+          <p:cNvPr id="3" name="Inhaltsplatzhalter 2"/>
+          <p:cNvSpPr>
+            <a:spLocks noGrp="1"/>
+          </p:cNvSpPr>
+          <p:nvPr>
+            <p:ph idx="1"/>
+          </p:nvPr>
+        </p:nvSpPr>
+        <p:spPr/>
+        <p:txBody>
+          <a:bodyPr/>
+          <a:lstStyle/>
+          <a:p>
+            <a:pPr>
+              <a:spcBef>
+                <a:spcPts val="0"/>
+              </a:spcBef>
+              <a:spcAft>
+                <a:spcPts val="2400"/>
+              </a:spcAft>
+            </a:pPr>
+            <a:r>
+              <a:rPr lang="de-DE" sz="2400" dirty="0" err="1" smtClean="0"/>
+              <a:t>Filtering</a:t>
+            </a:r>
+            <a:endParaRPr lang="de-DE" sz="2400" dirty="0" smtClean="0"/>
+          </a:p>
+          <a:p>
+            <a:pPr lvl="1">
+              <a:spcBef>
+                <a:spcPts val="0"/>
+              </a:spcBef>
+              <a:spcAft>
+                <a:spcPts val="2400"/>
+              </a:spcAft>
+            </a:pPr>
+            <a:r>
+              <a:rPr lang="de-DE" sz="2400" dirty="0"/>
+              <a:t>Filter </a:t>
+            </a:r>
+            <a:r>
+              <a:rPr lang="de-DE" sz="2400" dirty="0" err="1"/>
+              <a:t>range</a:t>
+            </a:r>
+            <a:r>
+              <a:rPr lang="de-DE" sz="2400" dirty="0"/>
+              <a:t> </a:t>
+            </a:r>
+            <a:r>
+              <a:rPr lang="de-DE" sz="2400" dirty="0" err="1"/>
+              <a:t>from</a:t>
+            </a:r>
+            <a:r>
+              <a:rPr lang="de-DE" sz="2400" dirty="0"/>
+              <a:t> </a:t>
+            </a:r>
+            <a:r>
+              <a:rPr lang="de-DE" sz="2400" dirty="0" err="1"/>
+              <a:t>max</a:t>
+            </a:r>
+            <a:r>
+              <a:rPr lang="de-DE" sz="2400" dirty="0"/>
+              <a:t> </a:t>
+            </a:r>
+            <a:r>
+              <a:rPr lang="de-DE" sz="2400" dirty="0" err="1"/>
+              <a:t>to</a:t>
+            </a:r>
+            <a:r>
+              <a:rPr lang="de-DE" sz="2400" dirty="0"/>
+              <a:t> min (e.g. 150 </a:t>
+            </a:r>
+            <a:r>
+              <a:rPr lang="de-DE" sz="2400" dirty="0" err="1"/>
+              <a:t>to</a:t>
+            </a:r>
+            <a:r>
+              <a:rPr lang="de-DE" sz="2400" dirty="0"/>
+              <a:t> 20)</a:t>
+            </a:r>
+          </a:p>
+          <a:p>
+            <a:pPr lvl="1">
+              <a:spcBef>
+                <a:spcPts val="0"/>
+              </a:spcBef>
+              <a:spcAft>
+                <a:spcPts val="2400"/>
+              </a:spcAft>
+            </a:pPr>
+            <a:r>
+              <a:rPr lang="de-DE" sz="2400" dirty="0" smtClean="0"/>
+              <a:t>Live </a:t>
+            </a:r>
+            <a:r>
+              <a:rPr lang="de-DE" sz="2400" dirty="0" err="1"/>
+              <a:t>filtering</a:t>
+            </a:r>
+            <a:r>
+              <a:rPr lang="de-DE" sz="2400" dirty="0"/>
+              <a:t> </a:t>
+            </a:r>
+            <a:r>
+              <a:rPr lang="de-DE" sz="2400" dirty="0" smtClean="0"/>
+              <a:t>in </a:t>
+            </a:r>
+            <a:r>
+              <a:rPr lang="de-DE" sz="2400" dirty="0" err="1" smtClean="0"/>
+              <a:t>addition</a:t>
+            </a:r>
+            <a:r>
+              <a:rPr lang="de-DE" sz="2400" dirty="0" smtClean="0"/>
+              <a:t> </a:t>
+            </a:r>
+            <a:r>
+              <a:rPr lang="de-DE" sz="2400" dirty="0" err="1" smtClean="0"/>
+              <a:t>to</a:t>
+            </a:r>
+            <a:r>
+              <a:rPr lang="de-DE" sz="2400" dirty="0" smtClean="0"/>
+              <a:t> still </a:t>
+            </a:r>
+            <a:r>
+              <a:rPr lang="de-DE" sz="2400" dirty="0" err="1" smtClean="0"/>
+              <a:t>filtering</a:t>
+            </a:r>
+            <a:endParaRPr lang="de-DE" sz="2400" dirty="0" smtClean="0"/>
+          </a:p>
+          <a:p>
+            <a:pPr>
+              <a:spcBef>
+                <a:spcPts val="0"/>
+              </a:spcBef>
+              <a:spcAft>
+                <a:spcPts val="2400"/>
+              </a:spcAft>
+            </a:pPr>
+            <a:r>
+              <a:rPr lang="de-DE" sz="2400" dirty="0" smtClean="0"/>
+              <a:t>Layout</a:t>
+            </a:r>
+          </a:p>
+          <a:p>
+            <a:pPr lvl="1">
+              <a:spcBef>
+                <a:spcPts val="0"/>
+              </a:spcBef>
+              <a:spcAft>
+                <a:spcPts val="2400"/>
+              </a:spcAft>
+            </a:pPr>
+            <a:r>
+              <a:rPr lang="de-DE" sz="2400" dirty="0" smtClean="0"/>
+              <a:t>Change </a:t>
+            </a:r>
+            <a:r>
+              <a:rPr lang="de-DE" sz="2400" dirty="0" err="1" smtClean="0"/>
+              <a:t>fragment</a:t>
+            </a:r>
+            <a:r>
+              <a:rPr lang="de-DE" sz="2400" dirty="0" smtClean="0"/>
+              <a:t> </a:t>
+            </a:r>
+            <a:r>
+              <a:rPr lang="de-DE" sz="2400" dirty="0" err="1" smtClean="0"/>
+              <a:t>layout</a:t>
+            </a:r>
+            <a:r>
+              <a:rPr lang="de-DE" sz="2400" dirty="0" smtClean="0"/>
+              <a:t> </a:t>
+            </a:r>
+            <a:r>
+              <a:rPr lang="de-DE" sz="2400" dirty="0" err="1" smtClean="0"/>
+              <a:t>for</a:t>
+            </a:r>
+            <a:r>
+              <a:rPr lang="de-DE" sz="2400" dirty="0" smtClean="0"/>
+              <a:t> </a:t>
+            </a:r>
+            <a:r>
+              <a:rPr lang="de-DE" sz="2400" dirty="0" err="1" smtClean="0"/>
+              <a:t>smartphones</a:t>
+            </a:r>
+            <a:r>
+              <a:rPr lang="de-DE" sz="2400" dirty="0" smtClean="0"/>
+              <a:t> </a:t>
+            </a:r>
+          </a:p>
+          <a:p>
+            <a:pPr lvl="1">
+              <a:spcBef>
+                <a:spcPts val="0"/>
+              </a:spcBef>
+              <a:spcAft>
+                <a:spcPts val="2400"/>
+              </a:spcAft>
+            </a:pPr>
+            <a:r>
+              <a:rPr lang="de-DE" sz="2400" dirty="0" err="1" smtClean="0"/>
+              <a:t>Use</a:t>
+            </a:r>
+            <a:r>
+              <a:rPr lang="de-DE" sz="2400" dirty="0" smtClean="0"/>
+              <a:t> back </a:t>
+            </a:r>
+            <a:r>
+              <a:rPr lang="de-DE" sz="2400" dirty="0" err="1" smtClean="0"/>
+              <a:t>button</a:t>
+            </a:r>
+            <a:r>
+              <a:rPr lang="de-DE" sz="2400" dirty="0" smtClean="0"/>
+              <a:t> </a:t>
+            </a:r>
+            <a:r>
+              <a:rPr lang="de-DE" sz="2400" dirty="0" err="1" smtClean="0"/>
+              <a:t>to</a:t>
+            </a:r>
+            <a:r>
+              <a:rPr lang="de-DE" sz="2400" dirty="0" smtClean="0"/>
+              <a:t> </a:t>
+            </a:r>
+            <a:r>
+              <a:rPr lang="de-DE" sz="2400" dirty="0" err="1" smtClean="0"/>
+              <a:t>switch</a:t>
+            </a:r>
+            <a:r>
+              <a:rPr lang="de-DE" sz="2400" dirty="0" smtClean="0"/>
+              <a:t> </a:t>
+            </a:r>
+            <a:r>
+              <a:rPr lang="de-DE" sz="2400" dirty="0" err="1" smtClean="0"/>
+              <a:t>between</a:t>
+            </a:r>
+            <a:r>
+              <a:rPr lang="de-DE" sz="2400" dirty="0" smtClean="0"/>
+              <a:t> </a:t>
+            </a:r>
+            <a:r>
+              <a:rPr lang="de-DE" sz="2400" dirty="0" err="1" smtClean="0"/>
+              <a:t>fragments</a:t>
+            </a:r>
+            <a:endParaRPr lang="de-DE" sz="2400" dirty="0" smtClean="0"/>
+          </a:p>
+          <a:p>
+            <a:pPr>
+              <a:spcBef>
+                <a:spcPts val="0"/>
+              </a:spcBef>
+              <a:spcAft>
+                <a:spcPts val="2400"/>
+              </a:spcAft>
+            </a:pPr>
+            <a:r>
+              <a:rPr lang="de-DE" sz="2400" dirty="0" smtClean="0"/>
+              <a:t>Help </a:t>
+            </a:r>
+            <a:r>
+              <a:rPr lang="de-DE" sz="2400" dirty="0" err="1" smtClean="0"/>
+              <a:t>buttons</a:t>
+            </a:r>
+            <a:r>
+              <a:rPr lang="de-DE" sz="2400" dirty="0" smtClean="0"/>
+              <a:t> </a:t>
+            </a:r>
+            <a:r>
+              <a:rPr lang="de-DE" sz="2400" dirty="0" err="1" smtClean="0"/>
+              <a:t>for</a:t>
+            </a:r>
+            <a:r>
+              <a:rPr lang="de-DE" sz="2400" dirty="0" smtClean="0"/>
+              <a:t> </a:t>
+            </a:r>
+            <a:r>
+              <a:rPr lang="de-DE" sz="2400" dirty="0" err="1" smtClean="0"/>
+              <a:t>user</a:t>
+            </a:r>
+            <a:r>
+              <a:rPr lang="de-DE" sz="2400" dirty="0" smtClean="0"/>
+              <a:t> </a:t>
+            </a:r>
+            <a:r>
+              <a:rPr lang="de-DE" sz="2400" dirty="0" err="1" smtClean="0"/>
+              <a:t>comfort</a:t>
+            </a:r>
+            <a:endParaRPr lang="de-DE" sz="2400" dirty="0" smtClean="0"/>
+          </a:p>
+          <a:p>
+            <a:pPr lvl="1">
+              <a:spcBef>
+                <a:spcPts val="0"/>
+              </a:spcBef>
+              <a:spcAft>
+                <a:spcPts val="2400"/>
+              </a:spcAft>
+            </a:pPr>
+            <a:endParaRPr lang="de-DE" dirty="0"/>
+          </a:p>
+          <a:p>
+            <a:endParaRPr lang="de-DE" dirty="0"/>
+          </a:p>
+        </p:txBody>
+      </p:sp>
+      <p:sp>
+        <p:nvSpPr>
+          <p:cNvPr id="4" name="Datumsplatzhalter 3"/>
+          <p:cNvSpPr>
+            <a:spLocks noGrp="1"/>
+          </p:cNvSpPr>
+          <p:nvPr>
+            <p:ph type="dt" sz="half" idx="2"/>
+          </p:nvPr>
+        </p:nvSpPr>
+        <p:spPr/>
+        <p:txBody>
+          <a:bodyPr/>
+          <a:lstStyle/>
+          <a:p>
+            <a:r>
+              <a:rPr lang="de-CH" smtClean="0"/>
+              <a:t>29.01.2016</a:t>
+            </a:r>
+            <a:endParaRPr lang="en-US" dirty="0"/>
+          </a:p>
+        </p:txBody>
+      </p:sp>
+      <p:sp>
+        <p:nvSpPr>
+          <p:cNvPr id="5" name="Fußzeilenplatzhalter 4"/>
+          <p:cNvSpPr>
+            <a:spLocks noGrp="1"/>
+          </p:cNvSpPr>
+          <p:nvPr>
+            <p:ph type="ftr" sz="quarter" idx="3"/>
+          </p:nvPr>
+        </p:nvSpPr>
+        <p:spPr/>
+        <p:txBody>
+          <a:bodyPr/>
+          <a:lstStyle/>
+          <a:p>
+            <a:r>
+              <a:rPr lang="en-US" smtClean="0"/>
+              <a:t>Katie Jones</a:t>
+            </a:r>
+            <a:br>
+              <a:rPr lang="en-US" smtClean="0"/>
+            </a:br>
+            <a:r>
+              <a:rPr lang="en-US" smtClean="0"/>
+              <a:t>Frederike Dümbgen</a:t>
+            </a:r>
+            <a:endParaRPr lang="en-US" dirty="0"/>
+          </a:p>
+        </p:txBody>
+      </p:sp>
+      <p:sp>
+        <p:nvSpPr>
+          <p:cNvPr id="6" name="Foliennummernplatzhalter 5"/>
+          <p:cNvSpPr>
+            <a:spLocks noGrp="1"/>
+          </p:cNvSpPr>
+          <p:nvPr>
+            <p:ph type="sldNum" sz="quarter" idx="4"/>
+          </p:nvPr>
+        </p:nvSpPr>
+        <p:spPr/>
+        <p:txBody>
+          <a:bodyPr/>
+          <a:lstStyle/>
+          <a:p>
+            <a:fld id="{650B5BBF-7EA4-AE40-9211-F5CA64DA190C}" type="slidenum">
+              <a:rPr lang="en-US" smtClean="0"/>
+              <a:pPr/>
+              <a:t>8</a:t>
             </a:fld>
             <a:endParaRPr lang="en-US"/>
           </a:p>
@@ -4261,7 +8582,7 @@
 </p:sld>
 </file>
 
-<file path=ppt/slides/slide4.xml><?xml version="1.0" encoding="utf-8"?>
+<file path=ppt/slides/slide9.xml><?xml version="1.0" encoding="utf-8"?>
 <p:sld xmlns:a="http://schemas.openxmlformats.org/drawingml/2006/main" xmlns:r="http://schemas.openxmlformats.org/officeDocument/2006/relationships" xmlns:p="http://schemas.openxmlformats.org/presentationml/2006/main">
   <p:cSld>
     <p:spTree>
